--- a/說明用工具/張允豪 購物網站 專題 ver.0.000002.pptx
+++ b/說明用工具/張允豪 購物網站 專題 ver.0.000002.pptx
@@ -10,17 +10,19 @@
     <p:sldId id="258" r:id="rId4"/>
     <p:sldId id="259" r:id="rId5"/>
     <p:sldId id="260" r:id="rId6"/>
-    <p:sldId id="261" r:id="rId7"/>
-    <p:sldId id="262" r:id="rId8"/>
-    <p:sldId id="263" r:id="rId9"/>
-    <p:sldId id="264" r:id="rId10"/>
-    <p:sldId id="265" r:id="rId11"/>
-    <p:sldId id="266" r:id="rId12"/>
-    <p:sldId id="267" r:id="rId13"/>
-    <p:sldId id="268" r:id="rId14"/>
-    <p:sldId id="269" r:id="rId15"/>
-    <p:sldId id="270" r:id="rId16"/>
-    <p:sldId id="271" r:id="rId17"/>
+    <p:sldId id="272" r:id="rId7"/>
+    <p:sldId id="273" r:id="rId8"/>
+    <p:sldId id="261" r:id="rId9"/>
+    <p:sldId id="262" r:id="rId10"/>
+    <p:sldId id="263" r:id="rId11"/>
+    <p:sldId id="264" r:id="rId12"/>
+    <p:sldId id="265" r:id="rId13"/>
+    <p:sldId id="266" r:id="rId14"/>
+    <p:sldId id="267" r:id="rId15"/>
+    <p:sldId id="268" r:id="rId16"/>
+    <p:sldId id="269" r:id="rId17"/>
+    <p:sldId id="270" r:id="rId18"/>
+    <p:sldId id="271" r:id="rId19"/>
   </p:sldIdLst>
   <p:sldSz cx="14630400" cy="8229600"/>
   <p:notesSz cx="6858000" cy="9144000"/>
@@ -119,6 +121,11 @@
       </a:defRPr>
     </a:lvl9pPr>
   </p:defaultTextStyle>
+  <p:extLst>
+    <p:ext uri="{EFAFB233-063F-42B5-8137-9DF3F51BA10A}">
+      <p15:sldGuideLst xmlns:p15="http://schemas.microsoft.com/office/powerpoint/2012/main"/>
+    </p:ext>
+  </p:extLst>
 </p:presentation>
 </file>
 
@@ -253,7 +260,7 @@
           <a:p>
             <a:fld id="{163F0119-99E8-4B39-9AE3-1AFDAA3321B4}" type="datetimeFigureOut">
               <a:rPr lang="zh-TW" altLang="en-US" smtClean="0"/>
-              <a:t>2025/5/9</a:t>
+              <a:t>2025/6/8</a:t>
             </a:fld>
             <a:endParaRPr lang="zh-TW" altLang="en-US"/>
           </a:p>
@@ -423,7 +430,7 @@
           <a:p>
             <a:fld id="{163F0119-99E8-4B39-9AE3-1AFDAA3321B4}" type="datetimeFigureOut">
               <a:rPr lang="zh-TW" altLang="en-US" smtClean="0"/>
-              <a:t>2025/5/9</a:t>
+              <a:t>2025/6/8</a:t>
             </a:fld>
             <a:endParaRPr lang="zh-TW" altLang="en-US"/>
           </a:p>
@@ -603,7 +610,7 @@
           <a:p>
             <a:fld id="{163F0119-99E8-4B39-9AE3-1AFDAA3321B4}" type="datetimeFigureOut">
               <a:rPr lang="zh-TW" altLang="en-US" smtClean="0"/>
-              <a:t>2025/5/9</a:t>
+              <a:t>2025/6/8</a:t>
             </a:fld>
             <a:endParaRPr lang="zh-TW" altLang="en-US"/>
           </a:p>
@@ -773,7 +780,7 @@
           <a:p>
             <a:fld id="{163F0119-99E8-4B39-9AE3-1AFDAA3321B4}" type="datetimeFigureOut">
               <a:rPr lang="zh-TW" altLang="en-US" smtClean="0"/>
-              <a:t>2025/5/9</a:t>
+              <a:t>2025/6/8</a:t>
             </a:fld>
             <a:endParaRPr lang="zh-TW" altLang="en-US"/>
           </a:p>
@@ -1019,7 +1026,7 @@
           <a:p>
             <a:fld id="{163F0119-99E8-4B39-9AE3-1AFDAA3321B4}" type="datetimeFigureOut">
               <a:rPr lang="zh-TW" altLang="en-US" smtClean="0"/>
-              <a:t>2025/5/9</a:t>
+              <a:t>2025/6/8</a:t>
             </a:fld>
             <a:endParaRPr lang="zh-TW" altLang="en-US"/>
           </a:p>
@@ -1251,7 +1258,7 @@
           <a:p>
             <a:fld id="{163F0119-99E8-4B39-9AE3-1AFDAA3321B4}" type="datetimeFigureOut">
               <a:rPr lang="zh-TW" altLang="en-US" smtClean="0"/>
-              <a:t>2025/5/9</a:t>
+              <a:t>2025/6/8</a:t>
             </a:fld>
             <a:endParaRPr lang="zh-TW" altLang="en-US"/>
           </a:p>
@@ -1618,7 +1625,7 @@
           <a:p>
             <a:fld id="{163F0119-99E8-4B39-9AE3-1AFDAA3321B4}" type="datetimeFigureOut">
               <a:rPr lang="zh-TW" altLang="en-US" smtClean="0"/>
-              <a:t>2025/5/9</a:t>
+              <a:t>2025/6/8</a:t>
             </a:fld>
             <a:endParaRPr lang="zh-TW" altLang="en-US"/>
           </a:p>
@@ -1736,7 +1743,7 @@
           <a:p>
             <a:fld id="{163F0119-99E8-4B39-9AE3-1AFDAA3321B4}" type="datetimeFigureOut">
               <a:rPr lang="zh-TW" altLang="en-US" smtClean="0"/>
-              <a:t>2025/5/9</a:t>
+              <a:t>2025/6/8</a:t>
             </a:fld>
             <a:endParaRPr lang="zh-TW" altLang="en-US"/>
           </a:p>
@@ -1831,7 +1838,7 @@
           <a:p>
             <a:fld id="{163F0119-99E8-4B39-9AE3-1AFDAA3321B4}" type="datetimeFigureOut">
               <a:rPr lang="zh-TW" altLang="en-US" smtClean="0"/>
-              <a:t>2025/5/9</a:t>
+              <a:t>2025/6/8</a:t>
             </a:fld>
             <a:endParaRPr lang="zh-TW" altLang="en-US"/>
           </a:p>
@@ -2108,7 +2115,7 @@
           <a:p>
             <a:fld id="{163F0119-99E8-4B39-9AE3-1AFDAA3321B4}" type="datetimeFigureOut">
               <a:rPr lang="zh-TW" altLang="en-US" smtClean="0"/>
-              <a:t>2025/5/9</a:t>
+              <a:t>2025/6/8</a:t>
             </a:fld>
             <a:endParaRPr lang="zh-TW" altLang="en-US"/>
           </a:p>
@@ -2365,7 +2372,7 @@
           <a:p>
             <a:fld id="{163F0119-99E8-4B39-9AE3-1AFDAA3321B4}" type="datetimeFigureOut">
               <a:rPr lang="zh-TW" altLang="en-US" smtClean="0"/>
-              <a:t>2025/5/9</a:t>
+              <a:t>2025/6/8</a:t>
             </a:fld>
             <a:endParaRPr lang="zh-TW" altLang="en-US"/>
           </a:p>
@@ -2583,7 +2590,7 @@
           <a:p>
             <a:fld id="{163F0119-99E8-4B39-9AE3-1AFDAA3321B4}" type="datetimeFigureOut">
               <a:rPr lang="zh-TW" altLang="en-US" smtClean="0"/>
-              <a:t>2025/5/9</a:t>
+              <a:t>2025/6/8</a:t>
             </a:fld>
             <a:endParaRPr lang="zh-TW" altLang="en-US"/>
           </a:p>
@@ -2993,7 +3000,7 @@
           <p:cNvPr id="40" name="Image 0" descr="preencoded.png">
             <a:extLst>
               <a:ext uri="{FF2B5EF4-FFF2-40B4-BE49-F238E27FC236}">
-                <a16:creationId xmlns:a16="http://schemas.microsoft.com/office/drawing/2014/main" id="{04CEEAB9-DB57-FE01-4F9D-D411E8E1E9FB}"/>
+                <a16:creationId xmlns:a16="http://schemas.microsoft.com/office/drawing/2014/main" xmlns="" id="{04CEEAB9-DB57-FE01-4F9D-D411E8E1E9FB}"/>
               </a:ext>
             </a:extLst>
           </p:cNvPr>
@@ -3023,7 +3030,7 @@
           <p:cNvPr id="41" name="Text 0">
             <a:extLst>
               <a:ext uri="{FF2B5EF4-FFF2-40B4-BE49-F238E27FC236}">
-                <a16:creationId xmlns:a16="http://schemas.microsoft.com/office/drawing/2014/main" id="{C95CF852-25B4-EB48-5D84-4B7AF9A6D01A}"/>
+                <a16:creationId xmlns:a16="http://schemas.microsoft.com/office/drawing/2014/main" xmlns="" id="{C95CF852-25B4-EB48-5D84-4B7AF9A6D01A}"/>
               </a:ext>
             </a:extLst>
           </p:cNvPr>
@@ -3073,7 +3080,7 @@
           <p:cNvPr id="42" name="Text 1">
             <a:extLst>
               <a:ext uri="{FF2B5EF4-FFF2-40B4-BE49-F238E27FC236}">
-                <a16:creationId xmlns:a16="http://schemas.microsoft.com/office/drawing/2014/main" id="{9B3DF7CB-7692-FF2B-09DA-7A2F18142EA4}"/>
+                <a16:creationId xmlns:a16="http://schemas.microsoft.com/office/drawing/2014/main" xmlns="" id="{9B3DF7CB-7692-FF2B-09DA-7A2F18142EA4}"/>
               </a:ext>
             </a:extLst>
           </p:cNvPr>
@@ -3121,7 +3128,7 @@
           <p:cNvPr id="43" name="Text 2">
             <a:extLst>
               <a:ext uri="{FF2B5EF4-FFF2-40B4-BE49-F238E27FC236}">
-                <a16:creationId xmlns:a16="http://schemas.microsoft.com/office/drawing/2014/main" id="{4EFFF814-28DB-132B-F97B-D78810258A97}"/>
+                <a16:creationId xmlns:a16="http://schemas.microsoft.com/office/drawing/2014/main" xmlns="" id="{4EFFF814-28DB-132B-F97B-D78810258A97}"/>
               </a:ext>
             </a:extLst>
           </p:cNvPr>
@@ -3169,7 +3176,7 @@
           <p:cNvPr id="44" name="Text 3">
             <a:extLst>
               <a:ext uri="{FF2B5EF4-FFF2-40B4-BE49-F238E27FC236}">
-                <a16:creationId xmlns:a16="http://schemas.microsoft.com/office/drawing/2014/main" id="{9AB370BD-A1D1-6909-9B09-0A6E8830B946}"/>
+                <a16:creationId xmlns:a16="http://schemas.microsoft.com/office/drawing/2014/main" xmlns="" id="{9AB370BD-A1D1-6909-9B09-0A6E8830B946}"/>
               </a:ext>
             </a:extLst>
           </p:cNvPr>
@@ -3217,7 +3224,7 @@
           <p:cNvPr id="45" name="Text 4">
             <a:extLst>
               <a:ext uri="{FF2B5EF4-FFF2-40B4-BE49-F238E27FC236}">
-                <a16:creationId xmlns:a16="http://schemas.microsoft.com/office/drawing/2014/main" id="{1C81B240-1D8B-64E3-7732-8DF6BDD4AFDB}"/>
+                <a16:creationId xmlns:a16="http://schemas.microsoft.com/office/drawing/2014/main" xmlns="" id="{1C81B240-1D8B-64E3-7732-8DF6BDD4AFDB}"/>
               </a:ext>
             </a:extLst>
           </p:cNvPr>
@@ -3265,7 +3272,7 @@
           <p:cNvPr id="46" name="Shape 5">
             <a:extLst>
               <a:ext uri="{FF2B5EF4-FFF2-40B4-BE49-F238E27FC236}">
-                <a16:creationId xmlns:a16="http://schemas.microsoft.com/office/drawing/2014/main" id="{A54D3D73-FA2A-3F36-7172-F15CDE7FE7B2}"/>
+                <a16:creationId xmlns:a16="http://schemas.microsoft.com/office/drawing/2014/main" xmlns="" id="{A54D3D73-FA2A-3F36-7172-F15CDE7FE7B2}"/>
               </a:ext>
             </a:extLst>
           </p:cNvPr>
@@ -3298,7 +3305,7 @@
           <p:cNvPr id="47" name="Text 6">
             <a:extLst>
               <a:ext uri="{FF2B5EF4-FFF2-40B4-BE49-F238E27FC236}">
-                <a16:creationId xmlns:a16="http://schemas.microsoft.com/office/drawing/2014/main" id="{61BC89C1-314A-C5E0-C73D-3DA61904E724}"/>
+                <a16:creationId xmlns:a16="http://schemas.microsoft.com/office/drawing/2014/main" xmlns="" id="{61BC89C1-314A-C5E0-C73D-3DA61904E724}"/>
               </a:ext>
             </a:extLst>
           </p:cNvPr>
@@ -3346,7 +3353,7 @@
           <p:cNvPr id="48" name="Text 7">
             <a:extLst>
               <a:ext uri="{FF2B5EF4-FFF2-40B4-BE49-F238E27FC236}">
-                <a16:creationId xmlns:a16="http://schemas.microsoft.com/office/drawing/2014/main" id="{280CA2A4-BD2D-0C8F-61F1-A7E7B84FD808}"/>
+                <a16:creationId xmlns:a16="http://schemas.microsoft.com/office/drawing/2014/main" xmlns="" id="{280CA2A4-BD2D-0C8F-61F1-A7E7B84FD808}"/>
               </a:ext>
             </a:extLst>
           </p:cNvPr>
@@ -3424,7 +3431,7 @@
           <p:cNvPr id="2" name="Image 0" descr="preencoded.png">
             <a:extLst>
               <a:ext uri="{FF2B5EF4-FFF2-40B4-BE49-F238E27FC236}">
-                <a16:creationId xmlns:a16="http://schemas.microsoft.com/office/drawing/2014/main" id="{DB78EE77-4E5E-99A8-7B93-3656A60E8B5C}"/>
+                <a16:creationId xmlns:a16="http://schemas.microsoft.com/office/drawing/2014/main" xmlns="" id="{1D42A72D-39C8-95EB-F1E2-F51078C43E48}"/>
               </a:ext>
             </a:extLst>
           </p:cNvPr>
@@ -3441,7 +3448,7 @@
         </p:blipFill>
         <p:spPr>
           <a:xfrm>
-            <a:off x="0" y="0"/>
+            <a:off x="9144000" y="0"/>
             <a:ext cx="5486400" cy="8229600"/>
           </a:xfrm>
           <a:prstGeom prst="rect">
@@ -3454,17 +3461,17 @@
           <p:cNvPr id="3" name="Text 0">
             <a:extLst>
               <a:ext uri="{FF2B5EF4-FFF2-40B4-BE49-F238E27FC236}">
-                <a16:creationId xmlns:a16="http://schemas.microsoft.com/office/drawing/2014/main" id="{5C17D3ED-A85C-614C-6F5F-0F8B4B8933E8}"/>
-              </a:ext>
-            </a:extLst>
-          </p:cNvPr>
-          <p:cNvSpPr/>
-          <p:nvPr/>
-        </p:nvSpPr>
-        <p:spPr>
-          <a:xfrm>
-            <a:off x="6324124" y="2191583"/>
-            <a:ext cx="5632490" cy="704017"/>
+                <a16:creationId xmlns:a16="http://schemas.microsoft.com/office/drawing/2014/main" xmlns="" id="{8BF2A6AB-1F7E-9633-389D-D723B15A9392}"/>
+              </a:ext>
+            </a:extLst>
+          </p:cNvPr>
+          <p:cNvSpPr/>
+          <p:nvPr/>
+        </p:nvSpPr>
+        <p:spPr>
+          <a:xfrm>
+            <a:off x="837724" y="1914882"/>
+            <a:ext cx="6757988" cy="704017"/>
           </a:xfrm>
           <a:prstGeom prst="rect">
             <a:avLst/>
@@ -3491,7 +3498,7 @@
                 <a:ea typeface="Unbounded" pitchFamily="34" charset="-122"/>
                 <a:cs typeface="Unbounded" pitchFamily="34" charset="-120"/>
               </a:rPr>
-              <a:t>前台功能：登錄/註冊</a:t>
+              <a:t>前台功能：使用者體驗至上</a:t>
             </a:r>
             <a:endParaRPr lang="en-US" sz="4400" dirty="0"/>
           </a:p>
@@ -3502,21 +3509,21 @@
           <p:cNvPr id="4" name="Shape 1">
             <a:extLst>
               <a:ext uri="{FF2B5EF4-FFF2-40B4-BE49-F238E27FC236}">
-                <a16:creationId xmlns:a16="http://schemas.microsoft.com/office/drawing/2014/main" id="{1B708920-7D83-2557-C5EE-969F363F688E}"/>
-              </a:ext>
-            </a:extLst>
-          </p:cNvPr>
-          <p:cNvSpPr/>
-          <p:nvPr/>
-        </p:nvSpPr>
-        <p:spPr>
-          <a:xfrm>
-            <a:off x="6324124" y="3254573"/>
-            <a:ext cx="538520" cy="538520"/>
+                <a16:creationId xmlns:a16="http://schemas.microsoft.com/office/drawing/2014/main" xmlns="" id="{6C660091-FD11-19F4-B101-AD493F3FAABB}"/>
+              </a:ext>
+            </a:extLst>
+          </p:cNvPr>
+          <p:cNvSpPr/>
+          <p:nvPr/>
+        </p:nvSpPr>
+        <p:spPr>
+          <a:xfrm>
+            <a:off x="837724" y="2977872"/>
+            <a:ext cx="3614618" cy="1740218"/>
           </a:xfrm>
           <a:prstGeom prst="roundRect">
             <a:avLst>
-              <a:gd name="adj" fmla="val 6668"/>
+              <a:gd name="adj" fmla="val 2063"/>
             </a:avLst>
           </a:prstGeom>
           <a:solidFill>
@@ -3530,17 +3537,17 @@
           <p:cNvPr id="5" name="Text 2">
             <a:extLst>
               <a:ext uri="{FF2B5EF4-FFF2-40B4-BE49-F238E27FC236}">
-                <a16:creationId xmlns:a16="http://schemas.microsoft.com/office/drawing/2014/main" id="{525A2525-6238-2A2C-F363-D7B41FF84E72}"/>
-              </a:ext>
-            </a:extLst>
-          </p:cNvPr>
-          <p:cNvSpPr/>
-          <p:nvPr/>
-        </p:nvSpPr>
-        <p:spPr>
-          <a:xfrm>
-            <a:off x="7101959" y="3336846"/>
-            <a:ext cx="2806898" cy="351949"/>
+                <a16:creationId xmlns:a16="http://schemas.microsoft.com/office/drawing/2014/main" xmlns="" id="{101A07B7-081B-4384-C963-FFC0D5B53663}"/>
+              </a:ext>
+            </a:extLst>
+          </p:cNvPr>
+          <p:cNvSpPr/>
+          <p:nvPr/>
+        </p:nvSpPr>
+        <p:spPr>
+          <a:xfrm>
+            <a:off x="1077039" y="3217188"/>
+            <a:ext cx="2816185" cy="351949"/>
           </a:xfrm>
           <a:prstGeom prst="rect">
             <a:avLst/>
@@ -3567,7 +3574,7 @@
                 <a:ea typeface="Unbounded" pitchFamily="34" charset="-122"/>
                 <a:cs typeface="Unbounded" pitchFamily="34" charset="-120"/>
               </a:rPr>
-              <a:t>快速註冊流程</a:t>
+              <a:t>最近看過商品</a:t>
             </a:r>
             <a:endParaRPr lang="en-US" sz="2200" dirty="0"/>
           </a:p>
@@ -3578,17 +3585,17 @@
           <p:cNvPr id="6" name="Text 3">
             <a:extLst>
               <a:ext uri="{FF2B5EF4-FFF2-40B4-BE49-F238E27FC236}">
-                <a16:creationId xmlns:a16="http://schemas.microsoft.com/office/drawing/2014/main" id="{003E8AB1-B42E-162E-6AAE-453861A86BDA}"/>
-              </a:ext>
-            </a:extLst>
-          </p:cNvPr>
-          <p:cNvSpPr/>
-          <p:nvPr/>
-        </p:nvSpPr>
-        <p:spPr>
-          <a:xfrm>
-            <a:off x="7101959" y="3832384"/>
-            <a:ext cx="2806898" cy="766048"/>
+                <a16:creationId xmlns:a16="http://schemas.microsoft.com/office/drawing/2014/main" xmlns="" id="{462400A2-D484-A8F3-CCF3-32E253FD6954}"/>
+              </a:ext>
+            </a:extLst>
+          </p:cNvPr>
+          <p:cNvSpPr/>
+          <p:nvPr/>
+        </p:nvSpPr>
+        <p:spPr>
+          <a:xfrm>
+            <a:off x="1077039" y="3712726"/>
+            <a:ext cx="3135987" cy="766048"/>
           </a:xfrm>
           <a:prstGeom prst="rect">
             <a:avLst/>
@@ -3615,7 +3622,7 @@
                 <a:ea typeface="Cabin" pitchFamily="34" charset="-122"/>
                 <a:cs typeface="Cabin" pitchFamily="34" charset="-120"/>
               </a:rPr>
-              <a:t>支援 Email 與手機驗證，流程簡便</a:t>
+              <a:t>追蹤瀏覽紀錄，方便用戶回顧商品</a:t>
             </a:r>
             <a:endParaRPr lang="en-US" sz="1850" dirty="0"/>
           </a:p>
@@ -3626,21 +3633,21 @@
           <p:cNvPr id="7" name="Shape 4">
             <a:extLst>
               <a:ext uri="{FF2B5EF4-FFF2-40B4-BE49-F238E27FC236}">
-                <a16:creationId xmlns:a16="http://schemas.microsoft.com/office/drawing/2014/main" id="{F36587D7-4551-5330-3E6B-68DE097B3EA7}"/>
-              </a:ext>
-            </a:extLst>
-          </p:cNvPr>
-          <p:cNvSpPr/>
-          <p:nvPr/>
-        </p:nvSpPr>
-        <p:spPr>
-          <a:xfrm>
-            <a:off x="10208062" y="3254573"/>
-            <a:ext cx="538520" cy="538520"/>
+                <a16:creationId xmlns:a16="http://schemas.microsoft.com/office/drawing/2014/main" xmlns="" id="{2B8FEFA1-65DA-DEEF-1B3F-0DC7ECD2278D}"/>
+              </a:ext>
+            </a:extLst>
+          </p:cNvPr>
+          <p:cNvSpPr/>
+          <p:nvPr/>
+        </p:nvSpPr>
+        <p:spPr>
+          <a:xfrm>
+            <a:off x="4691658" y="2977872"/>
+            <a:ext cx="3614618" cy="1740218"/>
           </a:xfrm>
           <a:prstGeom prst="roundRect">
             <a:avLst>
-              <a:gd name="adj" fmla="val 6668"/>
+              <a:gd name="adj" fmla="val 2063"/>
             </a:avLst>
           </a:prstGeom>
           <a:solidFill>
@@ -3654,17 +3661,17 @@
           <p:cNvPr id="8" name="Text 5">
             <a:extLst>
               <a:ext uri="{FF2B5EF4-FFF2-40B4-BE49-F238E27FC236}">
-                <a16:creationId xmlns:a16="http://schemas.microsoft.com/office/drawing/2014/main" id="{54375555-31C2-0C78-D98D-D284903CFEB0}"/>
-              </a:ext>
-            </a:extLst>
-          </p:cNvPr>
-          <p:cNvSpPr/>
-          <p:nvPr/>
-        </p:nvSpPr>
-        <p:spPr>
-          <a:xfrm>
-            <a:off x="10985897" y="3336846"/>
-            <a:ext cx="2806898" cy="351949"/>
+                <a16:creationId xmlns:a16="http://schemas.microsoft.com/office/drawing/2014/main" xmlns="" id="{F636048F-4C36-6D44-AA6F-5D21733034BE}"/>
+              </a:ext>
+            </a:extLst>
+          </p:cNvPr>
+          <p:cNvSpPr/>
+          <p:nvPr/>
+        </p:nvSpPr>
+        <p:spPr>
+          <a:xfrm>
+            <a:off x="4930973" y="3217188"/>
+            <a:ext cx="2816185" cy="351949"/>
           </a:xfrm>
           <a:prstGeom prst="rect">
             <a:avLst/>
@@ -3691,7 +3698,7 @@
                 <a:ea typeface="Unbounded" pitchFamily="34" charset="-122"/>
                 <a:cs typeface="Unbounded" pitchFamily="34" charset="-120"/>
               </a:rPr>
-              <a:t>社交帳號登錄</a:t>
+              <a:t>購物車管理</a:t>
             </a:r>
             <a:endParaRPr lang="en-US" sz="2200" dirty="0"/>
           </a:p>
@@ -3702,17 +3709,17 @@
           <p:cNvPr id="9" name="Text 6">
             <a:extLst>
               <a:ext uri="{FF2B5EF4-FFF2-40B4-BE49-F238E27FC236}">
-                <a16:creationId xmlns:a16="http://schemas.microsoft.com/office/drawing/2014/main" id="{31FA1D24-44A2-B7ED-DA75-DCA52938D7E0}"/>
-              </a:ext>
-            </a:extLst>
-          </p:cNvPr>
-          <p:cNvSpPr/>
-          <p:nvPr/>
-        </p:nvSpPr>
-        <p:spPr>
-          <a:xfrm>
-            <a:off x="10985897" y="3832384"/>
-            <a:ext cx="2806898" cy="766048"/>
+                <a16:creationId xmlns:a16="http://schemas.microsoft.com/office/drawing/2014/main" xmlns="" id="{6BBFCEEE-A067-D3FE-98EA-BF5239A138DB}"/>
+              </a:ext>
+            </a:extLst>
+          </p:cNvPr>
+          <p:cNvSpPr/>
+          <p:nvPr/>
+        </p:nvSpPr>
+        <p:spPr>
+          <a:xfrm>
+            <a:off x="4930973" y="3712726"/>
+            <a:ext cx="3135987" cy="766048"/>
           </a:xfrm>
           <a:prstGeom prst="rect">
             <a:avLst/>
@@ -3739,7 +3746,7 @@
                 <a:ea typeface="Cabin" pitchFamily="34" charset="-122"/>
                 <a:cs typeface="Cabin" pitchFamily="34" charset="-120"/>
               </a:rPr>
-              <a:t>整合 Google、Facebook 等第三方登入</a:t>
+              <a:t>支援商品新增、刪除與數量調整</a:t>
             </a:r>
             <a:endParaRPr lang="en-US" sz="1850" dirty="0"/>
           </a:p>
@@ -3750,21 +3757,21 @@
           <p:cNvPr id="10" name="Shape 7">
             <a:extLst>
               <a:ext uri="{FF2B5EF4-FFF2-40B4-BE49-F238E27FC236}">
-                <a16:creationId xmlns:a16="http://schemas.microsoft.com/office/drawing/2014/main" id="{2CDEA406-0DE3-ED2A-DEDA-E72E1267A1F2}"/>
-              </a:ext>
-            </a:extLst>
-          </p:cNvPr>
-          <p:cNvSpPr/>
-          <p:nvPr/>
-        </p:nvSpPr>
-        <p:spPr>
-          <a:xfrm>
-            <a:off x="6324124" y="5077182"/>
-            <a:ext cx="538520" cy="538520"/>
+                <a16:creationId xmlns:a16="http://schemas.microsoft.com/office/drawing/2014/main" xmlns="" id="{DE1F0B5E-5085-2EE2-9290-B4EB90339DF7}"/>
+              </a:ext>
+            </a:extLst>
+          </p:cNvPr>
+          <p:cNvSpPr/>
+          <p:nvPr/>
+        </p:nvSpPr>
+        <p:spPr>
+          <a:xfrm>
+            <a:off x="837724" y="4957405"/>
+            <a:ext cx="7468553" cy="1357193"/>
           </a:xfrm>
           <a:prstGeom prst="roundRect">
             <a:avLst>
-              <a:gd name="adj" fmla="val 6668"/>
+              <a:gd name="adj" fmla="val 2646"/>
             </a:avLst>
           </a:prstGeom>
           <a:solidFill>
@@ -3778,16 +3785,16 @@
           <p:cNvPr id="11" name="Text 8">
             <a:extLst>
               <a:ext uri="{FF2B5EF4-FFF2-40B4-BE49-F238E27FC236}">
-                <a16:creationId xmlns:a16="http://schemas.microsoft.com/office/drawing/2014/main" id="{F695FB61-72A5-A684-D20B-0E3BCF6F2DEE}"/>
-              </a:ext>
-            </a:extLst>
-          </p:cNvPr>
-          <p:cNvSpPr/>
-          <p:nvPr/>
-        </p:nvSpPr>
-        <p:spPr>
-          <a:xfrm>
-            <a:off x="7101959" y="5159454"/>
+                <a16:creationId xmlns:a16="http://schemas.microsoft.com/office/drawing/2014/main" xmlns="" id="{A00863E8-4C0B-E789-CB2A-9F6F1E19F32D}"/>
+              </a:ext>
+            </a:extLst>
+          </p:cNvPr>
+          <p:cNvSpPr/>
+          <p:nvPr/>
+        </p:nvSpPr>
+        <p:spPr>
+          <a:xfrm>
+            <a:off x="1077039" y="5196721"/>
             <a:ext cx="2816185" cy="351949"/>
           </a:xfrm>
           <a:prstGeom prst="rect">
@@ -3815,7 +3822,7 @@
                 <a:ea typeface="Unbounded" pitchFamily="34" charset="-122"/>
                 <a:cs typeface="Unbounded" pitchFamily="34" charset="-120"/>
               </a:rPr>
-              <a:t>忘記密碼流程</a:t>
+              <a:t>商品搜尋與篩選</a:t>
             </a:r>
             <a:endParaRPr lang="en-US" sz="2200" dirty="0"/>
           </a:p>
@@ -3826,17 +3833,17 @@
           <p:cNvPr id="12" name="Text 9">
             <a:extLst>
               <a:ext uri="{FF2B5EF4-FFF2-40B4-BE49-F238E27FC236}">
-                <a16:creationId xmlns:a16="http://schemas.microsoft.com/office/drawing/2014/main" id="{FC6D28B1-0043-283C-9FE5-8FB166F18ED9}"/>
-              </a:ext>
-            </a:extLst>
-          </p:cNvPr>
-          <p:cNvSpPr/>
-          <p:nvPr/>
-        </p:nvSpPr>
-        <p:spPr>
-          <a:xfrm>
-            <a:off x="7101959" y="5654993"/>
-            <a:ext cx="6690717" cy="383024"/>
+                <a16:creationId xmlns:a16="http://schemas.microsoft.com/office/drawing/2014/main" xmlns="" id="{5541A060-9A7A-52F5-84D2-F9FABAA334DA}"/>
+              </a:ext>
+            </a:extLst>
+          </p:cNvPr>
+          <p:cNvSpPr/>
+          <p:nvPr/>
+        </p:nvSpPr>
+        <p:spPr>
+          <a:xfrm>
+            <a:off x="1077039" y="5692259"/>
+            <a:ext cx="6989921" cy="383024"/>
           </a:xfrm>
           <a:prstGeom prst="rect">
             <a:avLst/>
@@ -3863,7 +3870,7 @@
                 <a:ea typeface="Cabin" pitchFamily="34" charset="-122"/>
                 <a:cs typeface="Cabin" pitchFamily="34" charset="-120"/>
               </a:rPr>
-              <a:t>簡易重設密碼功能，提升使用便利性</a:t>
+              <a:t>關鍵字、分類及價格區間多元篩選</a:t>
             </a:r>
             <a:endParaRPr lang="en-US" sz="1850" dirty="0"/>
           </a:p>
@@ -3872,7 +3879,7 @@
     </p:spTree>
     <p:extLst>
       <p:ext uri="{BB962C8B-B14F-4D97-AF65-F5344CB8AC3E}">
-        <p14:creationId xmlns:p14="http://schemas.microsoft.com/office/powerpoint/2010/main" val="4051262160"/>
+        <p14:creationId xmlns:p14="http://schemas.microsoft.com/office/powerpoint/2010/main" val="3851110173"/>
       </p:ext>
     </p:extLst>
   </p:cSld>
@@ -3899,51 +3906,21 @@
           <a:chExt cx="0" cy="0"/>
         </a:xfrm>
       </p:grpSpPr>
-      <p:pic>
-        <p:nvPicPr>
-          <p:cNvPr id="13" name="Image 0" descr="preencoded.png">
-            <a:extLst>
-              <a:ext uri="{FF2B5EF4-FFF2-40B4-BE49-F238E27FC236}">
-                <a16:creationId xmlns:a16="http://schemas.microsoft.com/office/drawing/2014/main" id="{859462BB-E089-1179-F12F-767A4553A5CA}"/>
-              </a:ext>
-            </a:extLst>
-          </p:cNvPr>
-          <p:cNvPicPr>
-            <a:picLocks noChangeAspect="1"/>
-          </p:cNvPicPr>
-          <p:nvPr/>
-        </p:nvPicPr>
-        <p:blipFill>
-          <a:blip r:embed="rId2"/>
-          <a:stretch>
-            <a:fillRect/>
-          </a:stretch>
-        </p:blipFill>
-        <p:spPr>
-          <a:xfrm>
-            <a:off x="0" y="0"/>
-            <a:ext cx="5486400" cy="8229600"/>
-          </a:xfrm>
-          <a:prstGeom prst="rect">
-            <a:avLst/>
-          </a:prstGeom>
-        </p:spPr>
-      </p:pic>
-      <p:sp>
-        <p:nvSpPr>
-          <p:cNvPr id="14" name="Text 0">
-            <a:extLst>
-              <a:ext uri="{FF2B5EF4-FFF2-40B4-BE49-F238E27FC236}">
-                <a16:creationId xmlns:a16="http://schemas.microsoft.com/office/drawing/2014/main" id="{3BB6AD06-1FAD-E83C-8A0F-5E1DB2F28494}"/>
-              </a:ext>
-            </a:extLst>
-          </p:cNvPr>
-          <p:cNvSpPr/>
-          <p:nvPr/>
-        </p:nvSpPr>
-        <p:spPr>
-          <a:xfrm>
-            <a:off x="6324124" y="2696408"/>
+      <p:sp>
+        <p:nvSpPr>
+          <p:cNvPr id="2" name="Text 0">
+            <a:extLst>
+              <a:ext uri="{FF2B5EF4-FFF2-40B4-BE49-F238E27FC236}">
+                <a16:creationId xmlns:a16="http://schemas.microsoft.com/office/drawing/2014/main" xmlns="" id="{4BECE61C-96CC-4A9D-6230-C060D27295AB}"/>
+              </a:ext>
+            </a:extLst>
+          </p:cNvPr>
+          <p:cNvSpPr/>
+          <p:nvPr/>
+        </p:nvSpPr>
+        <p:spPr>
+          <a:xfrm>
+            <a:off x="837724" y="2467928"/>
             <a:ext cx="5632490" cy="704017"/>
           </a:xfrm>
           <a:prstGeom prst="rect">
@@ -3971,7 +3948,7 @@
                 <a:ea typeface="Unbounded" pitchFamily="34" charset="-122"/>
                 <a:cs typeface="Unbounded" pitchFamily="34" charset="-120"/>
               </a:rPr>
-              <a:t>後台功能：商品管理</a:t>
+              <a:t>前台功能：會員中心</a:t>
             </a:r>
             <a:endParaRPr lang="en-US" sz="4400" dirty="0"/>
           </a:p>
@@ -3979,47 +3956,19 @@
       </p:sp>
       <p:sp>
         <p:nvSpPr>
-          <p:cNvPr id="15" name="Shape 1">
-            <a:extLst>
-              <a:ext uri="{FF2B5EF4-FFF2-40B4-BE49-F238E27FC236}">
-                <a16:creationId xmlns:a16="http://schemas.microsoft.com/office/drawing/2014/main" id="{A33C417B-80A3-1650-D9D1-6E4EF0A19D1E}"/>
-              </a:ext>
-            </a:extLst>
-          </p:cNvPr>
-          <p:cNvSpPr/>
-          <p:nvPr/>
-        </p:nvSpPr>
-        <p:spPr>
-          <a:xfrm>
-            <a:off x="6324124" y="3759398"/>
-            <a:ext cx="179427" cy="351949"/>
-          </a:xfrm>
-          <a:prstGeom prst="roundRect">
-            <a:avLst>
-              <a:gd name="adj" fmla="val 20012"/>
-            </a:avLst>
-          </a:prstGeom>
-          <a:solidFill>
-            <a:srgbClr val="304755"/>
-          </a:solidFill>
-          <a:ln/>
-        </p:spPr>
-      </p:sp>
-      <p:sp>
-        <p:nvSpPr>
-          <p:cNvPr id="16" name="Text 2">
-            <a:extLst>
-              <a:ext uri="{FF2B5EF4-FFF2-40B4-BE49-F238E27FC236}">
-                <a16:creationId xmlns:a16="http://schemas.microsoft.com/office/drawing/2014/main" id="{CA008A43-82F8-359E-FEB4-8F6DACD4D05D}"/>
-              </a:ext>
-            </a:extLst>
-          </p:cNvPr>
-          <p:cNvSpPr/>
-          <p:nvPr/>
-        </p:nvSpPr>
-        <p:spPr>
-          <a:xfrm>
-            <a:off x="6862524" y="3759398"/>
+          <p:cNvPr id="3" name="Text 1">
+            <a:extLst>
+              <a:ext uri="{FF2B5EF4-FFF2-40B4-BE49-F238E27FC236}">
+                <a16:creationId xmlns:a16="http://schemas.microsoft.com/office/drawing/2014/main" xmlns="" id="{3F0623C5-E73C-1A4C-5B8B-B7BD4678909F}"/>
+              </a:ext>
+            </a:extLst>
+          </p:cNvPr>
+          <p:cNvSpPr/>
+          <p:nvPr/>
+        </p:nvSpPr>
+        <p:spPr>
+          <a:xfrm>
+            <a:off x="837724" y="3770233"/>
             <a:ext cx="2816185" cy="351949"/>
           </a:xfrm>
           <a:prstGeom prst="rect">
@@ -4041,13 +3990,13 @@
             <a:r>
               <a:rPr lang="en-US" sz="2200" dirty="0">
                 <a:solidFill>
-                  <a:srgbClr val="CAD6DE"/>
+                  <a:srgbClr val="FFFFFF"/>
                 </a:solidFill>
                 <a:latin typeface="Unbounded" pitchFamily="34" charset="0"/>
                 <a:ea typeface="Unbounded" pitchFamily="34" charset="-122"/>
                 <a:cs typeface="Unbounded" pitchFamily="34" charset="-120"/>
               </a:rPr>
-              <a:t>商品新增與修改</a:t>
+              <a:t>買家頁面</a:t>
             </a:r>
             <a:endParaRPr lang="en-US" sz="2200" dirty="0"/>
           </a:p>
@@ -4055,47 +4004,166 @@
       </p:sp>
       <p:sp>
         <p:nvSpPr>
-          <p:cNvPr id="17" name="Shape 3">
-            <a:extLst>
-              <a:ext uri="{FF2B5EF4-FFF2-40B4-BE49-F238E27FC236}">
-                <a16:creationId xmlns:a16="http://schemas.microsoft.com/office/drawing/2014/main" id="{D62AEC18-DF97-B119-A3E5-F51E0F2CE947}"/>
-              </a:ext>
-            </a:extLst>
-          </p:cNvPr>
-          <p:cNvSpPr/>
-          <p:nvPr/>
-        </p:nvSpPr>
-        <p:spPr>
-          <a:xfrm>
-            <a:off x="6683097" y="4350663"/>
-            <a:ext cx="179427" cy="351949"/>
-          </a:xfrm>
-          <a:prstGeom prst="roundRect">
-            <a:avLst>
-              <a:gd name="adj" fmla="val 20012"/>
-            </a:avLst>
-          </a:prstGeom>
-          <a:solidFill>
-            <a:srgbClr val="304755"/>
-          </a:solidFill>
-          <a:ln/>
-        </p:spPr>
-      </p:sp>
-      <p:sp>
-        <p:nvSpPr>
-          <p:cNvPr id="18" name="Text 4">
-            <a:extLst>
-              <a:ext uri="{FF2B5EF4-FFF2-40B4-BE49-F238E27FC236}">
-                <a16:creationId xmlns:a16="http://schemas.microsoft.com/office/drawing/2014/main" id="{88E4F750-718E-D102-AEF8-2593A6462AAD}"/>
-              </a:ext>
-            </a:extLst>
-          </p:cNvPr>
-          <p:cNvSpPr/>
-          <p:nvPr/>
-        </p:nvSpPr>
-        <p:spPr>
-          <a:xfrm>
-            <a:off x="7221498" y="4350663"/>
+          <p:cNvPr id="4" name="Text 2">
+            <a:extLst>
+              <a:ext uri="{FF2B5EF4-FFF2-40B4-BE49-F238E27FC236}">
+                <a16:creationId xmlns:a16="http://schemas.microsoft.com/office/drawing/2014/main" xmlns="" id="{05FFC3A7-3EF2-9D59-70E3-4DDDB2E7C90F}"/>
+              </a:ext>
+            </a:extLst>
+          </p:cNvPr>
+          <p:cNvSpPr/>
+          <p:nvPr/>
+        </p:nvSpPr>
+        <p:spPr>
+          <a:xfrm>
+            <a:off x="837724" y="4361498"/>
+            <a:ext cx="6185535" cy="383024"/>
+          </a:xfrm>
+          <a:prstGeom prst="rect">
+            <a:avLst/>
+          </a:prstGeom>
+          <a:noFill/>
+          <a:ln/>
+        </p:spPr>
+        <p:txBody>
+          <a:bodyPr wrap="none" lIns="0" tIns="0" rIns="0" bIns="0" rtlCol="0" anchor="t"/>
+          <a:lstStyle/>
+          <a:p>
+            <a:pPr marL="342900" indent="-342900" algn="l">
+              <a:lnSpc>
+                <a:spcPts val="3000"/>
+              </a:lnSpc>
+              <a:buSzPct val="100000"/>
+              <a:buChar char="•"/>
+            </a:pPr>
+            <a:r>
+              <a:rPr lang="en-US" sz="1850" dirty="0">
+                <a:solidFill>
+                  <a:srgbClr val="CAD6DE"/>
+                </a:solidFill>
+                <a:latin typeface="Cabin" pitchFamily="34" charset="0"/>
+                <a:ea typeface="Cabin" pitchFamily="34" charset="-122"/>
+                <a:cs typeface="Cabin" pitchFamily="34" charset="-120"/>
+              </a:rPr>
+              <a:t>訂單查詢</a:t>
+            </a:r>
+            <a:endParaRPr lang="en-US" sz="1850" dirty="0"/>
+          </a:p>
+        </p:txBody>
+      </p:sp>
+      <p:sp>
+        <p:nvSpPr>
+          <p:cNvPr id="5" name="Text 3">
+            <a:extLst>
+              <a:ext uri="{FF2B5EF4-FFF2-40B4-BE49-F238E27FC236}">
+                <a16:creationId xmlns:a16="http://schemas.microsoft.com/office/drawing/2014/main" xmlns="" id="{2A873B31-1202-A43A-F7DC-6B32F75B7E88}"/>
+              </a:ext>
+            </a:extLst>
+          </p:cNvPr>
+          <p:cNvSpPr/>
+          <p:nvPr/>
+        </p:nvSpPr>
+        <p:spPr>
+          <a:xfrm>
+            <a:off x="837724" y="4828223"/>
+            <a:ext cx="6185535" cy="383024"/>
+          </a:xfrm>
+          <a:prstGeom prst="rect">
+            <a:avLst/>
+          </a:prstGeom>
+          <a:noFill/>
+          <a:ln/>
+        </p:spPr>
+        <p:txBody>
+          <a:bodyPr wrap="none" lIns="0" tIns="0" rIns="0" bIns="0" rtlCol="0" anchor="t"/>
+          <a:lstStyle/>
+          <a:p>
+            <a:pPr marL="342900" indent="-342900" algn="l">
+              <a:lnSpc>
+                <a:spcPts val="3000"/>
+              </a:lnSpc>
+              <a:buSzPct val="100000"/>
+              <a:buChar char="•"/>
+            </a:pPr>
+            <a:r>
+              <a:rPr lang="en-US" sz="1850" dirty="0">
+                <a:solidFill>
+                  <a:srgbClr val="CAD6DE"/>
+                </a:solidFill>
+                <a:latin typeface="Cabin" pitchFamily="34" charset="0"/>
+                <a:ea typeface="Cabin" pitchFamily="34" charset="-122"/>
+                <a:cs typeface="Cabin" pitchFamily="34" charset="-120"/>
+              </a:rPr>
+              <a:t>個人資料修改</a:t>
+            </a:r>
+            <a:endParaRPr lang="en-US" sz="1850" dirty="0"/>
+          </a:p>
+        </p:txBody>
+      </p:sp>
+      <p:sp>
+        <p:nvSpPr>
+          <p:cNvPr id="6" name="Text 4">
+            <a:extLst>
+              <a:ext uri="{FF2B5EF4-FFF2-40B4-BE49-F238E27FC236}">
+                <a16:creationId xmlns:a16="http://schemas.microsoft.com/office/drawing/2014/main" xmlns="" id="{36ACA40E-3DB5-B9F5-BF28-EE89C3BA5D12}"/>
+              </a:ext>
+            </a:extLst>
+          </p:cNvPr>
+          <p:cNvSpPr/>
+          <p:nvPr/>
+        </p:nvSpPr>
+        <p:spPr>
+          <a:xfrm>
+            <a:off x="837724" y="5294948"/>
+            <a:ext cx="6185535" cy="383024"/>
+          </a:xfrm>
+          <a:prstGeom prst="rect">
+            <a:avLst/>
+          </a:prstGeom>
+          <a:noFill/>
+          <a:ln/>
+        </p:spPr>
+        <p:txBody>
+          <a:bodyPr wrap="none" lIns="0" tIns="0" rIns="0" bIns="0" rtlCol="0" anchor="t"/>
+          <a:lstStyle/>
+          <a:p>
+            <a:pPr marL="342900" indent="-342900" algn="l">
+              <a:lnSpc>
+                <a:spcPts val="3000"/>
+              </a:lnSpc>
+              <a:buSzPct val="100000"/>
+              <a:buChar char="•"/>
+            </a:pPr>
+            <a:r>
+              <a:rPr lang="en-US" sz="1850" dirty="0">
+                <a:solidFill>
+                  <a:srgbClr val="CAD6DE"/>
+                </a:solidFill>
+                <a:latin typeface="Cabin" pitchFamily="34" charset="0"/>
+                <a:ea typeface="Cabin" pitchFamily="34" charset="-122"/>
+                <a:cs typeface="Cabin" pitchFamily="34" charset="-120"/>
+              </a:rPr>
+              <a:t>收貨地址管理</a:t>
+            </a:r>
+            <a:endParaRPr lang="en-US" sz="1850" dirty="0"/>
+          </a:p>
+        </p:txBody>
+      </p:sp>
+      <p:sp>
+        <p:nvSpPr>
+          <p:cNvPr id="7" name="Text 5">
+            <a:extLst>
+              <a:ext uri="{FF2B5EF4-FFF2-40B4-BE49-F238E27FC236}">
+                <a16:creationId xmlns:a16="http://schemas.microsoft.com/office/drawing/2014/main" xmlns="" id="{A88F8A75-D9ED-614B-F440-BAE0B93102D5}"/>
+              </a:ext>
+            </a:extLst>
+          </p:cNvPr>
+          <p:cNvSpPr/>
+          <p:nvPr/>
+        </p:nvSpPr>
+        <p:spPr>
+          <a:xfrm>
+            <a:off x="7614761" y="3770233"/>
             <a:ext cx="2816185" cy="351949"/>
           </a:xfrm>
           <a:prstGeom prst="rect">
@@ -4117,13 +4185,13 @@
             <a:r>
               <a:rPr lang="en-US" sz="2200" dirty="0">
                 <a:solidFill>
-                  <a:srgbClr val="CAD6DE"/>
+                  <a:srgbClr val="FFFFFF"/>
                 </a:solidFill>
                 <a:latin typeface="Unbounded" pitchFamily="34" charset="0"/>
                 <a:ea typeface="Unbounded" pitchFamily="34" charset="-122"/>
                 <a:cs typeface="Unbounded" pitchFamily="34" charset="-120"/>
               </a:rPr>
-              <a:t>商品分類管理</a:t>
+              <a:t>賣家頁面</a:t>
             </a:r>
             <a:endParaRPr lang="en-US" sz="2200" dirty="0"/>
           </a:p>
@@ -4131,48 +4199,20 @@
       </p:sp>
       <p:sp>
         <p:nvSpPr>
-          <p:cNvPr id="19" name="Shape 5">
-            <a:extLst>
-              <a:ext uri="{FF2B5EF4-FFF2-40B4-BE49-F238E27FC236}">
-                <a16:creationId xmlns:a16="http://schemas.microsoft.com/office/drawing/2014/main" id="{5432BDA9-4F95-67D5-BEE4-D46E966D3BBE}"/>
-              </a:ext>
-            </a:extLst>
-          </p:cNvPr>
-          <p:cNvSpPr/>
-          <p:nvPr/>
-        </p:nvSpPr>
-        <p:spPr>
-          <a:xfrm>
-            <a:off x="7042190" y="4941927"/>
-            <a:ext cx="179427" cy="351949"/>
-          </a:xfrm>
-          <a:prstGeom prst="roundRect">
-            <a:avLst>
-              <a:gd name="adj" fmla="val 20012"/>
-            </a:avLst>
-          </a:prstGeom>
-          <a:solidFill>
-            <a:srgbClr val="304755"/>
-          </a:solidFill>
-          <a:ln/>
-        </p:spPr>
-      </p:sp>
-      <p:sp>
-        <p:nvSpPr>
-          <p:cNvPr id="20" name="Text 6">
-            <a:extLst>
-              <a:ext uri="{FF2B5EF4-FFF2-40B4-BE49-F238E27FC236}">
-                <a16:creationId xmlns:a16="http://schemas.microsoft.com/office/drawing/2014/main" id="{FA5E5E96-FE36-AEC1-EAF3-180A8F4F51AC}"/>
-              </a:ext>
-            </a:extLst>
-          </p:cNvPr>
-          <p:cNvSpPr/>
-          <p:nvPr/>
-        </p:nvSpPr>
-        <p:spPr>
-          <a:xfrm>
-            <a:off x="7580590" y="4941927"/>
-            <a:ext cx="2816185" cy="351949"/>
+          <p:cNvPr id="8" name="Text 6">
+            <a:extLst>
+              <a:ext uri="{FF2B5EF4-FFF2-40B4-BE49-F238E27FC236}">
+                <a16:creationId xmlns:a16="http://schemas.microsoft.com/office/drawing/2014/main" xmlns="" id="{31351CE4-7E2B-2C0D-3E71-2533994973CF}"/>
+              </a:ext>
+            </a:extLst>
+          </p:cNvPr>
+          <p:cNvSpPr/>
+          <p:nvPr/>
+        </p:nvSpPr>
+        <p:spPr>
+          <a:xfrm>
+            <a:off x="7614761" y="4361498"/>
+            <a:ext cx="6185535" cy="383024"/>
           </a:xfrm>
           <a:prstGeom prst="rect">
             <a:avLst/>
@@ -4184,31 +4224,130 @@
           <a:bodyPr wrap="none" lIns="0" tIns="0" rIns="0" bIns="0" rtlCol="0" anchor="t"/>
           <a:lstStyle/>
           <a:p>
-            <a:pPr marL="0" indent="0" algn="l">
-              <a:lnSpc>
-                <a:spcPts val="2750"/>
-              </a:lnSpc>
-              <a:buNone/>
-            </a:pPr>
-            <a:r>
-              <a:rPr lang="en-US" sz="2200" dirty="0">
+            <a:pPr marL="342900" indent="-342900" algn="l">
+              <a:lnSpc>
+                <a:spcPts val="3000"/>
+              </a:lnSpc>
+              <a:buSzPct val="100000"/>
+              <a:buChar char="•"/>
+            </a:pPr>
+            <a:r>
+              <a:rPr lang="en-US" sz="1850" dirty="0">
                 <a:solidFill>
                   <a:srgbClr val="CAD6DE"/>
                 </a:solidFill>
-                <a:latin typeface="Unbounded" pitchFamily="34" charset="0"/>
-                <a:ea typeface="Unbounded" pitchFamily="34" charset="-122"/>
-                <a:cs typeface="Unbounded" pitchFamily="34" charset="-120"/>
-              </a:rPr>
-              <a:t>圖片上傳與庫存管控</a:t>
-            </a:r>
-            <a:endParaRPr lang="en-US" sz="2200" dirty="0"/>
+                <a:latin typeface="Cabin" pitchFamily="34" charset="0"/>
+                <a:ea typeface="Cabin" pitchFamily="34" charset="-122"/>
+                <a:cs typeface="Cabin" pitchFamily="34" charset="-120"/>
+              </a:rPr>
+              <a:t>訂單管理</a:t>
+            </a:r>
+            <a:endParaRPr lang="en-US" sz="1850" dirty="0"/>
+          </a:p>
+        </p:txBody>
+      </p:sp>
+      <p:sp>
+        <p:nvSpPr>
+          <p:cNvPr id="9" name="Text 7">
+            <a:extLst>
+              <a:ext uri="{FF2B5EF4-FFF2-40B4-BE49-F238E27FC236}">
+                <a16:creationId xmlns:a16="http://schemas.microsoft.com/office/drawing/2014/main" xmlns="" id="{DCDAC237-05A6-1705-71C3-CBE3781D0812}"/>
+              </a:ext>
+            </a:extLst>
+          </p:cNvPr>
+          <p:cNvSpPr/>
+          <p:nvPr/>
+        </p:nvSpPr>
+        <p:spPr>
+          <a:xfrm>
+            <a:off x="7614761" y="4828223"/>
+            <a:ext cx="6185535" cy="383024"/>
+          </a:xfrm>
+          <a:prstGeom prst="rect">
+            <a:avLst/>
+          </a:prstGeom>
+          <a:noFill/>
+          <a:ln/>
+        </p:spPr>
+        <p:txBody>
+          <a:bodyPr wrap="none" lIns="0" tIns="0" rIns="0" bIns="0" rtlCol="0" anchor="t"/>
+          <a:lstStyle/>
+          <a:p>
+            <a:pPr marL="342900" indent="-342900" algn="l">
+              <a:lnSpc>
+                <a:spcPts val="3000"/>
+              </a:lnSpc>
+              <a:buSzPct val="100000"/>
+              <a:buChar char="•"/>
+            </a:pPr>
+            <a:r>
+              <a:rPr lang="en-US" sz="1850" dirty="0">
+                <a:solidFill>
+                  <a:srgbClr val="CAD6DE"/>
+                </a:solidFill>
+                <a:latin typeface="Cabin" pitchFamily="34" charset="0"/>
+                <a:ea typeface="Cabin" pitchFamily="34" charset="-122"/>
+                <a:cs typeface="Cabin" pitchFamily="34" charset="-120"/>
+              </a:rPr>
+              <a:t>商品上下架</a:t>
+            </a:r>
+            <a:endParaRPr lang="en-US" sz="1850" dirty="0"/>
+          </a:p>
+        </p:txBody>
+      </p:sp>
+      <p:sp>
+        <p:nvSpPr>
+          <p:cNvPr id="10" name="Text 8">
+            <a:extLst>
+              <a:ext uri="{FF2B5EF4-FFF2-40B4-BE49-F238E27FC236}">
+                <a16:creationId xmlns:a16="http://schemas.microsoft.com/office/drawing/2014/main" xmlns="" id="{7F01AE55-69B8-B24D-BCC6-C9E377D93437}"/>
+              </a:ext>
+            </a:extLst>
+          </p:cNvPr>
+          <p:cNvSpPr/>
+          <p:nvPr/>
+        </p:nvSpPr>
+        <p:spPr>
+          <a:xfrm>
+            <a:off x="7614761" y="5294948"/>
+            <a:ext cx="6185535" cy="383024"/>
+          </a:xfrm>
+          <a:prstGeom prst="rect">
+            <a:avLst/>
+          </a:prstGeom>
+          <a:noFill/>
+          <a:ln/>
+        </p:spPr>
+        <p:txBody>
+          <a:bodyPr wrap="none" lIns="0" tIns="0" rIns="0" bIns="0" rtlCol="0" anchor="t"/>
+          <a:lstStyle/>
+          <a:p>
+            <a:pPr marL="342900" indent="-342900" algn="l">
+              <a:lnSpc>
+                <a:spcPts val="3000"/>
+              </a:lnSpc>
+              <a:buSzPct val="100000"/>
+              <a:buChar char="•"/>
+            </a:pPr>
+            <a:r>
+              <a:rPr lang="en-US" sz="1850" dirty="0">
+                <a:solidFill>
+                  <a:srgbClr val="CAD6DE"/>
+                </a:solidFill>
+                <a:latin typeface="Cabin" pitchFamily="34" charset="0"/>
+                <a:ea typeface="Cabin" pitchFamily="34" charset="-122"/>
+                <a:cs typeface="Cabin" pitchFamily="34" charset="-120"/>
+              </a:rPr>
+              <a:t>商品資訊修改</a:t>
+            </a:r>
+            <a:endParaRPr lang="en-US" sz="1850" dirty="0"/>
           </a:p>
         </p:txBody>
       </p:sp>
     </p:spTree>
     <p:extLst>
       <p:ext uri="{BB962C8B-B14F-4D97-AF65-F5344CB8AC3E}">
-        <p14:creationId xmlns:p14="http://schemas.microsoft.com/office/powerpoint/2010/main" val="255648532"/>
+        <p14:creationId xmlns:p14="http://schemas.microsoft.com/office/powerpoint/2010/main" val="559461770"/>
       </p:ext>
     </p:extLst>
   </p:cSld>
@@ -4235,21 +4374,51 @@
           <a:chExt cx="0" cy="0"/>
         </a:xfrm>
       </p:grpSpPr>
-      <p:sp>
-        <p:nvSpPr>
-          <p:cNvPr id="2" name="Text 0">
-            <a:extLst>
-              <a:ext uri="{FF2B5EF4-FFF2-40B4-BE49-F238E27FC236}">
-                <a16:creationId xmlns:a16="http://schemas.microsoft.com/office/drawing/2014/main" id="{FF282119-4EA9-A517-DBDB-E3E85B403388}"/>
-              </a:ext>
-            </a:extLst>
-          </p:cNvPr>
-          <p:cNvSpPr/>
-          <p:nvPr/>
-        </p:nvSpPr>
-        <p:spPr>
-          <a:xfrm>
-            <a:off x="837724" y="2868811"/>
+      <p:pic>
+        <p:nvPicPr>
+          <p:cNvPr id="2" name="Image 0" descr="preencoded.png">
+            <a:extLst>
+              <a:ext uri="{FF2B5EF4-FFF2-40B4-BE49-F238E27FC236}">
+                <a16:creationId xmlns:a16="http://schemas.microsoft.com/office/drawing/2014/main" xmlns="" id="{DB78EE77-4E5E-99A8-7B93-3656A60E8B5C}"/>
+              </a:ext>
+            </a:extLst>
+          </p:cNvPr>
+          <p:cNvPicPr>
+            <a:picLocks noChangeAspect="1"/>
+          </p:cNvPicPr>
+          <p:nvPr/>
+        </p:nvPicPr>
+        <p:blipFill>
+          <a:blip r:embed="rId2"/>
+          <a:stretch>
+            <a:fillRect/>
+          </a:stretch>
+        </p:blipFill>
+        <p:spPr>
+          <a:xfrm>
+            <a:off x="0" y="0"/>
+            <a:ext cx="5486400" cy="8229600"/>
+          </a:xfrm>
+          <a:prstGeom prst="rect">
+            <a:avLst/>
+          </a:prstGeom>
+        </p:spPr>
+      </p:pic>
+      <p:sp>
+        <p:nvSpPr>
+          <p:cNvPr id="3" name="Text 0">
+            <a:extLst>
+              <a:ext uri="{FF2B5EF4-FFF2-40B4-BE49-F238E27FC236}">
+                <a16:creationId xmlns:a16="http://schemas.microsoft.com/office/drawing/2014/main" xmlns="" id="{5C17D3ED-A85C-614C-6F5F-0F8B4B8933E8}"/>
+              </a:ext>
+            </a:extLst>
+          </p:cNvPr>
+          <p:cNvSpPr/>
+          <p:nvPr/>
+        </p:nvSpPr>
+        <p:spPr>
+          <a:xfrm>
+            <a:off x="6324124" y="2191583"/>
             <a:ext cx="5632490" cy="704017"/>
           </a:xfrm>
           <a:prstGeom prst="rect">
@@ -4277,7 +4446,7 @@
                 <a:ea typeface="Unbounded" pitchFamily="34" charset="-122"/>
                 <a:cs typeface="Unbounded" pitchFamily="34" charset="-120"/>
               </a:rPr>
-              <a:t>後台功能：訂單管理</a:t>
+              <a:t>前台功能：登錄/註冊</a:t>
             </a:r>
             <a:endParaRPr lang="en-US" sz="4400" dirty="0"/>
           </a:p>
@@ -4285,20 +4454,48 @@
       </p:sp>
       <p:sp>
         <p:nvSpPr>
-          <p:cNvPr id="3" name="Text 1">
-            <a:extLst>
-              <a:ext uri="{FF2B5EF4-FFF2-40B4-BE49-F238E27FC236}">
-                <a16:creationId xmlns:a16="http://schemas.microsoft.com/office/drawing/2014/main" id="{193BF335-732B-06E6-28AD-60684F263D36}"/>
-              </a:ext>
-            </a:extLst>
-          </p:cNvPr>
-          <p:cNvSpPr/>
-          <p:nvPr/>
-        </p:nvSpPr>
-        <p:spPr>
-          <a:xfrm>
-            <a:off x="837724" y="4171117"/>
-            <a:ext cx="2816185" cy="351949"/>
+          <p:cNvPr id="4" name="Shape 1">
+            <a:extLst>
+              <a:ext uri="{FF2B5EF4-FFF2-40B4-BE49-F238E27FC236}">
+                <a16:creationId xmlns:a16="http://schemas.microsoft.com/office/drawing/2014/main" xmlns="" id="{1B708920-7D83-2557-C5EE-969F363F688E}"/>
+              </a:ext>
+            </a:extLst>
+          </p:cNvPr>
+          <p:cNvSpPr/>
+          <p:nvPr/>
+        </p:nvSpPr>
+        <p:spPr>
+          <a:xfrm>
+            <a:off x="6324124" y="3254573"/>
+            <a:ext cx="538520" cy="538520"/>
+          </a:xfrm>
+          <a:prstGeom prst="roundRect">
+            <a:avLst>
+              <a:gd name="adj" fmla="val 6668"/>
+            </a:avLst>
+          </a:prstGeom>
+          <a:solidFill>
+            <a:srgbClr val="304755"/>
+          </a:solidFill>
+          <a:ln/>
+        </p:spPr>
+      </p:sp>
+      <p:sp>
+        <p:nvSpPr>
+          <p:cNvPr id="5" name="Text 2">
+            <a:extLst>
+              <a:ext uri="{FF2B5EF4-FFF2-40B4-BE49-F238E27FC236}">
+                <a16:creationId xmlns:a16="http://schemas.microsoft.com/office/drawing/2014/main" xmlns="" id="{525A2525-6238-2A2C-F363-D7B41FF84E72}"/>
+              </a:ext>
+            </a:extLst>
+          </p:cNvPr>
+          <p:cNvSpPr/>
+          <p:nvPr/>
+        </p:nvSpPr>
+        <p:spPr>
+          <a:xfrm>
+            <a:off x="7101959" y="3336846"/>
+            <a:ext cx="2806898" cy="351949"/>
           </a:xfrm>
           <a:prstGeom prst="rect">
             <a:avLst/>
@@ -4319,13 +4516,13 @@
             <a:r>
               <a:rPr lang="en-US" sz="2200" dirty="0">
                 <a:solidFill>
-                  <a:srgbClr val="FFFFFF"/>
+                  <a:srgbClr val="CAD6DE"/>
                 </a:solidFill>
                 <a:latin typeface="Unbounded" pitchFamily="34" charset="0"/>
                 <a:ea typeface="Unbounded" pitchFamily="34" charset="-122"/>
                 <a:cs typeface="Unbounded" pitchFamily="34" charset="-120"/>
               </a:rPr>
-              <a:t>訂單查看</a:t>
+              <a:t>快速註冊流程</a:t>
             </a:r>
             <a:endParaRPr lang="en-US" sz="2200" dirty="0"/>
           </a:p>
@@ -4333,29 +4530,29 @@
       </p:sp>
       <p:sp>
         <p:nvSpPr>
-          <p:cNvPr id="4" name="Text 2">
-            <a:extLst>
-              <a:ext uri="{FF2B5EF4-FFF2-40B4-BE49-F238E27FC236}">
-                <a16:creationId xmlns:a16="http://schemas.microsoft.com/office/drawing/2014/main" id="{CC12874B-9579-9660-A9EA-0418C27E7014}"/>
-              </a:ext>
-            </a:extLst>
-          </p:cNvPr>
-          <p:cNvSpPr/>
-          <p:nvPr/>
-        </p:nvSpPr>
-        <p:spPr>
-          <a:xfrm>
-            <a:off x="837724" y="4762381"/>
-            <a:ext cx="3928586" cy="383024"/>
-          </a:xfrm>
-          <a:prstGeom prst="rect">
-            <a:avLst/>
-          </a:prstGeom>
-          <a:noFill/>
-          <a:ln/>
-        </p:spPr>
-        <p:txBody>
-          <a:bodyPr wrap="none" lIns="0" tIns="0" rIns="0" bIns="0" rtlCol="0" anchor="t"/>
+          <p:cNvPr id="6" name="Text 3">
+            <a:extLst>
+              <a:ext uri="{FF2B5EF4-FFF2-40B4-BE49-F238E27FC236}">
+                <a16:creationId xmlns:a16="http://schemas.microsoft.com/office/drawing/2014/main" xmlns="" id="{003E8AB1-B42E-162E-6AAE-453861A86BDA}"/>
+              </a:ext>
+            </a:extLst>
+          </p:cNvPr>
+          <p:cNvSpPr/>
+          <p:nvPr/>
+        </p:nvSpPr>
+        <p:spPr>
+          <a:xfrm>
+            <a:off x="7101959" y="3832384"/>
+            <a:ext cx="2806898" cy="766048"/>
+          </a:xfrm>
+          <a:prstGeom prst="rect">
+            <a:avLst/>
+          </a:prstGeom>
+          <a:noFill/>
+          <a:ln/>
+        </p:spPr>
+        <p:txBody>
+          <a:bodyPr wrap="square" lIns="0" tIns="0" rIns="0" bIns="0" rtlCol="0" anchor="t"/>
           <a:lstStyle/>
           <a:p>
             <a:pPr marL="0" indent="0" algn="l">
@@ -4373,7 +4570,7 @@
                 <a:ea typeface="Cabin" pitchFamily="34" charset="-122"/>
                 <a:cs typeface="Cabin" pitchFamily="34" charset="-120"/>
               </a:rPr>
-              <a:t>查看詳細訂單與列表資訊</a:t>
+              <a:t>支援 Email 與手機驗證，流程簡便</a:t>
             </a:r>
             <a:endParaRPr lang="en-US" sz="1850" dirty="0"/>
           </a:p>
@@ -4381,20 +4578,48 @@
       </p:sp>
       <p:sp>
         <p:nvSpPr>
-          <p:cNvPr id="5" name="Text 3">
-            <a:extLst>
-              <a:ext uri="{FF2B5EF4-FFF2-40B4-BE49-F238E27FC236}">
-                <a16:creationId xmlns:a16="http://schemas.microsoft.com/office/drawing/2014/main" id="{2E46298F-797D-C4B8-9B03-B795D871DDC9}"/>
-              </a:ext>
-            </a:extLst>
-          </p:cNvPr>
-          <p:cNvSpPr/>
-          <p:nvPr/>
-        </p:nvSpPr>
-        <p:spPr>
-          <a:xfrm>
-            <a:off x="5357813" y="4171117"/>
-            <a:ext cx="2816185" cy="351949"/>
+          <p:cNvPr id="7" name="Shape 4">
+            <a:extLst>
+              <a:ext uri="{FF2B5EF4-FFF2-40B4-BE49-F238E27FC236}">
+                <a16:creationId xmlns:a16="http://schemas.microsoft.com/office/drawing/2014/main" xmlns="" id="{F36587D7-4551-5330-3E6B-68DE097B3EA7}"/>
+              </a:ext>
+            </a:extLst>
+          </p:cNvPr>
+          <p:cNvSpPr/>
+          <p:nvPr/>
+        </p:nvSpPr>
+        <p:spPr>
+          <a:xfrm>
+            <a:off x="10208062" y="3254573"/>
+            <a:ext cx="538520" cy="538520"/>
+          </a:xfrm>
+          <a:prstGeom prst="roundRect">
+            <a:avLst>
+              <a:gd name="adj" fmla="val 6668"/>
+            </a:avLst>
+          </a:prstGeom>
+          <a:solidFill>
+            <a:srgbClr val="304755"/>
+          </a:solidFill>
+          <a:ln/>
+        </p:spPr>
+      </p:sp>
+      <p:sp>
+        <p:nvSpPr>
+          <p:cNvPr id="8" name="Text 5">
+            <a:extLst>
+              <a:ext uri="{FF2B5EF4-FFF2-40B4-BE49-F238E27FC236}">
+                <a16:creationId xmlns:a16="http://schemas.microsoft.com/office/drawing/2014/main" xmlns="" id="{54375555-31C2-0C78-D98D-D284903CFEB0}"/>
+              </a:ext>
+            </a:extLst>
+          </p:cNvPr>
+          <p:cNvSpPr/>
+          <p:nvPr/>
+        </p:nvSpPr>
+        <p:spPr>
+          <a:xfrm>
+            <a:off x="10985897" y="3336846"/>
+            <a:ext cx="2806898" cy="351949"/>
           </a:xfrm>
           <a:prstGeom prst="rect">
             <a:avLst/>
@@ -4415,13 +4640,13 @@
             <a:r>
               <a:rPr lang="en-US" sz="2200" dirty="0">
                 <a:solidFill>
-                  <a:srgbClr val="FFFFFF"/>
+                  <a:srgbClr val="CAD6DE"/>
                 </a:solidFill>
                 <a:latin typeface="Unbounded" pitchFamily="34" charset="0"/>
                 <a:ea typeface="Unbounded" pitchFamily="34" charset="-122"/>
                 <a:cs typeface="Unbounded" pitchFamily="34" charset="-120"/>
               </a:rPr>
-              <a:t>物流與付款模擬</a:t>
+              <a:t>社交帳號登錄</a:t>
             </a:r>
             <a:endParaRPr lang="en-US" sz="2200" dirty="0"/>
           </a:p>
@@ -4429,29 +4654,29 @@
       </p:sp>
       <p:sp>
         <p:nvSpPr>
-          <p:cNvPr id="6" name="Text 4">
-            <a:extLst>
-              <a:ext uri="{FF2B5EF4-FFF2-40B4-BE49-F238E27FC236}">
-                <a16:creationId xmlns:a16="http://schemas.microsoft.com/office/drawing/2014/main" id="{F85FCEB6-8CAF-E4EF-63B1-52A82BF19099}"/>
-              </a:ext>
-            </a:extLst>
-          </p:cNvPr>
-          <p:cNvSpPr/>
-          <p:nvPr/>
-        </p:nvSpPr>
-        <p:spPr>
-          <a:xfrm>
-            <a:off x="5357813" y="4762381"/>
-            <a:ext cx="3928586" cy="383024"/>
-          </a:xfrm>
-          <a:prstGeom prst="rect">
-            <a:avLst/>
-          </a:prstGeom>
-          <a:noFill/>
-          <a:ln/>
-        </p:spPr>
-        <p:txBody>
-          <a:bodyPr wrap="none" lIns="0" tIns="0" rIns="0" bIns="0" rtlCol="0" anchor="t"/>
+          <p:cNvPr id="9" name="Text 6">
+            <a:extLst>
+              <a:ext uri="{FF2B5EF4-FFF2-40B4-BE49-F238E27FC236}">
+                <a16:creationId xmlns:a16="http://schemas.microsoft.com/office/drawing/2014/main" xmlns="" id="{31FA1D24-44A2-B7ED-DA75-DCA52938D7E0}"/>
+              </a:ext>
+            </a:extLst>
+          </p:cNvPr>
+          <p:cNvSpPr/>
+          <p:nvPr/>
+        </p:nvSpPr>
+        <p:spPr>
+          <a:xfrm>
+            <a:off x="10985897" y="3832384"/>
+            <a:ext cx="2806898" cy="766048"/>
+          </a:xfrm>
+          <a:prstGeom prst="rect">
+            <a:avLst/>
+          </a:prstGeom>
+          <a:noFill/>
+          <a:ln/>
+        </p:spPr>
+        <p:txBody>
+          <a:bodyPr wrap="square" lIns="0" tIns="0" rIns="0" bIns="0" rtlCol="0" anchor="t"/>
           <a:lstStyle/>
           <a:p>
             <a:pPr marL="0" indent="0" algn="l">
@@ -4469,7 +4694,7 @@
                 <a:ea typeface="Cabin" pitchFamily="34" charset="-122"/>
                 <a:cs typeface="Cabin" pitchFamily="34" charset="-120"/>
               </a:rPr>
-              <a:t>按鈕控制狀態，模擬真實流程</a:t>
+              <a:t>整合 Google、Facebook 等第三方登入</a:t>
             </a:r>
             <a:endParaRPr lang="en-US" sz="1850" dirty="0"/>
           </a:p>
@@ -4477,19 +4702,47 @@
       </p:sp>
       <p:sp>
         <p:nvSpPr>
-          <p:cNvPr id="7" name="Text 5">
-            <a:extLst>
-              <a:ext uri="{FF2B5EF4-FFF2-40B4-BE49-F238E27FC236}">
-                <a16:creationId xmlns:a16="http://schemas.microsoft.com/office/drawing/2014/main" id="{0A81056F-F879-2EBD-35B9-32B96FEE2BEC}"/>
-              </a:ext>
-            </a:extLst>
-          </p:cNvPr>
-          <p:cNvSpPr/>
-          <p:nvPr/>
-        </p:nvSpPr>
-        <p:spPr>
-          <a:xfrm>
-            <a:off x="9877901" y="4171117"/>
+          <p:cNvPr id="10" name="Shape 7">
+            <a:extLst>
+              <a:ext uri="{FF2B5EF4-FFF2-40B4-BE49-F238E27FC236}">
+                <a16:creationId xmlns:a16="http://schemas.microsoft.com/office/drawing/2014/main" xmlns="" id="{2CDEA406-0DE3-ED2A-DEDA-E72E1267A1F2}"/>
+              </a:ext>
+            </a:extLst>
+          </p:cNvPr>
+          <p:cNvSpPr/>
+          <p:nvPr/>
+        </p:nvSpPr>
+        <p:spPr>
+          <a:xfrm>
+            <a:off x="6324124" y="5077182"/>
+            <a:ext cx="538520" cy="538520"/>
+          </a:xfrm>
+          <a:prstGeom prst="roundRect">
+            <a:avLst>
+              <a:gd name="adj" fmla="val 6668"/>
+            </a:avLst>
+          </a:prstGeom>
+          <a:solidFill>
+            <a:srgbClr val="304755"/>
+          </a:solidFill>
+          <a:ln/>
+        </p:spPr>
+      </p:sp>
+      <p:sp>
+        <p:nvSpPr>
+          <p:cNvPr id="11" name="Text 8">
+            <a:extLst>
+              <a:ext uri="{FF2B5EF4-FFF2-40B4-BE49-F238E27FC236}">
+                <a16:creationId xmlns:a16="http://schemas.microsoft.com/office/drawing/2014/main" xmlns="" id="{F695FB61-72A5-A684-D20B-0E3BCF6F2DEE}"/>
+              </a:ext>
+            </a:extLst>
+          </p:cNvPr>
+          <p:cNvSpPr/>
+          <p:nvPr/>
+        </p:nvSpPr>
+        <p:spPr>
+          <a:xfrm>
+            <a:off x="7101959" y="5159454"/>
             <a:ext cx="2816185" cy="351949"/>
           </a:xfrm>
           <a:prstGeom prst="rect">
@@ -4511,13 +4764,13 @@
             <a:r>
               <a:rPr lang="en-US" sz="2200" dirty="0">
                 <a:solidFill>
-                  <a:srgbClr val="FFFFFF"/>
+                  <a:srgbClr val="CAD6DE"/>
                 </a:solidFill>
                 <a:latin typeface="Unbounded" pitchFamily="34" charset="0"/>
                 <a:ea typeface="Unbounded" pitchFamily="34" charset="-122"/>
                 <a:cs typeface="Unbounded" pitchFamily="34" charset="-120"/>
               </a:rPr>
-              <a:t>訂單匯出</a:t>
+              <a:t>忘記密碼流程</a:t>
             </a:r>
             <a:endParaRPr lang="en-US" sz="2200" dirty="0"/>
           </a:p>
@@ -4525,20 +4778,20 @@
       </p:sp>
       <p:sp>
         <p:nvSpPr>
-          <p:cNvPr id="8" name="Text 6">
-            <a:extLst>
-              <a:ext uri="{FF2B5EF4-FFF2-40B4-BE49-F238E27FC236}">
-                <a16:creationId xmlns:a16="http://schemas.microsoft.com/office/drawing/2014/main" id="{1585B788-44A9-395B-ED48-48ED385E293F}"/>
-              </a:ext>
-            </a:extLst>
-          </p:cNvPr>
-          <p:cNvSpPr/>
-          <p:nvPr/>
-        </p:nvSpPr>
-        <p:spPr>
-          <a:xfrm>
-            <a:off x="9877901" y="4762381"/>
-            <a:ext cx="3928586" cy="383024"/>
+          <p:cNvPr id="12" name="Text 9">
+            <a:extLst>
+              <a:ext uri="{FF2B5EF4-FFF2-40B4-BE49-F238E27FC236}">
+                <a16:creationId xmlns:a16="http://schemas.microsoft.com/office/drawing/2014/main" xmlns="" id="{FC6D28B1-0043-283C-9FE5-8FB166F18ED9}"/>
+              </a:ext>
+            </a:extLst>
+          </p:cNvPr>
+          <p:cNvSpPr/>
+          <p:nvPr/>
+        </p:nvSpPr>
+        <p:spPr>
+          <a:xfrm>
+            <a:off x="7101959" y="5654993"/>
+            <a:ext cx="6690717" cy="383024"/>
           </a:xfrm>
           <a:prstGeom prst="rect">
             <a:avLst/>
@@ -4565,7 +4818,7 @@
                 <a:ea typeface="Cabin" pitchFamily="34" charset="-122"/>
                 <a:cs typeface="Cabin" pitchFamily="34" charset="-120"/>
               </a:rPr>
-              <a:t>便於資料分析與報表製作</a:t>
+              <a:t>簡易重設密碼功能，提升使用便利性</a:t>
             </a:r>
             <a:endParaRPr lang="en-US" sz="1850" dirty="0"/>
           </a:p>
@@ -4574,7 +4827,7 @@
     </p:spTree>
     <p:extLst>
       <p:ext uri="{BB962C8B-B14F-4D97-AF65-F5344CB8AC3E}">
-        <p14:creationId xmlns:p14="http://schemas.microsoft.com/office/powerpoint/2010/main" val="3010883950"/>
+        <p14:creationId xmlns:p14="http://schemas.microsoft.com/office/powerpoint/2010/main" val="4051262160"/>
       </p:ext>
     </p:extLst>
   </p:cSld>
@@ -4603,10 +4856,10 @@
       </p:grpSpPr>
       <p:pic>
         <p:nvPicPr>
-          <p:cNvPr id="2" name="Image 0" descr="preencoded.png">
-            <a:extLst>
-              <a:ext uri="{FF2B5EF4-FFF2-40B4-BE49-F238E27FC236}">
-                <a16:creationId xmlns:a16="http://schemas.microsoft.com/office/drawing/2014/main" id="{288E659A-E955-BF09-666C-1072F60B471D}"/>
+          <p:cNvPr id="13" name="Image 0" descr="preencoded.png">
+            <a:extLst>
+              <a:ext uri="{FF2B5EF4-FFF2-40B4-BE49-F238E27FC236}">
+                <a16:creationId xmlns:a16="http://schemas.microsoft.com/office/drawing/2014/main" xmlns="" id="{859462BB-E089-1179-F12F-767A4553A5CA}"/>
               </a:ext>
             </a:extLst>
           </p:cNvPr>
@@ -4633,19 +4886,19 @@
       </p:pic>
       <p:sp>
         <p:nvSpPr>
-          <p:cNvPr id="3" name="Text 0">
-            <a:extLst>
-              <a:ext uri="{FF2B5EF4-FFF2-40B4-BE49-F238E27FC236}">
-                <a16:creationId xmlns:a16="http://schemas.microsoft.com/office/drawing/2014/main" id="{A2FB9310-4B85-E2EC-BA0D-8C555808BCA1}"/>
-              </a:ext>
-            </a:extLst>
-          </p:cNvPr>
-          <p:cNvSpPr/>
-          <p:nvPr/>
-        </p:nvSpPr>
-        <p:spPr>
-          <a:xfrm>
-            <a:off x="6324124" y="2106454"/>
+          <p:cNvPr id="14" name="Text 0">
+            <a:extLst>
+              <a:ext uri="{FF2B5EF4-FFF2-40B4-BE49-F238E27FC236}">
+                <a16:creationId xmlns:a16="http://schemas.microsoft.com/office/drawing/2014/main" xmlns="" id="{3BB6AD06-1FAD-E83C-8A0F-5E1DB2F28494}"/>
+              </a:ext>
+            </a:extLst>
+          </p:cNvPr>
+          <p:cNvSpPr/>
+          <p:nvPr/>
+        </p:nvSpPr>
+        <p:spPr>
+          <a:xfrm>
+            <a:off x="6324124" y="2696408"/>
             <a:ext cx="5632490" cy="704017"/>
           </a:xfrm>
           <a:prstGeom prst="rect">
@@ -4673,7 +4926,7 @@
                 <a:ea typeface="Unbounded" pitchFamily="34" charset="-122"/>
                 <a:cs typeface="Unbounded" pitchFamily="34" charset="-120"/>
               </a:rPr>
-              <a:t>後台功能：使用者管理</a:t>
+              <a:t>後台功能：商品管理</a:t>
             </a:r>
             <a:endParaRPr lang="en-US" sz="4400" dirty="0"/>
           </a:p>
@@ -4681,24 +4934,24 @@
       </p:sp>
       <p:sp>
         <p:nvSpPr>
-          <p:cNvPr id="4" name="Shape 1">
-            <a:extLst>
-              <a:ext uri="{FF2B5EF4-FFF2-40B4-BE49-F238E27FC236}">
-                <a16:creationId xmlns:a16="http://schemas.microsoft.com/office/drawing/2014/main" id="{BFE1C90B-B77A-517E-C76E-CEA973336C09}"/>
-              </a:ext>
-            </a:extLst>
-          </p:cNvPr>
-          <p:cNvSpPr/>
-          <p:nvPr/>
-        </p:nvSpPr>
-        <p:spPr>
-          <a:xfrm>
-            <a:off x="6324124" y="3169444"/>
-            <a:ext cx="3614618" cy="1357193"/>
+          <p:cNvPr id="15" name="Shape 1">
+            <a:extLst>
+              <a:ext uri="{FF2B5EF4-FFF2-40B4-BE49-F238E27FC236}">
+                <a16:creationId xmlns:a16="http://schemas.microsoft.com/office/drawing/2014/main" xmlns="" id="{A33C417B-80A3-1650-D9D1-6E4EF0A19D1E}"/>
+              </a:ext>
+            </a:extLst>
+          </p:cNvPr>
+          <p:cNvSpPr/>
+          <p:nvPr/>
+        </p:nvSpPr>
+        <p:spPr>
+          <a:xfrm>
+            <a:off x="6324124" y="3759398"/>
+            <a:ext cx="179427" cy="351949"/>
           </a:xfrm>
           <a:prstGeom prst="roundRect">
             <a:avLst>
-              <a:gd name="adj" fmla="val 2646"/>
+              <a:gd name="adj" fmla="val 20012"/>
             </a:avLst>
           </a:prstGeom>
           <a:solidFill>
@@ -4709,19 +4962,19 @@
       </p:sp>
       <p:sp>
         <p:nvSpPr>
-          <p:cNvPr id="5" name="Text 2">
-            <a:extLst>
-              <a:ext uri="{FF2B5EF4-FFF2-40B4-BE49-F238E27FC236}">
-                <a16:creationId xmlns:a16="http://schemas.microsoft.com/office/drawing/2014/main" id="{648DA8B2-7BF2-2D26-5396-989491B30F15}"/>
-              </a:ext>
-            </a:extLst>
-          </p:cNvPr>
-          <p:cNvSpPr/>
-          <p:nvPr/>
-        </p:nvSpPr>
-        <p:spPr>
-          <a:xfrm>
-            <a:off x="6563439" y="3408759"/>
+          <p:cNvPr id="16" name="Text 2">
+            <a:extLst>
+              <a:ext uri="{FF2B5EF4-FFF2-40B4-BE49-F238E27FC236}">
+                <a16:creationId xmlns:a16="http://schemas.microsoft.com/office/drawing/2014/main" xmlns="" id="{CA008A43-82F8-359E-FEB4-8F6DACD4D05D}"/>
+              </a:ext>
+            </a:extLst>
+          </p:cNvPr>
+          <p:cNvSpPr/>
+          <p:nvPr/>
+        </p:nvSpPr>
+        <p:spPr>
+          <a:xfrm>
+            <a:off x="6862524" y="3759398"/>
             <a:ext cx="2816185" cy="351949"/>
           </a:xfrm>
           <a:prstGeom prst="rect">
@@ -4749,7 +5002,7 @@
                 <a:ea typeface="Unbounded" pitchFamily="34" charset="-122"/>
                 <a:cs typeface="Unbounded" pitchFamily="34" charset="-120"/>
               </a:rPr>
-              <a:t>用戶資料管理</a:t>
+              <a:t>商品新增與修改</a:t>
             </a:r>
             <a:endParaRPr lang="en-US" sz="2200" dirty="0"/>
           </a:p>
@@ -4757,72 +5010,24 @@
       </p:sp>
       <p:sp>
         <p:nvSpPr>
-          <p:cNvPr id="6" name="Text 3">
-            <a:extLst>
-              <a:ext uri="{FF2B5EF4-FFF2-40B4-BE49-F238E27FC236}">
-                <a16:creationId xmlns:a16="http://schemas.microsoft.com/office/drawing/2014/main" id="{B95CB391-9D5A-148C-C8B0-56E4F14A860F}"/>
-              </a:ext>
-            </a:extLst>
-          </p:cNvPr>
-          <p:cNvSpPr/>
-          <p:nvPr/>
-        </p:nvSpPr>
-        <p:spPr>
-          <a:xfrm>
-            <a:off x="6563439" y="3904297"/>
-            <a:ext cx="3135987" cy="383024"/>
-          </a:xfrm>
-          <a:prstGeom prst="rect">
-            <a:avLst/>
-          </a:prstGeom>
-          <a:noFill/>
-          <a:ln/>
-        </p:spPr>
-        <p:txBody>
-          <a:bodyPr wrap="none" lIns="0" tIns="0" rIns="0" bIns="0" rtlCol="0" anchor="t"/>
-          <a:lstStyle/>
-          <a:p>
-            <a:pPr marL="0" indent="0" algn="l">
-              <a:lnSpc>
-                <a:spcPts val="3000"/>
-              </a:lnSpc>
-              <a:buNone/>
-            </a:pPr>
-            <a:r>
-              <a:rPr lang="en-US" sz="1850" dirty="0">
-                <a:solidFill>
-                  <a:srgbClr val="CAD6DE"/>
-                </a:solidFill>
-                <a:latin typeface="Cabin" pitchFamily="34" charset="0"/>
-                <a:ea typeface="Cabin" pitchFamily="34" charset="-122"/>
-                <a:cs typeface="Cabin" pitchFamily="34" charset="-120"/>
-              </a:rPr>
-              <a:t>查看與修改使用者資訊</a:t>
-            </a:r>
-            <a:endParaRPr lang="en-US" sz="1850" dirty="0"/>
-          </a:p>
-        </p:txBody>
-      </p:sp>
-      <p:sp>
-        <p:nvSpPr>
-          <p:cNvPr id="7" name="Shape 4">
-            <a:extLst>
-              <a:ext uri="{FF2B5EF4-FFF2-40B4-BE49-F238E27FC236}">
-                <a16:creationId xmlns:a16="http://schemas.microsoft.com/office/drawing/2014/main" id="{8EDE9A02-B88A-90EB-1C23-EC94FE552F1D}"/>
-              </a:ext>
-            </a:extLst>
-          </p:cNvPr>
-          <p:cNvSpPr/>
-          <p:nvPr/>
-        </p:nvSpPr>
-        <p:spPr>
-          <a:xfrm>
-            <a:off x="10178058" y="3169444"/>
-            <a:ext cx="3614618" cy="1357193"/>
+          <p:cNvPr id="17" name="Shape 3">
+            <a:extLst>
+              <a:ext uri="{FF2B5EF4-FFF2-40B4-BE49-F238E27FC236}">
+                <a16:creationId xmlns:a16="http://schemas.microsoft.com/office/drawing/2014/main" xmlns="" id="{D62AEC18-DF97-B119-A3E5-F51E0F2CE947}"/>
+              </a:ext>
+            </a:extLst>
+          </p:cNvPr>
+          <p:cNvSpPr/>
+          <p:nvPr/>
+        </p:nvSpPr>
+        <p:spPr>
+          <a:xfrm>
+            <a:off x="6683097" y="4350663"/>
+            <a:ext cx="179427" cy="351949"/>
           </a:xfrm>
           <a:prstGeom prst="roundRect">
             <a:avLst>
-              <a:gd name="adj" fmla="val 2646"/>
+              <a:gd name="adj" fmla="val 20012"/>
             </a:avLst>
           </a:prstGeom>
           <a:solidFill>
@@ -4833,19 +5038,19 @@
       </p:sp>
       <p:sp>
         <p:nvSpPr>
-          <p:cNvPr id="8" name="Text 5">
-            <a:extLst>
-              <a:ext uri="{FF2B5EF4-FFF2-40B4-BE49-F238E27FC236}">
-                <a16:creationId xmlns:a16="http://schemas.microsoft.com/office/drawing/2014/main" id="{074E5190-BE68-FDE7-D4A0-DCD24C488AE1}"/>
-              </a:ext>
-            </a:extLst>
-          </p:cNvPr>
-          <p:cNvSpPr/>
-          <p:nvPr/>
-        </p:nvSpPr>
-        <p:spPr>
-          <a:xfrm>
-            <a:off x="10417373" y="3408759"/>
+          <p:cNvPr id="18" name="Text 4">
+            <a:extLst>
+              <a:ext uri="{FF2B5EF4-FFF2-40B4-BE49-F238E27FC236}">
+                <a16:creationId xmlns:a16="http://schemas.microsoft.com/office/drawing/2014/main" xmlns="" id="{88E4F750-718E-D102-AEF8-2593A6462AAD}"/>
+              </a:ext>
+            </a:extLst>
+          </p:cNvPr>
+          <p:cNvSpPr/>
+          <p:nvPr/>
+        </p:nvSpPr>
+        <p:spPr>
+          <a:xfrm>
+            <a:off x="7221498" y="4350663"/>
             <a:ext cx="2816185" cy="351949"/>
           </a:xfrm>
           <a:prstGeom prst="rect">
@@ -4873,7 +5078,7 @@
                 <a:ea typeface="Unbounded" pitchFamily="34" charset="-122"/>
                 <a:cs typeface="Unbounded" pitchFamily="34" charset="-120"/>
               </a:rPr>
-              <a:t>權限設定</a:t>
+              <a:t>商品分類管理</a:t>
             </a:r>
             <a:endParaRPr lang="en-US" sz="2200" dirty="0"/>
           </a:p>
@@ -4881,72 +5086,24 @@
       </p:sp>
       <p:sp>
         <p:nvSpPr>
-          <p:cNvPr id="9" name="Text 6">
-            <a:extLst>
-              <a:ext uri="{FF2B5EF4-FFF2-40B4-BE49-F238E27FC236}">
-                <a16:creationId xmlns:a16="http://schemas.microsoft.com/office/drawing/2014/main" id="{2FFF72BB-F1B7-B254-8443-418CD9DEB1B8}"/>
-              </a:ext>
-            </a:extLst>
-          </p:cNvPr>
-          <p:cNvSpPr/>
-          <p:nvPr/>
-        </p:nvSpPr>
-        <p:spPr>
-          <a:xfrm>
-            <a:off x="10417373" y="3904297"/>
-            <a:ext cx="3135987" cy="383024"/>
-          </a:xfrm>
-          <a:prstGeom prst="rect">
-            <a:avLst/>
-          </a:prstGeom>
-          <a:noFill/>
-          <a:ln/>
-        </p:spPr>
-        <p:txBody>
-          <a:bodyPr wrap="none" lIns="0" tIns="0" rIns="0" bIns="0" rtlCol="0" anchor="t"/>
-          <a:lstStyle/>
-          <a:p>
-            <a:pPr marL="0" indent="0" algn="l">
-              <a:lnSpc>
-                <a:spcPts val="3000"/>
-              </a:lnSpc>
-              <a:buNone/>
-            </a:pPr>
-            <a:r>
-              <a:rPr lang="en-US" sz="1850" dirty="0">
-                <a:solidFill>
-                  <a:srgbClr val="CAD6DE"/>
-                </a:solidFill>
-                <a:latin typeface="Cabin" pitchFamily="34" charset="0"/>
-                <a:ea typeface="Cabin" pitchFamily="34" charset="-122"/>
-                <a:cs typeface="Cabin" pitchFamily="34" charset="-120"/>
-              </a:rPr>
-              <a:t>區分買家、賣家與管理員角色</a:t>
-            </a:r>
-            <a:endParaRPr lang="en-US" sz="1850" dirty="0"/>
-          </a:p>
-        </p:txBody>
-      </p:sp>
-      <p:sp>
-        <p:nvSpPr>
-          <p:cNvPr id="10" name="Shape 7">
-            <a:extLst>
-              <a:ext uri="{FF2B5EF4-FFF2-40B4-BE49-F238E27FC236}">
-                <a16:creationId xmlns:a16="http://schemas.microsoft.com/office/drawing/2014/main" id="{76C3A99A-72AD-E257-54EB-021DC6901740}"/>
-              </a:ext>
-            </a:extLst>
-          </p:cNvPr>
-          <p:cNvSpPr/>
-          <p:nvPr/>
-        </p:nvSpPr>
-        <p:spPr>
-          <a:xfrm>
-            <a:off x="6324124" y="4765953"/>
-            <a:ext cx="7468553" cy="1357193"/>
+          <p:cNvPr id="19" name="Shape 5">
+            <a:extLst>
+              <a:ext uri="{FF2B5EF4-FFF2-40B4-BE49-F238E27FC236}">
+                <a16:creationId xmlns:a16="http://schemas.microsoft.com/office/drawing/2014/main" xmlns="" id="{5432BDA9-4F95-67D5-BEE4-D46E966D3BBE}"/>
+              </a:ext>
+            </a:extLst>
+          </p:cNvPr>
+          <p:cNvSpPr/>
+          <p:nvPr/>
+        </p:nvSpPr>
+        <p:spPr>
+          <a:xfrm>
+            <a:off x="7042190" y="4941927"/>
+            <a:ext cx="179427" cy="351949"/>
           </a:xfrm>
           <a:prstGeom prst="roundRect">
             <a:avLst>
-              <a:gd name="adj" fmla="val 2646"/>
+              <a:gd name="adj" fmla="val 20012"/>
             </a:avLst>
           </a:prstGeom>
           <a:solidFill>
@@ -4957,19 +5114,19 @@
       </p:sp>
       <p:sp>
         <p:nvSpPr>
-          <p:cNvPr id="11" name="Text 8">
-            <a:extLst>
-              <a:ext uri="{FF2B5EF4-FFF2-40B4-BE49-F238E27FC236}">
-                <a16:creationId xmlns:a16="http://schemas.microsoft.com/office/drawing/2014/main" id="{14EA59F5-94EC-671B-BA64-C9589F1B13C9}"/>
-              </a:ext>
-            </a:extLst>
-          </p:cNvPr>
-          <p:cNvSpPr/>
-          <p:nvPr/>
-        </p:nvSpPr>
-        <p:spPr>
-          <a:xfrm>
-            <a:off x="6563439" y="5005268"/>
+          <p:cNvPr id="20" name="Text 6">
+            <a:extLst>
+              <a:ext uri="{FF2B5EF4-FFF2-40B4-BE49-F238E27FC236}">
+                <a16:creationId xmlns:a16="http://schemas.microsoft.com/office/drawing/2014/main" xmlns="" id="{FA5E5E96-FE36-AEC1-EAF3-180A8F4F51AC}"/>
+              </a:ext>
+            </a:extLst>
+          </p:cNvPr>
+          <p:cNvSpPr/>
+          <p:nvPr/>
+        </p:nvSpPr>
+        <p:spPr>
+          <a:xfrm>
+            <a:off x="7580590" y="4941927"/>
             <a:ext cx="2816185" cy="351949"/>
           </a:xfrm>
           <a:prstGeom prst="rect">
@@ -4997,64 +5154,16 @@
                 <a:ea typeface="Unbounded" pitchFamily="34" charset="-122"/>
                 <a:cs typeface="Unbounded" pitchFamily="34" charset="-120"/>
               </a:rPr>
-              <a:t>封鎖與解鎖</a:t>
+              <a:t>圖片上傳與庫存管控</a:t>
             </a:r>
             <a:endParaRPr lang="en-US" sz="2200" dirty="0"/>
-          </a:p>
-        </p:txBody>
-      </p:sp>
-      <p:sp>
-        <p:nvSpPr>
-          <p:cNvPr id="12" name="Text 9">
-            <a:extLst>
-              <a:ext uri="{FF2B5EF4-FFF2-40B4-BE49-F238E27FC236}">
-                <a16:creationId xmlns:a16="http://schemas.microsoft.com/office/drawing/2014/main" id="{A05DA9B1-DE03-EB76-D4AD-0087996F857A}"/>
-              </a:ext>
-            </a:extLst>
-          </p:cNvPr>
-          <p:cNvSpPr/>
-          <p:nvPr/>
-        </p:nvSpPr>
-        <p:spPr>
-          <a:xfrm>
-            <a:off x="6563439" y="5500807"/>
-            <a:ext cx="6989921" cy="383024"/>
-          </a:xfrm>
-          <a:prstGeom prst="rect">
-            <a:avLst/>
-          </a:prstGeom>
-          <a:noFill/>
-          <a:ln/>
-        </p:spPr>
-        <p:txBody>
-          <a:bodyPr wrap="none" lIns="0" tIns="0" rIns="0" bIns="0" rtlCol="0" anchor="t"/>
-          <a:lstStyle/>
-          <a:p>
-            <a:pPr marL="0" indent="0" algn="l">
-              <a:lnSpc>
-                <a:spcPts val="3000"/>
-              </a:lnSpc>
-              <a:buNone/>
-            </a:pPr>
-            <a:r>
-              <a:rPr lang="en-US" sz="1850" dirty="0">
-                <a:solidFill>
-                  <a:srgbClr val="CAD6DE"/>
-                </a:solidFill>
-                <a:latin typeface="Cabin" pitchFamily="34" charset="0"/>
-                <a:ea typeface="Cabin" pitchFamily="34" charset="-122"/>
-                <a:cs typeface="Cabin" pitchFamily="34" charset="-120"/>
-              </a:rPr>
-              <a:t>管理使用者存取權限</a:t>
-            </a:r>
-            <a:endParaRPr lang="en-US" sz="1850" dirty="0"/>
           </a:p>
         </p:txBody>
       </p:sp>
     </p:spTree>
     <p:extLst>
       <p:ext uri="{BB962C8B-B14F-4D97-AF65-F5344CB8AC3E}">
-        <p14:creationId xmlns:p14="http://schemas.microsoft.com/office/powerpoint/2010/main" val="383383206"/>
+        <p14:creationId xmlns:p14="http://schemas.microsoft.com/office/powerpoint/2010/main" val="255648532"/>
       </p:ext>
     </p:extLst>
   </p:cSld>
@@ -5081,61 +5190,31 @@
           <a:chExt cx="0" cy="0"/>
         </a:xfrm>
       </p:grpSpPr>
-      <p:pic>
-        <p:nvPicPr>
-          <p:cNvPr id="2" name="Image 0" descr="preencoded.png">
-            <a:extLst>
-              <a:ext uri="{FF2B5EF4-FFF2-40B4-BE49-F238E27FC236}">
-                <a16:creationId xmlns:a16="http://schemas.microsoft.com/office/drawing/2014/main" id="{2EC8ADE7-7B70-A052-F02E-2A8B9BE3CCB7}"/>
-              </a:ext>
-            </a:extLst>
-          </p:cNvPr>
-          <p:cNvPicPr>
-            <a:picLocks noChangeAspect="1"/>
-          </p:cNvPicPr>
-          <p:nvPr/>
-        </p:nvPicPr>
-        <p:blipFill>
-          <a:blip r:embed="rId2"/>
-          <a:stretch>
-            <a:fillRect/>
-          </a:stretch>
-        </p:blipFill>
-        <p:spPr>
-          <a:xfrm>
-            <a:off x="9144000" y="0"/>
-            <a:ext cx="5486400" cy="8229600"/>
-          </a:xfrm>
-          <a:prstGeom prst="rect">
-            <a:avLst/>
-          </a:prstGeom>
-        </p:spPr>
-      </p:pic>
-      <p:sp>
-        <p:nvSpPr>
-          <p:cNvPr id="3" name="Text 0">
-            <a:extLst>
-              <a:ext uri="{FF2B5EF4-FFF2-40B4-BE49-F238E27FC236}">
-                <a16:creationId xmlns:a16="http://schemas.microsoft.com/office/drawing/2014/main" id="{8A25FD04-881C-3EC3-752C-F41973696412}"/>
-              </a:ext>
-            </a:extLst>
-          </p:cNvPr>
-          <p:cNvSpPr/>
-          <p:nvPr/>
-        </p:nvSpPr>
-        <p:spPr>
-          <a:xfrm>
-            <a:off x="837724" y="1839516"/>
-            <a:ext cx="7468553" cy="1408033"/>
-          </a:xfrm>
-          <a:prstGeom prst="rect">
-            <a:avLst/>
-          </a:prstGeom>
-          <a:noFill/>
-          <a:ln/>
-        </p:spPr>
-        <p:txBody>
-          <a:bodyPr wrap="square" lIns="0" tIns="0" rIns="0" bIns="0" rtlCol="0" anchor="t"/>
+      <p:sp>
+        <p:nvSpPr>
+          <p:cNvPr id="2" name="Text 0">
+            <a:extLst>
+              <a:ext uri="{FF2B5EF4-FFF2-40B4-BE49-F238E27FC236}">
+                <a16:creationId xmlns:a16="http://schemas.microsoft.com/office/drawing/2014/main" xmlns="" id="{FF282119-4EA9-A517-DBDB-E3E85B403388}"/>
+              </a:ext>
+            </a:extLst>
+          </p:cNvPr>
+          <p:cNvSpPr/>
+          <p:nvPr/>
+        </p:nvSpPr>
+        <p:spPr>
+          <a:xfrm>
+            <a:off x="837724" y="2868811"/>
+            <a:ext cx="5632490" cy="704017"/>
+          </a:xfrm>
+          <a:prstGeom prst="rect">
+            <a:avLst/>
+          </a:prstGeom>
+          <a:noFill/>
+          <a:ln/>
+        </p:spPr>
+        <p:txBody>
+          <a:bodyPr wrap="none" lIns="0" tIns="0" rIns="0" bIns="0" rtlCol="0" anchor="t"/>
           <a:lstStyle/>
           <a:p>
             <a:pPr marL="0" indent="0" algn="l">
@@ -5153,7 +5232,7 @@
                 <a:ea typeface="Unbounded" pitchFamily="34" charset="-122"/>
                 <a:cs typeface="Unbounded" pitchFamily="34" charset="-120"/>
               </a:rPr>
-              <a:t>後台功能：推薦系統與搜尋紀錄</a:t>
+              <a:t>後台功能：訂單管理</a:t>
             </a:r>
             <a:endParaRPr lang="en-US" sz="4400" dirty="0"/>
           </a:p>
@@ -5161,48 +5240,20 @@
       </p:sp>
       <p:sp>
         <p:nvSpPr>
-          <p:cNvPr id="4" name="Shape 1">
-            <a:extLst>
-              <a:ext uri="{FF2B5EF4-FFF2-40B4-BE49-F238E27FC236}">
-                <a16:creationId xmlns:a16="http://schemas.microsoft.com/office/drawing/2014/main" id="{BC43B4AB-2C8F-7BA6-EFEB-70BDEF76B4C0}"/>
-              </a:ext>
-            </a:extLst>
-          </p:cNvPr>
-          <p:cNvSpPr/>
-          <p:nvPr/>
-        </p:nvSpPr>
-        <p:spPr>
-          <a:xfrm>
-            <a:off x="837724" y="3606522"/>
-            <a:ext cx="538520" cy="538520"/>
-          </a:xfrm>
-          <a:prstGeom prst="roundRect">
-            <a:avLst>
-              <a:gd name="adj" fmla="val 6668"/>
-            </a:avLst>
-          </a:prstGeom>
-          <a:solidFill>
-            <a:srgbClr val="304755"/>
-          </a:solidFill>
-          <a:ln/>
-        </p:spPr>
-      </p:sp>
-      <p:sp>
-        <p:nvSpPr>
-          <p:cNvPr id="5" name="Text 2">
-            <a:extLst>
-              <a:ext uri="{FF2B5EF4-FFF2-40B4-BE49-F238E27FC236}">
-                <a16:creationId xmlns:a16="http://schemas.microsoft.com/office/drawing/2014/main" id="{D378F7F5-789B-2AF5-0F61-F8E4EC130904}"/>
-              </a:ext>
-            </a:extLst>
-          </p:cNvPr>
-          <p:cNvSpPr/>
-          <p:nvPr/>
-        </p:nvSpPr>
-        <p:spPr>
-          <a:xfrm>
-            <a:off x="937974" y="3664506"/>
-            <a:ext cx="337899" cy="422434"/>
+          <p:cNvPr id="3" name="Text 1">
+            <a:extLst>
+              <a:ext uri="{FF2B5EF4-FFF2-40B4-BE49-F238E27FC236}">
+                <a16:creationId xmlns:a16="http://schemas.microsoft.com/office/drawing/2014/main" xmlns="" id="{193BF335-732B-06E6-28AD-60684F263D36}"/>
+              </a:ext>
+            </a:extLst>
+          </p:cNvPr>
+          <p:cNvSpPr/>
+          <p:nvPr/>
+        </p:nvSpPr>
+        <p:spPr>
+          <a:xfrm>
+            <a:off x="837724" y="4171117"/>
+            <a:ext cx="2816185" cy="351949"/>
           </a:xfrm>
           <a:prstGeom prst="rect">
             <a:avLst/>
@@ -5214,43 +5265,43 @@
           <a:bodyPr wrap="none" lIns="0" tIns="0" rIns="0" bIns="0" rtlCol="0" anchor="t"/>
           <a:lstStyle/>
           <a:p>
-            <a:pPr marL="0" indent="0" algn="ctr">
-              <a:lnSpc>
-                <a:spcPts val="2650"/>
-              </a:lnSpc>
-              <a:buNone/>
-            </a:pPr>
-            <a:r>
-              <a:rPr lang="en-US" sz="2650" dirty="0">
-                <a:solidFill>
-                  <a:srgbClr val="CAD6DE"/>
+            <a:pPr marL="0" indent="0" algn="l">
+              <a:lnSpc>
+                <a:spcPts val="2750"/>
+              </a:lnSpc>
+              <a:buNone/>
+            </a:pPr>
+            <a:r>
+              <a:rPr lang="en-US" sz="2200" dirty="0">
+                <a:solidFill>
+                  <a:srgbClr val="FFFFFF"/>
                 </a:solidFill>
                 <a:latin typeface="Unbounded" pitchFamily="34" charset="0"/>
                 <a:ea typeface="Unbounded" pitchFamily="34" charset="-122"/>
                 <a:cs typeface="Unbounded" pitchFamily="34" charset="-120"/>
               </a:rPr>
-              <a:t>1</a:t>
-            </a:r>
-            <a:endParaRPr lang="en-US" sz="2650" dirty="0"/>
-          </a:p>
-        </p:txBody>
-      </p:sp>
-      <p:sp>
-        <p:nvSpPr>
-          <p:cNvPr id="6" name="Text 3">
-            <a:extLst>
-              <a:ext uri="{FF2B5EF4-FFF2-40B4-BE49-F238E27FC236}">
-                <a16:creationId xmlns:a16="http://schemas.microsoft.com/office/drawing/2014/main" id="{93B8F347-6623-DEB1-0AC6-0F75889CC9EA}"/>
-              </a:ext>
-            </a:extLst>
-          </p:cNvPr>
-          <p:cNvSpPr/>
-          <p:nvPr/>
-        </p:nvSpPr>
-        <p:spPr>
-          <a:xfrm>
-            <a:off x="1615559" y="3688794"/>
-            <a:ext cx="2806898" cy="351949"/>
+              <a:t>訂單查看</a:t>
+            </a:r>
+            <a:endParaRPr lang="en-US" sz="2200" dirty="0"/>
+          </a:p>
+        </p:txBody>
+      </p:sp>
+      <p:sp>
+        <p:nvSpPr>
+          <p:cNvPr id="4" name="Text 2">
+            <a:extLst>
+              <a:ext uri="{FF2B5EF4-FFF2-40B4-BE49-F238E27FC236}">
+                <a16:creationId xmlns:a16="http://schemas.microsoft.com/office/drawing/2014/main" xmlns="" id="{CC12874B-9579-9660-A9EA-0418C27E7014}"/>
+              </a:ext>
+            </a:extLst>
+          </p:cNvPr>
+          <p:cNvSpPr/>
+          <p:nvPr/>
+        </p:nvSpPr>
+        <p:spPr>
+          <a:xfrm>
+            <a:off x="837724" y="4762381"/>
+            <a:ext cx="3928586" cy="383024"/>
           </a:xfrm>
           <a:prstGeom prst="rect">
             <a:avLst/>
@@ -5264,6 +5315,54 @@
           <a:p>
             <a:pPr marL="0" indent="0" algn="l">
               <a:lnSpc>
+                <a:spcPts val="3000"/>
+              </a:lnSpc>
+              <a:buNone/>
+            </a:pPr>
+            <a:r>
+              <a:rPr lang="en-US" sz="1850" dirty="0">
+                <a:solidFill>
+                  <a:srgbClr val="CAD6DE"/>
+                </a:solidFill>
+                <a:latin typeface="Cabin" pitchFamily="34" charset="0"/>
+                <a:ea typeface="Cabin" pitchFamily="34" charset="-122"/>
+                <a:cs typeface="Cabin" pitchFamily="34" charset="-120"/>
+              </a:rPr>
+              <a:t>查看詳細訂單與列表資訊</a:t>
+            </a:r>
+            <a:endParaRPr lang="en-US" sz="1850" dirty="0"/>
+          </a:p>
+        </p:txBody>
+      </p:sp>
+      <p:sp>
+        <p:nvSpPr>
+          <p:cNvPr id="5" name="Text 3">
+            <a:extLst>
+              <a:ext uri="{FF2B5EF4-FFF2-40B4-BE49-F238E27FC236}">
+                <a16:creationId xmlns:a16="http://schemas.microsoft.com/office/drawing/2014/main" xmlns="" id="{2E46298F-797D-C4B8-9B03-B795D871DDC9}"/>
+              </a:ext>
+            </a:extLst>
+          </p:cNvPr>
+          <p:cNvSpPr/>
+          <p:nvPr/>
+        </p:nvSpPr>
+        <p:spPr>
+          <a:xfrm>
+            <a:off x="5357813" y="4171117"/>
+            <a:ext cx="2816185" cy="351949"/>
+          </a:xfrm>
+          <a:prstGeom prst="rect">
+            <a:avLst/>
+          </a:prstGeom>
+          <a:noFill/>
+          <a:ln/>
+        </p:spPr>
+        <p:txBody>
+          <a:bodyPr wrap="none" lIns="0" tIns="0" rIns="0" bIns="0" rtlCol="0" anchor="t"/>
+          <a:lstStyle/>
+          <a:p>
+            <a:pPr marL="0" indent="0" algn="l">
+              <a:lnSpc>
                 <a:spcPts val="2750"/>
               </a:lnSpc>
               <a:buNone/>
@@ -5271,13 +5370,13 @@
             <a:r>
               <a:rPr lang="en-US" sz="2200" dirty="0">
                 <a:solidFill>
-                  <a:srgbClr val="CAD6DE"/>
+                  <a:srgbClr val="FFFFFF"/>
                 </a:solidFill>
                 <a:latin typeface="Unbounded" pitchFamily="34" charset="0"/>
                 <a:ea typeface="Unbounded" pitchFamily="34" charset="-122"/>
                 <a:cs typeface="Unbounded" pitchFamily="34" charset="-120"/>
               </a:rPr>
-              <a:t>推薦商品管理</a:t>
+              <a:t>物流與付款模擬</a:t>
             </a:r>
             <a:endParaRPr lang="en-US" sz="2200" dirty="0"/>
           </a:p>
@@ -5285,20 +5384,20 @@
       </p:sp>
       <p:sp>
         <p:nvSpPr>
-          <p:cNvPr id="7" name="Text 4">
-            <a:extLst>
-              <a:ext uri="{FF2B5EF4-FFF2-40B4-BE49-F238E27FC236}">
-                <a16:creationId xmlns:a16="http://schemas.microsoft.com/office/drawing/2014/main" id="{B39BACA9-D0BB-DFEA-0D21-CA26FA0C691B}"/>
-              </a:ext>
-            </a:extLst>
-          </p:cNvPr>
-          <p:cNvSpPr/>
-          <p:nvPr/>
-        </p:nvSpPr>
-        <p:spPr>
-          <a:xfrm>
-            <a:off x="1615559" y="4184332"/>
-            <a:ext cx="2806898" cy="383024"/>
+          <p:cNvPr id="6" name="Text 4">
+            <a:extLst>
+              <a:ext uri="{FF2B5EF4-FFF2-40B4-BE49-F238E27FC236}">
+                <a16:creationId xmlns:a16="http://schemas.microsoft.com/office/drawing/2014/main" xmlns="" id="{F85FCEB6-8CAF-E4EF-63B1-52A82BF19099}"/>
+              </a:ext>
+            </a:extLst>
+          </p:cNvPr>
+          <p:cNvSpPr/>
+          <p:nvPr/>
+        </p:nvSpPr>
+        <p:spPr>
+          <a:xfrm>
+            <a:off x="5357813" y="4762381"/>
+            <a:ext cx="3928586" cy="383024"/>
           </a:xfrm>
           <a:prstGeom prst="rect">
             <a:avLst/>
@@ -5325,7 +5424,7 @@
                 <a:ea typeface="Cabin" pitchFamily="34" charset="-122"/>
                 <a:cs typeface="Cabin" pitchFamily="34" charset="-120"/>
               </a:rPr>
-              <a:t>設定熱門與猜你喜歡商品</a:t>
+              <a:t>按鈕控制狀態，模擬真實流程</a:t>
             </a:r>
             <a:endParaRPr lang="en-US" sz="1850" dirty="0"/>
           </a:p>
@@ -5333,48 +5432,20 @@
       </p:sp>
       <p:sp>
         <p:nvSpPr>
-          <p:cNvPr id="8" name="Shape 5">
-            <a:extLst>
-              <a:ext uri="{FF2B5EF4-FFF2-40B4-BE49-F238E27FC236}">
-                <a16:creationId xmlns:a16="http://schemas.microsoft.com/office/drawing/2014/main" id="{49CC9E44-22D5-D067-95CE-8E773BCDAA9F}"/>
-              </a:ext>
-            </a:extLst>
-          </p:cNvPr>
-          <p:cNvSpPr/>
-          <p:nvPr/>
-        </p:nvSpPr>
-        <p:spPr>
-          <a:xfrm>
-            <a:off x="4721662" y="3606522"/>
-            <a:ext cx="538520" cy="538520"/>
-          </a:xfrm>
-          <a:prstGeom prst="roundRect">
-            <a:avLst>
-              <a:gd name="adj" fmla="val 6668"/>
-            </a:avLst>
-          </a:prstGeom>
-          <a:solidFill>
-            <a:srgbClr val="304755"/>
-          </a:solidFill>
-          <a:ln/>
-        </p:spPr>
-      </p:sp>
-      <p:sp>
-        <p:nvSpPr>
-          <p:cNvPr id="9" name="Text 6">
-            <a:extLst>
-              <a:ext uri="{FF2B5EF4-FFF2-40B4-BE49-F238E27FC236}">
-                <a16:creationId xmlns:a16="http://schemas.microsoft.com/office/drawing/2014/main" id="{50933ABE-0DCE-B212-02CF-00213739500E}"/>
-              </a:ext>
-            </a:extLst>
-          </p:cNvPr>
-          <p:cNvSpPr/>
-          <p:nvPr/>
-        </p:nvSpPr>
-        <p:spPr>
-          <a:xfrm>
-            <a:off x="4821912" y="3664506"/>
-            <a:ext cx="337899" cy="422434"/>
+          <p:cNvPr id="7" name="Text 5">
+            <a:extLst>
+              <a:ext uri="{FF2B5EF4-FFF2-40B4-BE49-F238E27FC236}">
+                <a16:creationId xmlns:a16="http://schemas.microsoft.com/office/drawing/2014/main" xmlns="" id="{0A81056F-F879-2EBD-35B9-32B96FEE2BEC}"/>
+              </a:ext>
+            </a:extLst>
+          </p:cNvPr>
+          <p:cNvSpPr/>
+          <p:nvPr/>
+        </p:nvSpPr>
+        <p:spPr>
+          <a:xfrm>
+            <a:off x="9877901" y="4171117"/>
+            <a:ext cx="2816185" cy="351949"/>
           </a:xfrm>
           <a:prstGeom prst="rect">
             <a:avLst/>
@@ -5386,43 +5457,43 @@
           <a:bodyPr wrap="none" lIns="0" tIns="0" rIns="0" bIns="0" rtlCol="0" anchor="t"/>
           <a:lstStyle/>
           <a:p>
-            <a:pPr marL="0" indent="0" algn="ctr">
-              <a:lnSpc>
-                <a:spcPts val="2650"/>
-              </a:lnSpc>
-              <a:buNone/>
-            </a:pPr>
-            <a:r>
-              <a:rPr lang="en-US" sz="2650" dirty="0">
-                <a:solidFill>
-                  <a:srgbClr val="CAD6DE"/>
+            <a:pPr marL="0" indent="0" algn="l">
+              <a:lnSpc>
+                <a:spcPts val="2750"/>
+              </a:lnSpc>
+              <a:buNone/>
+            </a:pPr>
+            <a:r>
+              <a:rPr lang="en-US" sz="2200" dirty="0">
+                <a:solidFill>
+                  <a:srgbClr val="FFFFFF"/>
                 </a:solidFill>
                 <a:latin typeface="Unbounded" pitchFamily="34" charset="0"/>
                 <a:ea typeface="Unbounded" pitchFamily="34" charset="-122"/>
                 <a:cs typeface="Unbounded" pitchFamily="34" charset="-120"/>
               </a:rPr>
-              <a:t>2</a:t>
-            </a:r>
-            <a:endParaRPr lang="en-US" sz="2650" dirty="0"/>
-          </a:p>
-        </p:txBody>
-      </p:sp>
-      <p:sp>
-        <p:nvSpPr>
-          <p:cNvPr id="10" name="Text 7">
-            <a:extLst>
-              <a:ext uri="{FF2B5EF4-FFF2-40B4-BE49-F238E27FC236}">
-                <a16:creationId xmlns:a16="http://schemas.microsoft.com/office/drawing/2014/main" id="{E90838E1-8BA6-D0B9-9937-4BB52878B86A}"/>
-              </a:ext>
-            </a:extLst>
-          </p:cNvPr>
-          <p:cNvSpPr/>
-          <p:nvPr/>
-        </p:nvSpPr>
-        <p:spPr>
-          <a:xfrm>
-            <a:off x="5499497" y="3688794"/>
-            <a:ext cx="2806898" cy="351949"/>
+              <a:t>訂單匯出</a:t>
+            </a:r>
+            <a:endParaRPr lang="en-US" sz="2200" dirty="0"/>
+          </a:p>
+        </p:txBody>
+      </p:sp>
+      <p:sp>
+        <p:nvSpPr>
+          <p:cNvPr id="8" name="Text 6">
+            <a:extLst>
+              <a:ext uri="{FF2B5EF4-FFF2-40B4-BE49-F238E27FC236}">
+                <a16:creationId xmlns:a16="http://schemas.microsoft.com/office/drawing/2014/main" xmlns="" id="{1585B788-44A9-395B-ED48-48ED385E293F}"/>
+              </a:ext>
+            </a:extLst>
+          </p:cNvPr>
+          <p:cNvSpPr/>
+          <p:nvPr/>
+        </p:nvSpPr>
+        <p:spPr>
+          <a:xfrm>
+            <a:off x="9877901" y="4762381"/>
+            <a:ext cx="3928586" cy="383024"/>
           </a:xfrm>
           <a:prstGeom prst="rect">
             <a:avLst/>
@@ -5432,54 +5503,6 @@
         </p:spPr>
         <p:txBody>
           <a:bodyPr wrap="none" lIns="0" tIns="0" rIns="0" bIns="0" rtlCol="0" anchor="t"/>
-          <a:lstStyle/>
-          <a:p>
-            <a:pPr marL="0" indent="0" algn="l">
-              <a:lnSpc>
-                <a:spcPts val="2750"/>
-              </a:lnSpc>
-              <a:buNone/>
-            </a:pPr>
-            <a:r>
-              <a:rPr lang="en-US" sz="2200" dirty="0">
-                <a:solidFill>
-                  <a:srgbClr val="CAD6DE"/>
-                </a:solidFill>
-                <a:latin typeface="Unbounded" pitchFamily="34" charset="0"/>
-                <a:ea typeface="Unbounded" pitchFamily="34" charset="-122"/>
-                <a:cs typeface="Unbounded" pitchFamily="34" charset="-120"/>
-              </a:rPr>
-              <a:t>搜尋關鍵字分析</a:t>
-            </a:r>
-            <a:endParaRPr lang="en-US" sz="2200" dirty="0"/>
-          </a:p>
-        </p:txBody>
-      </p:sp>
-      <p:sp>
-        <p:nvSpPr>
-          <p:cNvPr id="11" name="Text 8">
-            <a:extLst>
-              <a:ext uri="{FF2B5EF4-FFF2-40B4-BE49-F238E27FC236}">
-                <a16:creationId xmlns:a16="http://schemas.microsoft.com/office/drawing/2014/main" id="{CDEF5874-8177-DD87-681B-5A647433874F}"/>
-              </a:ext>
-            </a:extLst>
-          </p:cNvPr>
-          <p:cNvSpPr/>
-          <p:nvPr/>
-        </p:nvSpPr>
-        <p:spPr>
-          <a:xfrm>
-            <a:off x="5499497" y="4184332"/>
-            <a:ext cx="2806898" cy="766048"/>
-          </a:xfrm>
-          <a:prstGeom prst="rect">
-            <a:avLst/>
-          </a:prstGeom>
-          <a:noFill/>
-          <a:ln/>
-        </p:spPr>
-        <p:txBody>
-          <a:bodyPr wrap="square" lIns="0" tIns="0" rIns="0" bIns="0" rtlCol="0" anchor="t"/>
           <a:lstStyle/>
           <a:p>
             <a:pPr marL="0" indent="0" algn="l">
@@ -5497,179 +5520,7 @@
                 <a:ea typeface="Cabin" pitchFamily="34" charset="-122"/>
                 <a:cs typeface="Cabin" pitchFamily="34" charset="-120"/>
               </a:rPr>
-              <a:t>監控與分析使用者搜尋行為</a:t>
-            </a:r>
-            <a:endParaRPr lang="en-US" sz="1850" dirty="0"/>
-          </a:p>
-        </p:txBody>
-      </p:sp>
-      <p:sp>
-        <p:nvSpPr>
-          <p:cNvPr id="12" name="Shape 9">
-            <a:extLst>
-              <a:ext uri="{FF2B5EF4-FFF2-40B4-BE49-F238E27FC236}">
-                <a16:creationId xmlns:a16="http://schemas.microsoft.com/office/drawing/2014/main" id="{50EBA055-05F2-F726-C50D-0CA419365B7A}"/>
-              </a:ext>
-            </a:extLst>
-          </p:cNvPr>
-          <p:cNvSpPr/>
-          <p:nvPr/>
-        </p:nvSpPr>
-        <p:spPr>
-          <a:xfrm>
-            <a:off x="837724" y="5429131"/>
-            <a:ext cx="538520" cy="538520"/>
-          </a:xfrm>
-          <a:prstGeom prst="roundRect">
-            <a:avLst>
-              <a:gd name="adj" fmla="val 6668"/>
-            </a:avLst>
-          </a:prstGeom>
-          <a:solidFill>
-            <a:srgbClr val="304755"/>
-          </a:solidFill>
-          <a:ln/>
-        </p:spPr>
-      </p:sp>
-      <p:sp>
-        <p:nvSpPr>
-          <p:cNvPr id="13" name="Text 10">
-            <a:extLst>
-              <a:ext uri="{FF2B5EF4-FFF2-40B4-BE49-F238E27FC236}">
-                <a16:creationId xmlns:a16="http://schemas.microsoft.com/office/drawing/2014/main" id="{3BCBA476-3368-29B8-0461-C5C6BC89C818}"/>
-              </a:ext>
-            </a:extLst>
-          </p:cNvPr>
-          <p:cNvSpPr/>
-          <p:nvPr/>
-        </p:nvSpPr>
-        <p:spPr>
-          <a:xfrm>
-            <a:off x="937974" y="5487114"/>
-            <a:ext cx="337899" cy="422434"/>
-          </a:xfrm>
-          <a:prstGeom prst="rect">
-            <a:avLst/>
-          </a:prstGeom>
-          <a:noFill/>
-          <a:ln/>
-        </p:spPr>
-        <p:txBody>
-          <a:bodyPr wrap="none" lIns="0" tIns="0" rIns="0" bIns="0" rtlCol="0" anchor="t"/>
-          <a:lstStyle/>
-          <a:p>
-            <a:pPr marL="0" indent="0" algn="ctr">
-              <a:lnSpc>
-                <a:spcPts val="2650"/>
-              </a:lnSpc>
-              <a:buNone/>
-            </a:pPr>
-            <a:r>
-              <a:rPr lang="en-US" sz="2650" dirty="0">
-                <a:solidFill>
-                  <a:srgbClr val="CAD6DE"/>
-                </a:solidFill>
-                <a:latin typeface="Unbounded" pitchFamily="34" charset="0"/>
-                <a:ea typeface="Unbounded" pitchFamily="34" charset="-122"/>
-                <a:cs typeface="Unbounded" pitchFamily="34" charset="-120"/>
-              </a:rPr>
-              <a:t>3</a:t>
-            </a:r>
-            <a:endParaRPr lang="en-US" sz="2650" dirty="0"/>
-          </a:p>
-        </p:txBody>
-      </p:sp>
-      <p:sp>
-        <p:nvSpPr>
-          <p:cNvPr id="14" name="Text 11">
-            <a:extLst>
-              <a:ext uri="{FF2B5EF4-FFF2-40B4-BE49-F238E27FC236}">
-                <a16:creationId xmlns:a16="http://schemas.microsoft.com/office/drawing/2014/main" id="{A05CD35A-97F3-6100-48F1-F8564E1CA21D}"/>
-              </a:ext>
-            </a:extLst>
-          </p:cNvPr>
-          <p:cNvSpPr/>
-          <p:nvPr/>
-        </p:nvSpPr>
-        <p:spPr>
-          <a:xfrm>
-            <a:off x="1615559" y="5511403"/>
-            <a:ext cx="2816185" cy="351949"/>
-          </a:xfrm>
-          <a:prstGeom prst="rect">
-            <a:avLst/>
-          </a:prstGeom>
-          <a:noFill/>
-          <a:ln/>
-        </p:spPr>
-        <p:txBody>
-          <a:bodyPr wrap="none" lIns="0" tIns="0" rIns="0" bIns="0" rtlCol="0" anchor="t"/>
-          <a:lstStyle/>
-          <a:p>
-            <a:pPr marL="0" indent="0" algn="l">
-              <a:lnSpc>
-                <a:spcPts val="2750"/>
-              </a:lnSpc>
-              <a:buNone/>
-            </a:pPr>
-            <a:r>
-              <a:rPr lang="en-US" sz="2200" dirty="0">
-                <a:solidFill>
-                  <a:srgbClr val="CAD6DE"/>
-                </a:solidFill>
-                <a:latin typeface="Unbounded" pitchFamily="34" charset="0"/>
-                <a:ea typeface="Unbounded" pitchFamily="34" charset="-122"/>
-                <a:cs typeface="Unbounded" pitchFamily="34" charset="-120"/>
-              </a:rPr>
-              <a:t>瀏覽紀錄統計</a:t>
-            </a:r>
-            <a:endParaRPr lang="en-US" sz="2200" dirty="0"/>
-          </a:p>
-        </p:txBody>
-      </p:sp>
-      <p:sp>
-        <p:nvSpPr>
-          <p:cNvPr id="15" name="Text 12">
-            <a:extLst>
-              <a:ext uri="{FF2B5EF4-FFF2-40B4-BE49-F238E27FC236}">
-                <a16:creationId xmlns:a16="http://schemas.microsoft.com/office/drawing/2014/main" id="{F6400D47-09BA-D12E-4952-3D12B933BE9C}"/>
-              </a:ext>
-            </a:extLst>
-          </p:cNvPr>
-          <p:cNvSpPr/>
-          <p:nvPr/>
-        </p:nvSpPr>
-        <p:spPr>
-          <a:xfrm>
-            <a:off x="1615559" y="6006941"/>
-            <a:ext cx="6690717" cy="383024"/>
-          </a:xfrm>
-          <a:prstGeom prst="rect">
-            <a:avLst/>
-          </a:prstGeom>
-          <a:noFill/>
-          <a:ln/>
-        </p:spPr>
-        <p:txBody>
-          <a:bodyPr wrap="none" lIns="0" tIns="0" rIns="0" bIns="0" rtlCol="0" anchor="t"/>
-          <a:lstStyle/>
-          <a:p>
-            <a:pPr marL="0" indent="0" algn="l">
-              <a:lnSpc>
-                <a:spcPts val="3000"/>
-              </a:lnSpc>
-              <a:buNone/>
-            </a:pPr>
-            <a:r>
-              <a:rPr lang="en-US" sz="1850" dirty="0">
-                <a:solidFill>
-                  <a:srgbClr val="CAD6DE"/>
-                </a:solidFill>
-                <a:latin typeface="Cabin" pitchFamily="34" charset="0"/>
-                <a:ea typeface="Cabin" pitchFamily="34" charset="-122"/>
-                <a:cs typeface="Cabin" pitchFamily="34" charset="-120"/>
-              </a:rPr>
-              <a:t>深入理解用戶興趣與行為</a:t>
+              <a:t>便於資料分析與報表製作</a:t>
             </a:r>
             <a:endParaRPr lang="en-US" sz="1850" dirty="0"/>
           </a:p>
@@ -5678,7 +5529,7 @@
     </p:spTree>
     <p:extLst>
       <p:ext uri="{BB962C8B-B14F-4D97-AF65-F5344CB8AC3E}">
-        <p14:creationId xmlns:p14="http://schemas.microsoft.com/office/powerpoint/2010/main" val="1975342029"/>
+        <p14:creationId xmlns:p14="http://schemas.microsoft.com/office/powerpoint/2010/main" val="3010883950"/>
       </p:ext>
     </p:extLst>
   </p:cSld>
@@ -5705,21 +5556,51 @@
           <a:chExt cx="0" cy="0"/>
         </a:xfrm>
       </p:grpSpPr>
-      <p:sp>
-        <p:nvSpPr>
-          <p:cNvPr id="2" name="Text 0">
-            <a:extLst>
-              <a:ext uri="{FF2B5EF4-FFF2-40B4-BE49-F238E27FC236}">
-                <a16:creationId xmlns:a16="http://schemas.microsoft.com/office/drawing/2014/main" id="{D86F5ABA-0B58-8CD4-CC56-B5665FB81ADD}"/>
-              </a:ext>
-            </a:extLst>
-          </p:cNvPr>
-          <p:cNvSpPr/>
-          <p:nvPr/>
-        </p:nvSpPr>
-        <p:spPr>
-          <a:xfrm>
-            <a:off x="837724" y="2467928"/>
+      <p:pic>
+        <p:nvPicPr>
+          <p:cNvPr id="2" name="Image 0" descr="preencoded.png">
+            <a:extLst>
+              <a:ext uri="{FF2B5EF4-FFF2-40B4-BE49-F238E27FC236}">
+                <a16:creationId xmlns:a16="http://schemas.microsoft.com/office/drawing/2014/main" xmlns="" id="{288E659A-E955-BF09-666C-1072F60B471D}"/>
+              </a:ext>
+            </a:extLst>
+          </p:cNvPr>
+          <p:cNvPicPr>
+            <a:picLocks noChangeAspect="1"/>
+          </p:cNvPicPr>
+          <p:nvPr/>
+        </p:nvPicPr>
+        <p:blipFill>
+          <a:blip r:embed="rId2"/>
+          <a:stretch>
+            <a:fillRect/>
+          </a:stretch>
+        </p:blipFill>
+        <p:spPr>
+          <a:xfrm>
+            <a:off x="0" y="0"/>
+            <a:ext cx="5486400" cy="8229600"/>
+          </a:xfrm>
+          <a:prstGeom prst="rect">
+            <a:avLst/>
+          </a:prstGeom>
+        </p:spPr>
+      </p:pic>
+      <p:sp>
+        <p:nvSpPr>
+          <p:cNvPr id="3" name="Text 0">
+            <a:extLst>
+              <a:ext uri="{FF2B5EF4-FFF2-40B4-BE49-F238E27FC236}">
+                <a16:creationId xmlns:a16="http://schemas.microsoft.com/office/drawing/2014/main" xmlns="" id="{A2FB9310-4B85-E2EC-BA0D-8C555808BCA1}"/>
+              </a:ext>
+            </a:extLst>
+          </p:cNvPr>
+          <p:cNvSpPr/>
+          <p:nvPr/>
+        </p:nvSpPr>
+        <p:spPr>
+          <a:xfrm>
+            <a:off x="6324124" y="2106454"/>
             <a:ext cx="5632490" cy="704017"/>
           </a:xfrm>
           <a:prstGeom prst="rect">
@@ -5747,7 +5628,7 @@
                 <a:ea typeface="Unbounded" pitchFamily="34" charset="-122"/>
                 <a:cs typeface="Unbounded" pitchFamily="34" charset="-120"/>
               </a:rPr>
-              <a:t>技術總結與未來展望</a:t>
+              <a:t>後台功能：使用者管理</a:t>
             </a:r>
             <a:endParaRPr lang="en-US" sz="4400" dirty="0"/>
           </a:p>
@@ -5755,19 +5636,47 @@
       </p:sp>
       <p:sp>
         <p:nvSpPr>
-          <p:cNvPr id="3" name="Text 1">
-            <a:extLst>
-              <a:ext uri="{FF2B5EF4-FFF2-40B4-BE49-F238E27FC236}">
-                <a16:creationId xmlns:a16="http://schemas.microsoft.com/office/drawing/2014/main" id="{E8FEE2E1-1E85-EEEE-7325-2D108C73AF3D}"/>
-              </a:ext>
-            </a:extLst>
-          </p:cNvPr>
-          <p:cNvSpPr/>
-          <p:nvPr/>
-        </p:nvSpPr>
-        <p:spPr>
-          <a:xfrm>
-            <a:off x="837724" y="3770233"/>
+          <p:cNvPr id="4" name="Shape 1">
+            <a:extLst>
+              <a:ext uri="{FF2B5EF4-FFF2-40B4-BE49-F238E27FC236}">
+                <a16:creationId xmlns:a16="http://schemas.microsoft.com/office/drawing/2014/main" xmlns="" id="{BFE1C90B-B77A-517E-C76E-CEA973336C09}"/>
+              </a:ext>
+            </a:extLst>
+          </p:cNvPr>
+          <p:cNvSpPr/>
+          <p:nvPr/>
+        </p:nvSpPr>
+        <p:spPr>
+          <a:xfrm>
+            <a:off x="6324124" y="3169444"/>
+            <a:ext cx="3614618" cy="1357193"/>
+          </a:xfrm>
+          <a:prstGeom prst="roundRect">
+            <a:avLst>
+              <a:gd name="adj" fmla="val 2646"/>
+            </a:avLst>
+          </a:prstGeom>
+          <a:solidFill>
+            <a:srgbClr val="304755"/>
+          </a:solidFill>
+          <a:ln/>
+        </p:spPr>
+      </p:sp>
+      <p:sp>
+        <p:nvSpPr>
+          <p:cNvPr id="5" name="Text 2">
+            <a:extLst>
+              <a:ext uri="{FF2B5EF4-FFF2-40B4-BE49-F238E27FC236}">
+                <a16:creationId xmlns:a16="http://schemas.microsoft.com/office/drawing/2014/main" xmlns="" id="{648DA8B2-7BF2-2D26-5396-989491B30F15}"/>
+              </a:ext>
+            </a:extLst>
+          </p:cNvPr>
+          <p:cNvSpPr/>
+          <p:nvPr/>
+        </p:nvSpPr>
+        <p:spPr>
+          <a:xfrm>
+            <a:off x="6563439" y="3408759"/>
             <a:ext cx="2816185" cy="351949"/>
           </a:xfrm>
           <a:prstGeom prst="rect">
@@ -5789,13 +5698,13 @@
             <a:r>
               <a:rPr lang="en-US" sz="2200" dirty="0">
                 <a:solidFill>
-                  <a:srgbClr val="FFFFFF"/>
+                  <a:srgbClr val="CAD6DE"/>
                 </a:solidFill>
                 <a:latin typeface="Unbounded" pitchFamily="34" charset="0"/>
                 <a:ea typeface="Unbounded" pitchFamily="34" charset="-122"/>
                 <a:cs typeface="Unbounded" pitchFamily="34" charset="-120"/>
               </a:rPr>
-              <a:t>技術棧優勢</a:t>
+              <a:t>用戶資料管理</a:t>
             </a:r>
             <a:endParaRPr lang="en-US" sz="2200" dirty="0"/>
           </a:p>
@@ -5803,20 +5712,20 @@
       </p:sp>
       <p:sp>
         <p:nvSpPr>
-          <p:cNvPr id="4" name="Text 2">
-            <a:extLst>
-              <a:ext uri="{FF2B5EF4-FFF2-40B4-BE49-F238E27FC236}">
-                <a16:creationId xmlns:a16="http://schemas.microsoft.com/office/drawing/2014/main" id="{71C51FCE-3E66-78F1-6A11-6A5C36BF09F3}"/>
-              </a:ext>
-            </a:extLst>
-          </p:cNvPr>
-          <p:cNvSpPr/>
-          <p:nvPr/>
-        </p:nvSpPr>
-        <p:spPr>
-          <a:xfrm>
-            <a:off x="837724" y="4361498"/>
-            <a:ext cx="6185535" cy="383024"/>
+          <p:cNvPr id="6" name="Text 3">
+            <a:extLst>
+              <a:ext uri="{FF2B5EF4-FFF2-40B4-BE49-F238E27FC236}">
+                <a16:creationId xmlns:a16="http://schemas.microsoft.com/office/drawing/2014/main" xmlns="" id="{B95CB391-9D5A-148C-C8B0-56E4F14A860F}"/>
+              </a:ext>
+            </a:extLst>
+          </p:cNvPr>
+          <p:cNvSpPr/>
+          <p:nvPr/>
+        </p:nvSpPr>
+        <p:spPr>
+          <a:xfrm>
+            <a:off x="6563439" y="3904297"/>
+            <a:ext cx="3135987" cy="383024"/>
           </a:xfrm>
           <a:prstGeom prst="rect">
             <a:avLst/>
@@ -5828,12 +5737,11 @@
           <a:bodyPr wrap="none" lIns="0" tIns="0" rIns="0" bIns="0" rtlCol="0" anchor="t"/>
           <a:lstStyle/>
           <a:p>
-            <a:pPr marL="342900" indent="-342900" algn="l">
+            <a:pPr marL="0" indent="0" algn="l">
               <a:lnSpc>
                 <a:spcPts val="3000"/>
               </a:lnSpc>
-              <a:buSzPct val="100000"/>
-              <a:buChar char="•"/>
+              <a:buNone/>
             </a:pPr>
             <a:r>
               <a:rPr lang="en-US" sz="1850" dirty="0">
@@ -5844,7 +5752,7 @@
                 <a:ea typeface="Cabin" pitchFamily="34" charset="-122"/>
                 <a:cs typeface="Cabin" pitchFamily="34" charset="-120"/>
               </a:rPr>
-              <a:t>React 靈活前端</a:t>
+              <a:t>查看與修改使用者資訊</a:t>
             </a:r>
             <a:endParaRPr lang="en-US" sz="1850" dirty="0"/>
           </a:p>
@@ -5852,20 +5760,48 @@
       </p:sp>
       <p:sp>
         <p:nvSpPr>
-          <p:cNvPr id="5" name="Text 3">
-            <a:extLst>
-              <a:ext uri="{FF2B5EF4-FFF2-40B4-BE49-F238E27FC236}">
-                <a16:creationId xmlns:a16="http://schemas.microsoft.com/office/drawing/2014/main" id="{A40FCDB0-C86F-254E-A3E2-9DCE2297BBA6}"/>
-              </a:ext>
-            </a:extLst>
-          </p:cNvPr>
-          <p:cNvSpPr/>
-          <p:nvPr/>
-        </p:nvSpPr>
-        <p:spPr>
-          <a:xfrm>
-            <a:off x="837724" y="4828223"/>
-            <a:ext cx="6185535" cy="383024"/>
+          <p:cNvPr id="7" name="Shape 4">
+            <a:extLst>
+              <a:ext uri="{FF2B5EF4-FFF2-40B4-BE49-F238E27FC236}">
+                <a16:creationId xmlns:a16="http://schemas.microsoft.com/office/drawing/2014/main" xmlns="" id="{8EDE9A02-B88A-90EB-1C23-EC94FE552F1D}"/>
+              </a:ext>
+            </a:extLst>
+          </p:cNvPr>
+          <p:cNvSpPr/>
+          <p:nvPr/>
+        </p:nvSpPr>
+        <p:spPr>
+          <a:xfrm>
+            <a:off x="10178058" y="3169444"/>
+            <a:ext cx="3614618" cy="1357193"/>
+          </a:xfrm>
+          <a:prstGeom prst="roundRect">
+            <a:avLst>
+              <a:gd name="adj" fmla="val 2646"/>
+            </a:avLst>
+          </a:prstGeom>
+          <a:solidFill>
+            <a:srgbClr val="304755"/>
+          </a:solidFill>
+          <a:ln/>
+        </p:spPr>
+      </p:sp>
+      <p:sp>
+        <p:nvSpPr>
+          <p:cNvPr id="8" name="Text 5">
+            <a:extLst>
+              <a:ext uri="{FF2B5EF4-FFF2-40B4-BE49-F238E27FC236}">
+                <a16:creationId xmlns:a16="http://schemas.microsoft.com/office/drawing/2014/main" xmlns="" id="{074E5190-BE68-FDE7-D4A0-DCD24C488AE1}"/>
+              </a:ext>
+            </a:extLst>
+          </p:cNvPr>
+          <p:cNvSpPr/>
+          <p:nvPr/>
+        </p:nvSpPr>
+        <p:spPr>
+          <a:xfrm>
+            <a:off x="10417373" y="3408759"/>
+            <a:ext cx="2816185" cy="351949"/>
           </a:xfrm>
           <a:prstGeom prst="rect">
             <a:avLst/>
@@ -5877,12 +5813,59 @@
           <a:bodyPr wrap="none" lIns="0" tIns="0" rIns="0" bIns="0" rtlCol="0" anchor="t"/>
           <a:lstStyle/>
           <a:p>
-            <a:pPr marL="342900" indent="-342900" algn="l">
+            <a:pPr marL="0" indent="0" algn="l">
+              <a:lnSpc>
+                <a:spcPts val="2750"/>
+              </a:lnSpc>
+              <a:buNone/>
+            </a:pPr>
+            <a:r>
+              <a:rPr lang="en-US" sz="2200" dirty="0">
+                <a:solidFill>
+                  <a:srgbClr val="CAD6DE"/>
+                </a:solidFill>
+                <a:latin typeface="Unbounded" pitchFamily="34" charset="0"/>
+                <a:ea typeface="Unbounded" pitchFamily="34" charset="-122"/>
+                <a:cs typeface="Unbounded" pitchFamily="34" charset="-120"/>
+              </a:rPr>
+              <a:t>權限設定</a:t>
+            </a:r>
+            <a:endParaRPr lang="en-US" sz="2200" dirty="0"/>
+          </a:p>
+        </p:txBody>
+      </p:sp>
+      <p:sp>
+        <p:nvSpPr>
+          <p:cNvPr id="9" name="Text 6">
+            <a:extLst>
+              <a:ext uri="{FF2B5EF4-FFF2-40B4-BE49-F238E27FC236}">
+                <a16:creationId xmlns:a16="http://schemas.microsoft.com/office/drawing/2014/main" xmlns="" id="{2FFF72BB-F1B7-B254-8443-418CD9DEB1B8}"/>
+              </a:ext>
+            </a:extLst>
+          </p:cNvPr>
+          <p:cNvSpPr/>
+          <p:nvPr/>
+        </p:nvSpPr>
+        <p:spPr>
+          <a:xfrm>
+            <a:off x="10417373" y="3904297"/>
+            <a:ext cx="3135987" cy="383024"/>
+          </a:xfrm>
+          <a:prstGeom prst="rect">
+            <a:avLst/>
+          </a:prstGeom>
+          <a:noFill/>
+          <a:ln/>
+        </p:spPr>
+        <p:txBody>
+          <a:bodyPr wrap="none" lIns="0" tIns="0" rIns="0" bIns="0" rtlCol="0" anchor="t"/>
+          <a:lstStyle/>
+          <a:p>
+            <a:pPr marL="0" indent="0" algn="l">
               <a:lnSpc>
                 <a:spcPts val="3000"/>
               </a:lnSpc>
-              <a:buSzPct val="100000"/>
-              <a:buChar char="•"/>
+              <a:buNone/>
             </a:pPr>
             <a:r>
               <a:rPr lang="en-US" sz="1850" dirty="0">
@@ -5893,7 +5876,7 @@
                 <a:ea typeface="Cabin" pitchFamily="34" charset="-122"/>
                 <a:cs typeface="Cabin" pitchFamily="34" charset="-120"/>
               </a:rPr>
-              <a:t>Spring Boot 強大後端</a:t>
+              <a:t>區分買家、賣家與管理員角色</a:t>
             </a:r>
             <a:endParaRPr lang="en-US" sz="1850" dirty="0"/>
           </a:p>
@@ -5901,20 +5884,48 @@
       </p:sp>
       <p:sp>
         <p:nvSpPr>
-          <p:cNvPr id="6" name="Text 4">
-            <a:extLst>
-              <a:ext uri="{FF2B5EF4-FFF2-40B4-BE49-F238E27FC236}">
-                <a16:creationId xmlns:a16="http://schemas.microsoft.com/office/drawing/2014/main" id="{EF21B18F-99E9-492C-5B8C-DE9CA44812F5}"/>
-              </a:ext>
-            </a:extLst>
-          </p:cNvPr>
-          <p:cNvSpPr/>
-          <p:nvPr/>
-        </p:nvSpPr>
-        <p:spPr>
-          <a:xfrm>
-            <a:off x="837724" y="5294948"/>
-            <a:ext cx="6185535" cy="383024"/>
+          <p:cNvPr id="10" name="Shape 7">
+            <a:extLst>
+              <a:ext uri="{FF2B5EF4-FFF2-40B4-BE49-F238E27FC236}">
+                <a16:creationId xmlns:a16="http://schemas.microsoft.com/office/drawing/2014/main" xmlns="" id="{76C3A99A-72AD-E257-54EB-021DC6901740}"/>
+              </a:ext>
+            </a:extLst>
+          </p:cNvPr>
+          <p:cNvSpPr/>
+          <p:nvPr/>
+        </p:nvSpPr>
+        <p:spPr>
+          <a:xfrm>
+            <a:off x="6324124" y="4765953"/>
+            <a:ext cx="7468553" cy="1357193"/>
+          </a:xfrm>
+          <a:prstGeom prst="roundRect">
+            <a:avLst>
+              <a:gd name="adj" fmla="val 2646"/>
+            </a:avLst>
+          </a:prstGeom>
+          <a:solidFill>
+            <a:srgbClr val="304755"/>
+          </a:solidFill>
+          <a:ln/>
+        </p:spPr>
+      </p:sp>
+      <p:sp>
+        <p:nvSpPr>
+          <p:cNvPr id="11" name="Text 8">
+            <a:extLst>
+              <a:ext uri="{FF2B5EF4-FFF2-40B4-BE49-F238E27FC236}">
+                <a16:creationId xmlns:a16="http://schemas.microsoft.com/office/drawing/2014/main" xmlns="" id="{14EA59F5-94EC-671B-BA64-C9589F1B13C9}"/>
+              </a:ext>
+            </a:extLst>
+          </p:cNvPr>
+          <p:cNvSpPr/>
+          <p:nvPr/>
+        </p:nvSpPr>
+        <p:spPr>
+          <a:xfrm>
+            <a:off x="6563439" y="5005268"/>
+            <a:ext cx="2816185" cy="351949"/>
           </a:xfrm>
           <a:prstGeom prst="rect">
             <a:avLst/>
@@ -5926,12 +5937,59 @@
           <a:bodyPr wrap="none" lIns="0" tIns="0" rIns="0" bIns="0" rtlCol="0" anchor="t"/>
           <a:lstStyle/>
           <a:p>
-            <a:pPr marL="342900" indent="-342900" algn="l">
+            <a:pPr marL="0" indent="0" algn="l">
+              <a:lnSpc>
+                <a:spcPts val="2750"/>
+              </a:lnSpc>
+              <a:buNone/>
+            </a:pPr>
+            <a:r>
+              <a:rPr lang="en-US" sz="2200" dirty="0">
+                <a:solidFill>
+                  <a:srgbClr val="CAD6DE"/>
+                </a:solidFill>
+                <a:latin typeface="Unbounded" pitchFamily="34" charset="0"/>
+                <a:ea typeface="Unbounded" pitchFamily="34" charset="-122"/>
+                <a:cs typeface="Unbounded" pitchFamily="34" charset="-120"/>
+              </a:rPr>
+              <a:t>封鎖與解鎖</a:t>
+            </a:r>
+            <a:endParaRPr lang="en-US" sz="2200" dirty="0"/>
+          </a:p>
+        </p:txBody>
+      </p:sp>
+      <p:sp>
+        <p:nvSpPr>
+          <p:cNvPr id="12" name="Text 9">
+            <a:extLst>
+              <a:ext uri="{FF2B5EF4-FFF2-40B4-BE49-F238E27FC236}">
+                <a16:creationId xmlns:a16="http://schemas.microsoft.com/office/drawing/2014/main" xmlns="" id="{A05DA9B1-DE03-EB76-D4AD-0087996F857A}"/>
+              </a:ext>
+            </a:extLst>
+          </p:cNvPr>
+          <p:cNvSpPr/>
+          <p:nvPr/>
+        </p:nvSpPr>
+        <p:spPr>
+          <a:xfrm>
+            <a:off x="6563439" y="5500807"/>
+            <a:ext cx="6989921" cy="383024"/>
+          </a:xfrm>
+          <a:prstGeom prst="rect">
+            <a:avLst/>
+          </a:prstGeom>
+          <a:noFill/>
+          <a:ln/>
+        </p:spPr>
+        <p:txBody>
+          <a:bodyPr wrap="none" lIns="0" tIns="0" rIns="0" bIns="0" rtlCol="0" anchor="t"/>
+          <a:lstStyle/>
+          <a:p>
+            <a:pPr marL="0" indent="0" algn="l">
               <a:lnSpc>
                 <a:spcPts val="3000"/>
               </a:lnSpc>
-              <a:buSzPct val="100000"/>
-              <a:buChar char="•"/>
+              <a:buNone/>
             </a:pPr>
             <a:r>
               <a:rPr lang="en-US" sz="1850" dirty="0">
@@ -5942,47 +6000,107 @@
                 <a:ea typeface="Cabin" pitchFamily="34" charset="-122"/>
                 <a:cs typeface="Cabin" pitchFamily="34" charset="-120"/>
               </a:rPr>
-              <a:t>MySQL 穩定資料庫</a:t>
+              <a:t>管理使用者存取權限</a:t>
             </a:r>
             <a:endParaRPr lang="en-US" sz="1850" dirty="0"/>
           </a:p>
         </p:txBody>
       </p:sp>
-      <p:sp>
-        <p:nvSpPr>
-          <p:cNvPr id="7" name="Text 5">
-            <a:extLst>
-              <a:ext uri="{FF2B5EF4-FFF2-40B4-BE49-F238E27FC236}">
-                <a16:creationId xmlns:a16="http://schemas.microsoft.com/office/drawing/2014/main" id="{86BEF0FC-6390-1497-F4EC-574402A2FE09}"/>
-              </a:ext>
-            </a:extLst>
-          </p:cNvPr>
-          <p:cNvSpPr/>
-          <p:nvPr/>
-        </p:nvSpPr>
-        <p:spPr>
-          <a:xfrm>
-            <a:off x="7614761" y="3770233"/>
-            <a:ext cx="2816185" cy="351949"/>
-          </a:xfrm>
-          <a:prstGeom prst="rect">
-            <a:avLst/>
-          </a:prstGeom>
-          <a:noFill/>
-          <a:ln/>
-        </p:spPr>
-        <p:txBody>
-          <a:bodyPr wrap="none" lIns="0" tIns="0" rIns="0" bIns="0" rtlCol="0" anchor="t"/>
+    </p:spTree>
+    <p:extLst>
+      <p:ext uri="{BB962C8B-B14F-4D97-AF65-F5344CB8AC3E}">
+        <p14:creationId xmlns:p14="http://schemas.microsoft.com/office/powerpoint/2010/main" val="383383206"/>
+      </p:ext>
+    </p:extLst>
+  </p:cSld>
+  <p:clrMapOvr>
+    <a:masterClrMapping/>
+  </p:clrMapOvr>
+</p:sld>
+</file>
+
+<file path=ppt/slides/slide16.xml><?xml version="1.0" encoding="utf-8"?>
+<p:sld xmlns:a="http://schemas.openxmlformats.org/drawingml/2006/main" xmlns:r="http://schemas.openxmlformats.org/officeDocument/2006/relationships" xmlns:p="http://schemas.openxmlformats.org/presentationml/2006/main">
+  <p:cSld>
+    <p:spTree>
+      <p:nvGrpSpPr>
+        <p:cNvPr id="1" name=""/>
+        <p:cNvGrpSpPr/>
+        <p:nvPr/>
+      </p:nvGrpSpPr>
+      <p:grpSpPr>
+        <a:xfrm>
+          <a:off x="0" y="0"/>
+          <a:ext cx="0" cy="0"/>
+          <a:chOff x="0" y="0"/>
+          <a:chExt cx="0" cy="0"/>
+        </a:xfrm>
+      </p:grpSpPr>
+      <p:pic>
+        <p:nvPicPr>
+          <p:cNvPr id="2" name="Image 0" descr="preencoded.png">
+            <a:extLst>
+              <a:ext uri="{FF2B5EF4-FFF2-40B4-BE49-F238E27FC236}">
+                <a16:creationId xmlns:a16="http://schemas.microsoft.com/office/drawing/2014/main" xmlns="" id="{2EC8ADE7-7B70-A052-F02E-2A8B9BE3CCB7}"/>
+              </a:ext>
+            </a:extLst>
+          </p:cNvPr>
+          <p:cNvPicPr>
+            <a:picLocks noChangeAspect="1"/>
+          </p:cNvPicPr>
+          <p:nvPr/>
+        </p:nvPicPr>
+        <p:blipFill>
+          <a:blip r:embed="rId2"/>
+          <a:stretch>
+            <a:fillRect/>
+          </a:stretch>
+        </p:blipFill>
+        <p:spPr>
+          <a:xfrm>
+            <a:off x="9144000" y="0"/>
+            <a:ext cx="5486400" cy="8229600"/>
+          </a:xfrm>
+          <a:prstGeom prst="rect">
+            <a:avLst/>
+          </a:prstGeom>
+        </p:spPr>
+      </p:pic>
+      <p:sp>
+        <p:nvSpPr>
+          <p:cNvPr id="3" name="Text 0">
+            <a:extLst>
+              <a:ext uri="{FF2B5EF4-FFF2-40B4-BE49-F238E27FC236}">
+                <a16:creationId xmlns:a16="http://schemas.microsoft.com/office/drawing/2014/main" xmlns="" id="{8A25FD04-881C-3EC3-752C-F41973696412}"/>
+              </a:ext>
+            </a:extLst>
+          </p:cNvPr>
+          <p:cNvSpPr/>
+          <p:nvPr/>
+        </p:nvSpPr>
+        <p:spPr>
+          <a:xfrm>
+            <a:off x="837724" y="1839516"/>
+            <a:ext cx="7468553" cy="1408033"/>
+          </a:xfrm>
+          <a:prstGeom prst="rect">
+            <a:avLst/>
+          </a:prstGeom>
+          <a:noFill/>
+          <a:ln/>
+        </p:spPr>
+        <p:txBody>
+          <a:bodyPr wrap="square" lIns="0" tIns="0" rIns="0" bIns="0" rtlCol="0" anchor="t"/>
           <a:lstStyle/>
           <a:p>
             <a:pPr marL="0" indent="0" algn="l">
               <a:lnSpc>
-                <a:spcPts val="2750"/>
-              </a:lnSpc>
-              <a:buNone/>
-            </a:pPr>
-            <a:r>
-              <a:rPr lang="en-US" sz="2200" dirty="0">
+                <a:spcPts val="5500"/>
+              </a:lnSpc>
+              <a:buNone/>
+            </a:pPr>
+            <a:r>
+              <a:rPr lang="en-US" sz="4400" dirty="0">
                 <a:solidFill>
                   <a:srgbClr val="FFFFFF"/>
                 </a:solidFill>
@@ -5990,7 +6108,131 @@
                 <a:ea typeface="Unbounded" pitchFamily="34" charset="-122"/>
                 <a:cs typeface="Unbounded" pitchFamily="34" charset="-120"/>
               </a:rPr>
-              <a:t>未來功能擴展</a:t>
+              <a:t>後台功能：推薦系統與搜尋紀錄</a:t>
+            </a:r>
+            <a:endParaRPr lang="en-US" sz="4400" dirty="0"/>
+          </a:p>
+        </p:txBody>
+      </p:sp>
+      <p:sp>
+        <p:nvSpPr>
+          <p:cNvPr id="4" name="Shape 1">
+            <a:extLst>
+              <a:ext uri="{FF2B5EF4-FFF2-40B4-BE49-F238E27FC236}">
+                <a16:creationId xmlns:a16="http://schemas.microsoft.com/office/drawing/2014/main" xmlns="" id="{BC43B4AB-2C8F-7BA6-EFEB-70BDEF76B4C0}"/>
+              </a:ext>
+            </a:extLst>
+          </p:cNvPr>
+          <p:cNvSpPr/>
+          <p:nvPr/>
+        </p:nvSpPr>
+        <p:spPr>
+          <a:xfrm>
+            <a:off x="837724" y="3606522"/>
+            <a:ext cx="538520" cy="538520"/>
+          </a:xfrm>
+          <a:prstGeom prst="roundRect">
+            <a:avLst>
+              <a:gd name="adj" fmla="val 6668"/>
+            </a:avLst>
+          </a:prstGeom>
+          <a:solidFill>
+            <a:srgbClr val="304755"/>
+          </a:solidFill>
+          <a:ln/>
+        </p:spPr>
+      </p:sp>
+      <p:sp>
+        <p:nvSpPr>
+          <p:cNvPr id="5" name="Text 2">
+            <a:extLst>
+              <a:ext uri="{FF2B5EF4-FFF2-40B4-BE49-F238E27FC236}">
+                <a16:creationId xmlns:a16="http://schemas.microsoft.com/office/drawing/2014/main" xmlns="" id="{D378F7F5-789B-2AF5-0F61-F8E4EC130904}"/>
+              </a:ext>
+            </a:extLst>
+          </p:cNvPr>
+          <p:cNvSpPr/>
+          <p:nvPr/>
+        </p:nvSpPr>
+        <p:spPr>
+          <a:xfrm>
+            <a:off x="937974" y="3664506"/>
+            <a:ext cx="337899" cy="422434"/>
+          </a:xfrm>
+          <a:prstGeom prst="rect">
+            <a:avLst/>
+          </a:prstGeom>
+          <a:noFill/>
+          <a:ln/>
+        </p:spPr>
+        <p:txBody>
+          <a:bodyPr wrap="none" lIns="0" tIns="0" rIns="0" bIns="0" rtlCol="0" anchor="t"/>
+          <a:lstStyle/>
+          <a:p>
+            <a:pPr marL="0" indent="0" algn="ctr">
+              <a:lnSpc>
+                <a:spcPts val="2650"/>
+              </a:lnSpc>
+              <a:buNone/>
+            </a:pPr>
+            <a:r>
+              <a:rPr lang="en-US" sz="2650" dirty="0">
+                <a:solidFill>
+                  <a:srgbClr val="CAD6DE"/>
+                </a:solidFill>
+                <a:latin typeface="Unbounded" pitchFamily="34" charset="0"/>
+                <a:ea typeface="Unbounded" pitchFamily="34" charset="-122"/>
+                <a:cs typeface="Unbounded" pitchFamily="34" charset="-120"/>
+              </a:rPr>
+              <a:t>1</a:t>
+            </a:r>
+            <a:endParaRPr lang="en-US" sz="2650" dirty="0"/>
+          </a:p>
+        </p:txBody>
+      </p:sp>
+      <p:sp>
+        <p:nvSpPr>
+          <p:cNvPr id="6" name="Text 3">
+            <a:extLst>
+              <a:ext uri="{FF2B5EF4-FFF2-40B4-BE49-F238E27FC236}">
+                <a16:creationId xmlns:a16="http://schemas.microsoft.com/office/drawing/2014/main" xmlns="" id="{93B8F347-6623-DEB1-0AC6-0F75889CC9EA}"/>
+              </a:ext>
+            </a:extLst>
+          </p:cNvPr>
+          <p:cNvSpPr/>
+          <p:nvPr/>
+        </p:nvSpPr>
+        <p:spPr>
+          <a:xfrm>
+            <a:off x="1615559" y="3688794"/>
+            <a:ext cx="2806898" cy="351949"/>
+          </a:xfrm>
+          <a:prstGeom prst="rect">
+            <a:avLst/>
+          </a:prstGeom>
+          <a:noFill/>
+          <a:ln/>
+        </p:spPr>
+        <p:txBody>
+          <a:bodyPr wrap="none" lIns="0" tIns="0" rIns="0" bIns="0" rtlCol="0" anchor="t"/>
+          <a:lstStyle/>
+          <a:p>
+            <a:pPr marL="0" indent="0" algn="l">
+              <a:lnSpc>
+                <a:spcPts val="2750"/>
+              </a:lnSpc>
+              <a:buNone/>
+            </a:pPr>
+            <a:r>
+              <a:rPr lang="en-US" sz="2200" dirty="0">
+                <a:solidFill>
+                  <a:srgbClr val="CAD6DE"/>
+                </a:solidFill>
+                <a:latin typeface="Unbounded" pitchFamily="34" charset="0"/>
+                <a:ea typeface="Unbounded" pitchFamily="34" charset="-122"/>
+                <a:cs typeface="Unbounded" pitchFamily="34" charset="-120"/>
+              </a:rPr>
+              <a:t>推薦商品管理</a:t>
             </a:r>
             <a:endParaRPr lang="en-US" sz="2200" dirty="0"/>
           </a:p>
@@ -5998,20 +6240,20 @@
       </p:sp>
       <p:sp>
         <p:nvSpPr>
-          <p:cNvPr id="8" name="Text 6">
-            <a:extLst>
-              <a:ext uri="{FF2B5EF4-FFF2-40B4-BE49-F238E27FC236}">
-                <a16:creationId xmlns:a16="http://schemas.microsoft.com/office/drawing/2014/main" id="{80252D43-CF65-35D9-E01C-9E4F536F7CC7}"/>
-              </a:ext>
-            </a:extLst>
-          </p:cNvPr>
-          <p:cNvSpPr/>
-          <p:nvPr/>
-        </p:nvSpPr>
-        <p:spPr>
-          <a:xfrm>
-            <a:off x="7614761" y="4361498"/>
-            <a:ext cx="6185535" cy="383024"/>
+          <p:cNvPr id="7" name="Text 4">
+            <a:extLst>
+              <a:ext uri="{FF2B5EF4-FFF2-40B4-BE49-F238E27FC236}">
+                <a16:creationId xmlns:a16="http://schemas.microsoft.com/office/drawing/2014/main" xmlns="" id="{B39BACA9-D0BB-DFEA-0D21-CA26FA0C691B}"/>
+              </a:ext>
+            </a:extLst>
+          </p:cNvPr>
+          <p:cNvSpPr/>
+          <p:nvPr/>
+        </p:nvSpPr>
+        <p:spPr>
+          <a:xfrm>
+            <a:off x="1615559" y="4184332"/>
+            <a:ext cx="2806898" cy="383024"/>
           </a:xfrm>
           <a:prstGeom prst="rect">
             <a:avLst/>
@@ -6023,12 +6265,11 @@
           <a:bodyPr wrap="none" lIns="0" tIns="0" rIns="0" bIns="0" rtlCol="0" anchor="t"/>
           <a:lstStyle/>
           <a:p>
-            <a:pPr marL="342900" indent="-342900" algn="l">
+            <a:pPr marL="0" indent="0" algn="l">
               <a:lnSpc>
                 <a:spcPts val="3000"/>
               </a:lnSpc>
-              <a:buSzPct val="100000"/>
-              <a:buChar char="•"/>
+              <a:buNone/>
             </a:pPr>
             <a:r>
               <a:rPr lang="en-US" sz="1850" dirty="0">
@@ -6039,7 +6280,7 @@
                 <a:ea typeface="Cabin" pitchFamily="34" charset="-122"/>
                 <a:cs typeface="Cabin" pitchFamily="34" charset="-120"/>
               </a:rPr>
-              <a:t>整合真實物流與支付</a:t>
+              <a:t>設定熱門與猜你喜歡商品</a:t>
             </a:r>
             <a:endParaRPr lang="en-US" sz="1850" dirty="0"/>
           </a:p>
@@ -6047,20 +6288,48 @@
       </p:sp>
       <p:sp>
         <p:nvSpPr>
-          <p:cNvPr id="9" name="Text 7">
-            <a:extLst>
-              <a:ext uri="{FF2B5EF4-FFF2-40B4-BE49-F238E27FC236}">
-                <a16:creationId xmlns:a16="http://schemas.microsoft.com/office/drawing/2014/main" id="{21DC604F-7348-3AC8-09C2-35F3B8C2DDBE}"/>
-              </a:ext>
-            </a:extLst>
-          </p:cNvPr>
-          <p:cNvSpPr/>
-          <p:nvPr/>
-        </p:nvSpPr>
-        <p:spPr>
-          <a:xfrm>
-            <a:off x="7614761" y="4828223"/>
-            <a:ext cx="6185535" cy="383024"/>
+          <p:cNvPr id="8" name="Shape 5">
+            <a:extLst>
+              <a:ext uri="{FF2B5EF4-FFF2-40B4-BE49-F238E27FC236}">
+                <a16:creationId xmlns:a16="http://schemas.microsoft.com/office/drawing/2014/main" xmlns="" id="{49CC9E44-22D5-D067-95CE-8E773BCDAA9F}"/>
+              </a:ext>
+            </a:extLst>
+          </p:cNvPr>
+          <p:cNvSpPr/>
+          <p:nvPr/>
+        </p:nvSpPr>
+        <p:spPr>
+          <a:xfrm>
+            <a:off x="4721662" y="3606522"/>
+            <a:ext cx="538520" cy="538520"/>
+          </a:xfrm>
+          <a:prstGeom prst="roundRect">
+            <a:avLst>
+              <a:gd name="adj" fmla="val 6668"/>
+            </a:avLst>
+          </a:prstGeom>
+          <a:solidFill>
+            <a:srgbClr val="304755"/>
+          </a:solidFill>
+          <a:ln/>
+        </p:spPr>
+      </p:sp>
+      <p:sp>
+        <p:nvSpPr>
+          <p:cNvPr id="9" name="Text 6">
+            <a:extLst>
+              <a:ext uri="{FF2B5EF4-FFF2-40B4-BE49-F238E27FC236}">
+                <a16:creationId xmlns:a16="http://schemas.microsoft.com/office/drawing/2014/main" xmlns="" id="{50933ABE-0DCE-B212-02CF-00213739500E}"/>
+              </a:ext>
+            </a:extLst>
+          </p:cNvPr>
+          <p:cNvSpPr/>
+          <p:nvPr/>
+        </p:nvSpPr>
+        <p:spPr>
+          <a:xfrm>
+            <a:off x="4821912" y="3664506"/>
+            <a:ext cx="337899" cy="422434"/>
           </a:xfrm>
           <a:prstGeom prst="rect">
             <a:avLst/>
@@ -6072,12 +6341,107 @@
           <a:bodyPr wrap="none" lIns="0" tIns="0" rIns="0" bIns="0" rtlCol="0" anchor="t"/>
           <a:lstStyle/>
           <a:p>
-            <a:pPr marL="342900" indent="-342900" algn="l">
+            <a:pPr marL="0" indent="0" algn="ctr">
+              <a:lnSpc>
+                <a:spcPts val="2650"/>
+              </a:lnSpc>
+              <a:buNone/>
+            </a:pPr>
+            <a:r>
+              <a:rPr lang="en-US" sz="2650" dirty="0">
+                <a:solidFill>
+                  <a:srgbClr val="CAD6DE"/>
+                </a:solidFill>
+                <a:latin typeface="Unbounded" pitchFamily="34" charset="0"/>
+                <a:ea typeface="Unbounded" pitchFamily="34" charset="-122"/>
+                <a:cs typeface="Unbounded" pitchFamily="34" charset="-120"/>
+              </a:rPr>
+              <a:t>2</a:t>
+            </a:r>
+            <a:endParaRPr lang="en-US" sz="2650" dirty="0"/>
+          </a:p>
+        </p:txBody>
+      </p:sp>
+      <p:sp>
+        <p:nvSpPr>
+          <p:cNvPr id="10" name="Text 7">
+            <a:extLst>
+              <a:ext uri="{FF2B5EF4-FFF2-40B4-BE49-F238E27FC236}">
+                <a16:creationId xmlns:a16="http://schemas.microsoft.com/office/drawing/2014/main" xmlns="" id="{E90838E1-8BA6-D0B9-9937-4BB52878B86A}"/>
+              </a:ext>
+            </a:extLst>
+          </p:cNvPr>
+          <p:cNvSpPr/>
+          <p:nvPr/>
+        </p:nvSpPr>
+        <p:spPr>
+          <a:xfrm>
+            <a:off x="5499497" y="3688794"/>
+            <a:ext cx="2806898" cy="351949"/>
+          </a:xfrm>
+          <a:prstGeom prst="rect">
+            <a:avLst/>
+          </a:prstGeom>
+          <a:noFill/>
+          <a:ln/>
+        </p:spPr>
+        <p:txBody>
+          <a:bodyPr wrap="none" lIns="0" tIns="0" rIns="0" bIns="0" rtlCol="0" anchor="t"/>
+          <a:lstStyle/>
+          <a:p>
+            <a:pPr marL="0" indent="0" algn="l">
+              <a:lnSpc>
+                <a:spcPts val="2750"/>
+              </a:lnSpc>
+              <a:buNone/>
+            </a:pPr>
+            <a:r>
+              <a:rPr lang="en-US" sz="2200" dirty="0">
+                <a:solidFill>
+                  <a:srgbClr val="CAD6DE"/>
+                </a:solidFill>
+                <a:latin typeface="Unbounded" pitchFamily="34" charset="0"/>
+                <a:ea typeface="Unbounded" pitchFamily="34" charset="-122"/>
+                <a:cs typeface="Unbounded" pitchFamily="34" charset="-120"/>
+              </a:rPr>
+              <a:t>搜尋關鍵字分析</a:t>
+            </a:r>
+            <a:endParaRPr lang="en-US" sz="2200" dirty="0"/>
+          </a:p>
+        </p:txBody>
+      </p:sp>
+      <p:sp>
+        <p:nvSpPr>
+          <p:cNvPr id="11" name="Text 8">
+            <a:extLst>
+              <a:ext uri="{FF2B5EF4-FFF2-40B4-BE49-F238E27FC236}">
+                <a16:creationId xmlns:a16="http://schemas.microsoft.com/office/drawing/2014/main" xmlns="" id="{CDEF5874-8177-DD87-681B-5A647433874F}"/>
+              </a:ext>
+            </a:extLst>
+          </p:cNvPr>
+          <p:cNvSpPr/>
+          <p:nvPr/>
+        </p:nvSpPr>
+        <p:spPr>
+          <a:xfrm>
+            <a:off x="5499497" y="4184332"/>
+            <a:ext cx="2806898" cy="766048"/>
+          </a:xfrm>
+          <a:prstGeom prst="rect">
+            <a:avLst/>
+          </a:prstGeom>
+          <a:noFill/>
+          <a:ln/>
+        </p:spPr>
+        <p:txBody>
+          <a:bodyPr wrap="square" lIns="0" tIns="0" rIns="0" bIns="0" rtlCol="0" anchor="t"/>
+          <a:lstStyle/>
+          <a:p>
+            <a:pPr marL="0" indent="0" algn="l">
               <a:lnSpc>
                 <a:spcPts val="3000"/>
               </a:lnSpc>
-              <a:buSzPct val="100000"/>
-              <a:buChar char="•"/>
+              <a:buNone/>
             </a:pPr>
             <a:r>
               <a:rPr lang="en-US" sz="1850" dirty="0">
@@ -6088,6 +6452,597 @@
                 <a:ea typeface="Cabin" pitchFamily="34" charset="-122"/>
                 <a:cs typeface="Cabin" pitchFamily="34" charset="-120"/>
               </a:rPr>
+              <a:t>監控與分析使用者搜尋行為</a:t>
+            </a:r>
+            <a:endParaRPr lang="en-US" sz="1850" dirty="0"/>
+          </a:p>
+        </p:txBody>
+      </p:sp>
+      <p:sp>
+        <p:nvSpPr>
+          <p:cNvPr id="12" name="Shape 9">
+            <a:extLst>
+              <a:ext uri="{FF2B5EF4-FFF2-40B4-BE49-F238E27FC236}">
+                <a16:creationId xmlns:a16="http://schemas.microsoft.com/office/drawing/2014/main" xmlns="" id="{50EBA055-05F2-F726-C50D-0CA419365B7A}"/>
+              </a:ext>
+            </a:extLst>
+          </p:cNvPr>
+          <p:cNvSpPr/>
+          <p:nvPr/>
+        </p:nvSpPr>
+        <p:spPr>
+          <a:xfrm>
+            <a:off x="837724" y="5429131"/>
+            <a:ext cx="538520" cy="538520"/>
+          </a:xfrm>
+          <a:prstGeom prst="roundRect">
+            <a:avLst>
+              <a:gd name="adj" fmla="val 6668"/>
+            </a:avLst>
+          </a:prstGeom>
+          <a:solidFill>
+            <a:srgbClr val="304755"/>
+          </a:solidFill>
+          <a:ln/>
+        </p:spPr>
+      </p:sp>
+      <p:sp>
+        <p:nvSpPr>
+          <p:cNvPr id="13" name="Text 10">
+            <a:extLst>
+              <a:ext uri="{FF2B5EF4-FFF2-40B4-BE49-F238E27FC236}">
+                <a16:creationId xmlns:a16="http://schemas.microsoft.com/office/drawing/2014/main" xmlns="" id="{3BCBA476-3368-29B8-0461-C5C6BC89C818}"/>
+              </a:ext>
+            </a:extLst>
+          </p:cNvPr>
+          <p:cNvSpPr/>
+          <p:nvPr/>
+        </p:nvSpPr>
+        <p:spPr>
+          <a:xfrm>
+            <a:off x="937974" y="5487114"/>
+            <a:ext cx="337899" cy="422434"/>
+          </a:xfrm>
+          <a:prstGeom prst="rect">
+            <a:avLst/>
+          </a:prstGeom>
+          <a:noFill/>
+          <a:ln/>
+        </p:spPr>
+        <p:txBody>
+          <a:bodyPr wrap="none" lIns="0" tIns="0" rIns="0" bIns="0" rtlCol="0" anchor="t"/>
+          <a:lstStyle/>
+          <a:p>
+            <a:pPr marL="0" indent="0" algn="ctr">
+              <a:lnSpc>
+                <a:spcPts val="2650"/>
+              </a:lnSpc>
+              <a:buNone/>
+            </a:pPr>
+            <a:r>
+              <a:rPr lang="en-US" sz="2650" dirty="0">
+                <a:solidFill>
+                  <a:srgbClr val="CAD6DE"/>
+                </a:solidFill>
+                <a:latin typeface="Unbounded" pitchFamily="34" charset="0"/>
+                <a:ea typeface="Unbounded" pitchFamily="34" charset="-122"/>
+                <a:cs typeface="Unbounded" pitchFamily="34" charset="-120"/>
+              </a:rPr>
+              <a:t>3</a:t>
+            </a:r>
+            <a:endParaRPr lang="en-US" sz="2650" dirty="0"/>
+          </a:p>
+        </p:txBody>
+      </p:sp>
+      <p:sp>
+        <p:nvSpPr>
+          <p:cNvPr id="14" name="Text 11">
+            <a:extLst>
+              <a:ext uri="{FF2B5EF4-FFF2-40B4-BE49-F238E27FC236}">
+                <a16:creationId xmlns:a16="http://schemas.microsoft.com/office/drawing/2014/main" xmlns="" id="{A05CD35A-97F3-6100-48F1-F8564E1CA21D}"/>
+              </a:ext>
+            </a:extLst>
+          </p:cNvPr>
+          <p:cNvSpPr/>
+          <p:nvPr/>
+        </p:nvSpPr>
+        <p:spPr>
+          <a:xfrm>
+            <a:off x="1615559" y="5511403"/>
+            <a:ext cx="2816185" cy="351949"/>
+          </a:xfrm>
+          <a:prstGeom prst="rect">
+            <a:avLst/>
+          </a:prstGeom>
+          <a:noFill/>
+          <a:ln/>
+        </p:spPr>
+        <p:txBody>
+          <a:bodyPr wrap="none" lIns="0" tIns="0" rIns="0" bIns="0" rtlCol="0" anchor="t"/>
+          <a:lstStyle/>
+          <a:p>
+            <a:pPr marL="0" indent="0" algn="l">
+              <a:lnSpc>
+                <a:spcPts val="2750"/>
+              </a:lnSpc>
+              <a:buNone/>
+            </a:pPr>
+            <a:r>
+              <a:rPr lang="en-US" sz="2200" dirty="0">
+                <a:solidFill>
+                  <a:srgbClr val="CAD6DE"/>
+                </a:solidFill>
+                <a:latin typeface="Unbounded" pitchFamily="34" charset="0"/>
+                <a:ea typeface="Unbounded" pitchFamily="34" charset="-122"/>
+                <a:cs typeface="Unbounded" pitchFamily="34" charset="-120"/>
+              </a:rPr>
+              <a:t>瀏覽紀錄統計</a:t>
+            </a:r>
+            <a:endParaRPr lang="en-US" sz="2200" dirty="0"/>
+          </a:p>
+        </p:txBody>
+      </p:sp>
+      <p:sp>
+        <p:nvSpPr>
+          <p:cNvPr id="15" name="Text 12">
+            <a:extLst>
+              <a:ext uri="{FF2B5EF4-FFF2-40B4-BE49-F238E27FC236}">
+                <a16:creationId xmlns:a16="http://schemas.microsoft.com/office/drawing/2014/main" xmlns="" id="{F6400D47-09BA-D12E-4952-3D12B933BE9C}"/>
+              </a:ext>
+            </a:extLst>
+          </p:cNvPr>
+          <p:cNvSpPr/>
+          <p:nvPr/>
+        </p:nvSpPr>
+        <p:spPr>
+          <a:xfrm>
+            <a:off x="1615559" y="6006941"/>
+            <a:ext cx="6690717" cy="383024"/>
+          </a:xfrm>
+          <a:prstGeom prst="rect">
+            <a:avLst/>
+          </a:prstGeom>
+          <a:noFill/>
+          <a:ln/>
+        </p:spPr>
+        <p:txBody>
+          <a:bodyPr wrap="none" lIns="0" tIns="0" rIns="0" bIns="0" rtlCol="0" anchor="t"/>
+          <a:lstStyle/>
+          <a:p>
+            <a:pPr marL="0" indent="0" algn="l">
+              <a:lnSpc>
+                <a:spcPts val="3000"/>
+              </a:lnSpc>
+              <a:buNone/>
+            </a:pPr>
+            <a:r>
+              <a:rPr lang="en-US" sz="1850" dirty="0">
+                <a:solidFill>
+                  <a:srgbClr val="CAD6DE"/>
+                </a:solidFill>
+                <a:latin typeface="Cabin" pitchFamily="34" charset="0"/>
+                <a:ea typeface="Cabin" pitchFamily="34" charset="-122"/>
+                <a:cs typeface="Cabin" pitchFamily="34" charset="-120"/>
+              </a:rPr>
+              <a:t>深入理解用戶興趣與行為</a:t>
+            </a:r>
+            <a:endParaRPr lang="en-US" sz="1850" dirty="0"/>
+          </a:p>
+        </p:txBody>
+      </p:sp>
+    </p:spTree>
+    <p:extLst>
+      <p:ext uri="{BB962C8B-B14F-4D97-AF65-F5344CB8AC3E}">
+        <p14:creationId xmlns:p14="http://schemas.microsoft.com/office/powerpoint/2010/main" val="1975342029"/>
+      </p:ext>
+    </p:extLst>
+  </p:cSld>
+  <p:clrMapOvr>
+    <a:masterClrMapping/>
+  </p:clrMapOvr>
+</p:sld>
+</file>
+
+<file path=ppt/slides/slide17.xml><?xml version="1.0" encoding="utf-8"?>
+<p:sld xmlns:a="http://schemas.openxmlformats.org/drawingml/2006/main" xmlns:r="http://schemas.openxmlformats.org/officeDocument/2006/relationships" xmlns:p="http://schemas.openxmlformats.org/presentationml/2006/main">
+  <p:cSld>
+    <p:spTree>
+      <p:nvGrpSpPr>
+        <p:cNvPr id="1" name=""/>
+        <p:cNvGrpSpPr/>
+        <p:nvPr/>
+      </p:nvGrpSpPr>
+      <p:grpSpPr>
+        <a:xfrm>
+          <a:off x="0" y="0"/>
+          <a:ext cx="0" cy="0"/>
+          <a:chOff x="0" y="0"/>
+          <a:chExt cx="0" cy="0"/>
+        </a:xfrm>
+      </p:grpSpPr>
+      <p:sp>
+        <p:nvSpPr>
+          <p:cNvPr id="2" name="Text 0">
+            <a:extLst>
+              <a:ext uri="{FF2B5EF4-FFF2-40B4-BE49-F238E27FC236}">
+                <a16:creationId xmlns:a16="http://schemas.microsoft.com/office/drawing/2014/main" xmlns="" id="{D86F5ABA-0B58-8CD4-CC56-B5665FB81ADD}"/>
+              </a:ext>
+            </a:extLst>
+          </p:cNvPr>
+          <p:cNvSpPr/>
+          <p:nvPr/>
+        </p:nvSpPr>
+        <p:spPr>
+          <a:xfrm>
+            <a:off x="837724" y="2467928"/>
+            <a:ext cx="5632490" cy="704017"/>
+          </a:xfrm>
+          <a:prstGeom prst="rect">
+            <a:avLst/>
+          </a:prstGeom>
+          <a:noFill/>
+          <a:ln/>
+        </p:spPr>
+        <p:txBody>
+          <a:bodyPr wrap="none" lIns="0" tIns="0" rIns="0" bIns="0" rtlCol="0" anchor="t"/>
+          <a:lstStyle/>
+          <a:p>
+            <a:pPr marL="0" indent="0" algn="l">
+              <a:lnSpc>
+                <a:spcPts val="5500"/>
+              </a:lnSpc>
+              <a:buNone/>
+            </a:pPr>
+            <a:r>
+              <a:rPr lang="en-US" sz="4400" dirty="0">
+                <a:solidFill>
+                  <a:srgbClr val="FFFFFF"/>
+                </a:solidFill>
+                <a:latin typeface="Unbounded" pitchFamily="34" charset="0"/>
+                <a:ea typeface="Unbounded" pitchFamily="34" charset="-122"/>
+                <a:cs typeface="Unbounded" pitchFamily="34" charset="-120"/>
+              </a:rPr>
+              <a:t>技術總結與未來展望</a:t>
+            </a:r>
+            <a:endParaRPr lang="en-US" sz="4400" dirty="0"/>
+          </a:p>
+        </p:txBody>
+      </p:sp>
+      <p:sp>
+        <p:nvSpPr>
+          <p:cNvPr id="3" name="Text 1">
+            <a:extLst>
+              <a:ext uri="{FF2B5EF4-FFF2-40B4-BE49-F238E27FC236}">
+                <a16:creationId xmlns:a16="http://schemas.microsoft.com/office/drawing/2014/main" xmlns="" id="{E8FEE2E1-1E85-EEEE-7325-2D108C73AF3D}"/>
+              </a:ext>
+            </a:extLst>
+          </p:cNvPr>
+          <p:cNvSpPr/>
+          <p:nvPr/>
+        </p:nvSpPr>
+        <p:spPr>
+          <a:xfrm>
+            <a:off x="837724" y="3770233"/>
+            <a:ext cx="2816185" cy="351949"/>
+          </a:xfrm>
+          <a:prstGeom prst="rect">
+            <a:avLst/>
+          </a:prstGeom>
+          <a:noFill/>
+          <a:ln/>
+        </p:spPr>
+        <p:txBody>
+          <a:bodyPr wrap="none" lIns="0" tIns="0" rIns="0" bIns="0" rtlCol="0" anchor="t"/>
+          <a:lstStyle/>
+          <a:p>
+            <a:pPr marL="0" indent="0" algn="l">
+              <a:lnSpc>
+                <a:spcPts val="2750"/>
+              </a:lnSpc>
+              <a:buNone/>
+            </a:pPr>
+            <a:r>
+              <a:rPr lang="en-US" sz="2200" dirty="0">
+                <a:solidFill>
+                  <a:srgbClr val="FFFFFF"/>
+                </a:solidFill>
+                <a:latin typeface="Unbounded" pitchFamily="34" charset="0"/>
+                <a:ea typeface="Unbounded" pitchFamily="34" charset="-122"/>
+                <a:cs typeface="Unbounded" pitchFamily="34" charset="-120"/>
+              </a:rPr>
+              <a:t>技術棧優勢</a:t>
+            </a:r>
+            <a:endParaRPr lang="en-US" sz="2200" dirty="0"/>
+          </a:p>
+        </p:txBody>
+      </p:sp>
+      <p:sp>
+        <p:nvSpPr>
+          <p:cNvPr id="4" name="Text 2">
+            <a:extLst>
+              <a:ext uri="{FF2B5EF4-FFF2-40B4-BE49-F238E27FC236}">
+                <a16:creationId xmlns:a16="http://schemas.microsoft.com/office/drawing/2014/main" xmlns="" id="{71C51FCE-3E66-78F1-6A11-6A5C36BF09F3}"/>
+              </a:ext>
+            </a:extLst>
+          </p:cNvPr>
+          <p:cNvSpPr/>
+          <p:nvPr/>
+        </p:nvSpPr>
+        <p:spPr>
+          <a:xfrm>
+            <a:off x="837724" y="4361498"/>
+            <a:ext cx="6185535" cy="383024"/>
+          </a:xfrm>
+          <a:prstGeom prst="rect">
+            <a:avLst/>
+          </a:prstGeom>
+          <a:noFill/>
+          <a:ln/>
+        </p:spPr>
+        <p:txBody>
+          <a:bodyPr wrap="none" lIns="0" tIns="0" rIns="0" bIns="0" rtlCol="0" anchor="t"/>
+          <a:lstStyle/>
+          <a:p>
+            <a:pPr marL="342900" indent="-342900" algn="l">
+              <a:lnSpc>
+                <a:spcPts val="3000"/>
+              </a:lnSpc>
+              <a:buSzPct val="100000"/>
+              <a:buChar char="•"/>
+            </a:pPr>
+            <a:r>
+              <a:rPr lang="en-US" sz="1850" dirty="0">
+                <a:solidFill>
+                  <a:srgbClr val="CAD6DE"/>
+                </a:solidFill>
+                <a:latin typeface="Cabin" pitchFamily="34" charset="0"/>
+                <a:ea typeface="Cabin" pitchFamily="34" charset="-122"/>
+                <a:cs typeface="Cabin" pitchFamily="34" charset="-120"/>
+              </a:rPr>
+              <a:t>React 靈活前端</a:t>
+            </a:r>
+            <a:endParaRPr lang="en-US" sz="1850" dirty="0"/>
+          </a:p>
+        </p:txBody>
+      </p:sp>
+      <p:sp>
+        <p:nvSpPr>
+          <p:cNvPr id="5" name="Text 3">
+            <a:extLst>
+              <a:ext uri="{FF2B5EF4-FFF2-40B4-BE49-F238E27FC236}">
+                <a16:creationId xmlns:a16="http://schemas.microsoft.com/office/drawing/2014/main" xmlns="" id="{A40FCDB0-C86F-254E-A3E2-9DCE2297BBA6}"/>
+              </a:ext>
+            </a:extLst>
+          </p:cNvPr>
+          <p:cNvSpPr/>
+          <p:nvPr/>
+        </p:nvSpPr>
+        <p:spPr>
+          <a:xfrm>
+            <a:off x="837724" y="4828223"/>
+            <a:ext cx="6185535" cy="383024"/>
+          </a:xfrm>
+          <a:prstGeom prst="rect">
+            <a:avLst/>
+          </a:prstGeom>
+          <a:noFill/>
+          <a:ln/>
+        </p:spPr>
+        <p:txBody>
+          <a:bodyPr wrap="none" lIns="0" tIns="0" rIns="0" bIns="0" rtlCol="0" anchor="t"/>
+          <a:lstStyle/>
+          <a:p>
+            <a:pPr marL="342900" indent="-342900" algn="l">
+              <a:lnSpc>
+                <a:spcPts val="3000"/>
+              </a:lnSpc>
+              <a:buSzPct val="100000"/>
+              <a:buChar char="•"/>
+            </a:pPr>
+            <a:r>
+              <a:rPr lang="en-US" sz="1850" dirty="0">
+                <a:solidFill>
+                  <a:srgbClr val="CAD6DE"/>
+                </a:solidFill>
+                <a:latin typeface="Cabin" pitchFamily="34" charset="0"/>
+                <a:ea typeface="Cabin" pitchFamily="34" charset="-122"/>
+                <a:cs typeface="Cabin" pitchFamily="34" charset="-120"/>
+              </a:rPr>
+              <a:t>Spring Boot 強大後端</a:t>
+            </a:r>
+            <a:endParaRPr lang="en-US" sz="1850" dirty="0"/>
+          </a:p>
+        </p:txBody>
+      </p:sp>
+      <p:sp>
+        <p:nvSpPr>
+          <p:cNvPr id="6" name="Text 4">
+            <a:extLst>
+              <a:ext uri="{FF2B5EF4-FFF2-40B4-BE49-F238E27FC236}">
+                <a16:creationId xmlns:a16="http://schemas.microsoft.com/office/drawing/2014/main" xmlns="" id="{EF21B18F-99E9-492C-5B8C-DE9CA44812F5}"/>
+              </a:ext>
+            </a:extLst>
+          </p:cNvPr>
+          <p:cNvSpPr/>
+          <p:nvPr/>
+        </p:nvSpPr>
+        <p:spPr>
+          <a:xfrm>
+            <a:off x="837724" y="5294948"/>
+            <a:ext cx="6185535" cy="383024"/>
+          </a:xfrm>
+          <a:prstGeom prst="rect">
+            <a:avLst/>
+          </a:prstGeom>
+          <a:noFill/>
+          <a:ln/>
+        </p:spPr>
+        <p:txBody>
+          <a:bodyPr wrap="none" lIns="0" tIns="0" rIns="0" bIns="0" rtlCol="0" anchor="t"/>
+          <a:lstStyle/>
+          <a:p>
+            <a:pPr marL="342900" indent="-342900" algn="l">
+              <a:lnSpc>
+                <a:spcPts val="3000"/>
+              </a:lnSpc>
+              <a:buSzPct val="100000"/>
+              <a:buChar char="•"/>
+            </a:pPr>
+            <a:r>
+              <a:rPr lang="en-US" sz="1850" dirty="0">
+                <a:solidFill>
+                  <a:srgbClr val="CAD6DE"/>
+                </a:solidFill>
+                <a:latin typeface="Cabin" pitchFamily="34" charset="0"/>
+                <a:ea typeface="Cabin" pitchFamily="34" charset="-122"/>
+                <a:cs typeface="Cabin" pitchFamily="34" charset="-120"/>
+              </a:rPr>
+              <a:t>MySQL 穩定資料庫</a:t>
+            </a:r>
+            <a:endParaRPr lang="en-US" sz="1850" dirty="0"/>
+          </a:p>
+        </p:txBody>
+      </p:sp>
+      <p:sp>
+        <p:nvSpPr>
+          <p:cNvPr id="7" name="Text 5">
+            <a:extLst>
+              <a:ext uri="{FF2B5EF4-FFF2-40B4-BE49-F238E27FC236}">
+                <a16:creationId xmlns:a16="http://schemas.microsoft.com/office/drawing/2014/main" xmlns="" id="{86BEF0FC-6390-1497-F4EC-574402A2FE09}"/>
+              </a:ext>
+            </a:extLst>
+          </p:cNvPr>
+          <p:cNvSpPr/>
+          <p:nvPr/>
+        </p:nvSpPr>
+        <p:spPr>
+          <a:xfrm>
+            <a:off x="7614761" y="3770233"/>
+            <a:ext cx="2816185" cy="351949"/>
+          </a:xfrm>
+          <a:prstGeom prst="rect">
+            <a:avLst/>
+          </a:prstGeom>
+          <a:noFill/>
+          <a:ln/>
+        </p:spPr>
+        <p:txBody>
+          <a:bodyPr wrap="none" lIns="0" tIns="0" rIns="0" bIns="0" rtlCol="0" anchor="t"/>
+          <a:lstStyle/>
+          <a:p>
+            <a:pPr marL="0" indent="0" algn="l">
+              <a:lnSpc>
+                <a:spcPts val="2750"/>
+              </a:lnSpc>
+              <a:buNone/>
+            </a:pPr>
+            <a:r>
+              <a:rPr lang="en-US" sz="2200" dirty="0">
+                <a:solidFill>
+                  <a:srgbClr val="FFFFFF"/>
+                </a:solidFill>
+                <a:latin typeface="Unbounded" pitchFamily="34" charset="0"/>
+                <a:ea typeface="Unbounded" pitchFamily="34" charset="-122"/>
+                <a:cs typeface="Unbounded" pitchFamily="34" charset="-120"/>
+              </a:rPr>
+              <a:t>未來功能擴展</a:t>
+            </a:r>
+            <a:endParaRPr lang="en-US" sz="2200" dirty="0"/>
+          </a:p>
+        </p:txBody>
+      </p:sp>
+      <p:sp>
+        <p:nvSpPr>
+          <p:cNvPr id="8" name="Text 6">
+            <a:extLst>
+              <a:ext uri="{FF2B5EF4-FFF2-40B4-BE49-F238E27FC236}">
+                <a16:creationId xmlns:a16="http://schemas.microsoft.com/office/drawing/2014/main" xmlns="" id="{80252D43-CF65-35D9-E01C-9E4F536F7CC7}"/>
+              </a:ext>
+            </a:extLst>
+          </p:cNvPr>
+          <p:cNvSpPr/>
+          <p:nvPr/>
+        </p:nvSpPr>
+        <p:spPr>
+          <a:xfrm>
+            <a:off x="7614761" y="4361498"/>
+            <a:ext cx="6185535" cy="383024"/>
+          </a:xfrm>
+          <a:prstGeom prst="rect">
+            <a:avLst/>
+          </a:prstGeom>
+          <a:noFill/>
+          <a:ln/>
+        </p:spPr>
+        <p:txBody>
+          <a:bodyPr wrap="none" lIns="0" tIns="0" rIns="0" bIns="0" rtlCol="0" anchor="t"/>
+          <a:lstStyle/>
+          <a:p>
+            <a:pPr marL="342900" indent="-342900" algn="l">
+              <a:lnSpc>
+                <a:spcPts val="3000"/>
+              </a:lnSpc>
+              <a:buSzPct val="100000"/>
+              <a:buChar char="•"/>
+            </a:pPr>
+            <a:r>
+              <a:rPr lang="en-US" sz="1850" dirty="0">
+                <a:solidFill>
+                  <a:srgbClr val="CAD6DE"/>
+                </a:solidFill>
+                <a:latin typeface="Cabin" pitchFamily="34" charset="0"/>
+                <a:ea typeface="Cabin" pitchFamily="34" charset="-122"/>
+                <a:cs typeface="Cabin" pitchFamily="34" charset="-120"/>
+              </a:rPr>
+              <a:t>整合真實物流與支付</a:t>
+            </a:r>
+            <a:endParaRPr lang="en-US" sz="1850" dirty="0"/>
+          </a:p>
+        </p:txBody>
+      </p:sp>
+      <p:sp>
+        <p:nvSpPr>
+          <p:cNvPr id="9" name="Text 7">
+            <a:extLst>
+              <a:ext uri="{FF2B5EF4-FFF2-40B4-BE49-F238E27FC236}">
+                <a16:creationId xmlns:a16="http://schemas.microsoft.com/office/drawing/2014/main" xmlns="" id="{21DC604F-7348-3AC8-09C2-35F3B8C2DDBE}"/>
+              </a:ext>
+            </a:extLst>
+          </p:cNvPr>
+          <p:cNvSpPr/>
+          <p:nvPr/>
+        </p:nvSpPr>
+        <p:spPr>
+          <a:xfrm>
+            <a:off x="7614761" y="4828223"/>
+            <a:ext cx="6185535" cy="383024"/>
+          </a:xfrm>
+          <a:prstGeom prst="rect">
+            <a:avLst/>
+          </a:prstGeom>
+          <a:noFill/>
+          <a:ln/>
+        </p:spPr>
+        <p:txBody>
+          <a:bodyPr wrap="none" lIns="0" tIns="0" rIns="0" bIns="0" rtlCol="0" anchor="t"/>
+          <a:lstStyle/>
+          <a:p>
+            <a:pPr marL="342900" indent="-342900" algn="l">
+              <a:lnSpc>
+                <a:spcPts val="3000"/>
+              </a:lnSpc>
+              <a:buSzPct val="100000"/>
+              <a:buChar char="•"/>
+            </a:pPr>
+            <a:r>
+              <a:rPr lang="en-US" sz="1850" dirty="0">
+                <a:solidFill>
+                  <a:srgbClr val="CAD6DE"/>
+                </a:solidFill>
+                <a:latin typeface="Cabin" pitchFamily="34" charset="0"/>
+                <a:ea typeface="Cabin" pitchFamily="34" charset="-122"/>
+                <a:cs typeface="Cabin" pitchFamily="34" charset="-120"/>
+              </a:rPr>
               <a:t>行銷模組與促銷活動</a:t>
             </a:r>
             <a:endParaRPr lang="en-US" sz="1850" dirty="0"/>
@@ -6099,7 +7054,7 @@
           <p:cNvPr id="10" name="Text 8">
             <a:extLst>
               <a:ext uri="{FF2B5EF4-FFF2-40B4-BE49-F238E27FC236}">
-                <a16:creationId xmlns:a16="http://schemas.microsoft.com/office/drawing/2014/main" id="{D611A246-5FF8-10E3-B3D6-9B1DA498610E}"/>
+                <a16:creationId xmlns:a16="http://schemas.microsoft.com/office/drawing/2014/main" xmlns="" id="{D611A246-5FF8-10E3-B3D6-9B1DA498610E}"/>
               </a:ext>
             </a:extLst>
           </p:cNvPr>
@@ -6156,7 +7111,7 @@
 </p:sld>
 </file>
 
-<file path=ppt/slides/slide16.xml><?xml version="1.0" encoding="utf-8"?>
+<file path=ppt/slides/slide18.xml><?xml version="1.0" encoding="utf-8"?>
 <p:sld xmlns:a="http://schemas.openxmlformats.org/drawingml/2006/main" xmlns:r="http://schemas.openxmlformats.org/officeDocument/2006/relationships" xmlns:p="http://schemas.openxmlformats.org/presentationml/2006/main">
   <p:cSld>
     <p:spTree>
@@ -6208,7 +7163,7 @@
           <p:cNvPr id="2" name="Text 0">
             <a:extLst>
               <a:ext uri="{FF2B5EF4-FFF2-40B4-BE49-F238E27FC236}">
-                <a16:creationId xmlns:a16="http://schemas.microsoft.com/office/drawing/2014/main" id="{E9C13841-4E3D-A404-2D3D-9FCDB642CF79}"/>
+                <a16:creationId xmlns:a16="http://schemas.microsoft.com/office/drawing/2014/main" xmlns="" id="{E9C13841-4E3D-A404-2D3D-9FCDB642CF79}"/>
               </a:ext>
             </a:extLst>
           </p:cNvPr>
@@ -6256,7 +7211,7 @@
           <p:cNvPr id="3" name="Text 1">
             <a:extLst>
               <a:ext uri="{FF2B5EF4-FFF2-40B4-BE49-F238E27FC236}">
-                <a16:creationId xmlns:a16="http://schemas.microsoft.com/office/drawing/2014/main" id="{FD92AF0B-E23A-CF5F-B9C1-1C1581C8540E}"/>
+                <a16:creationId xmlns:a16="http://schemas.microsoft.com/office/drawing/2014/main" xmlns="" id="{FD92AF0B-E23A-CF5F-B9C1-1C1581C8540E}"/>
               </a:ext>
             </a:extLst>
           </p:cNvPr>
@@ -6304,7 +7259,7 @@
           <p:cNvPr id="4" name="Text 3">
             <a:extLst>
               <a:ext uri="{FF2B5EF4-FFF2-40B4-BE49-F238E27FC236}">
-                <a16:creationId xmlns:a16="http://schemas.microsoft.com/office/drawing/2014/main" id="{E755042D-E994-F3C0-4E69-AD8ECBA99C8A}"/>
+                <a16:creationId xmlns:a16="http://schemas.microsoft.com/office/drawing/2014/main" xmlns="" id="{E755042D-E994-F3C0-4E69-AD8ECBA99C8A}"/>
               </a:ext>
             </a:extLst>
           </p:cNvPr>
@@ -6374,7 +7329,7 @@
           <p:cNvPr id="5" name="Text 3">
             <a:extLst>
               <a:ext uri="{FF2B5EF4-FFF2-40B4-BE49-F238E27FC236}">
-                <a16:creationId xmlns:a16="http://schemas.microsoft.com/office/drawing/2014/main" id="{2BB2BFAE-8B33-8211-A731-4798E405B638}"/>
+                <a16:creationId xmlns:a16="http://schemas.microsoft.com/office/drawing/2014/main" xmlns="" id="{2BB2BFAE-8B33-8211-A731-4798E405B638}"/>
               </a:ext>
             </a:extLst>
           </p:cNvPr>
@@ -6422,7 +7377,7 @@
           <p:cNvPr id="6" name="Text 3">
             <a:extLst>
               <a:ext uri="{FF2B5EF4-FFF2-40B4-BE49-F238E27FC236}">
-                <a16:creationId xmlns:a16="http://schemas.microsoft.com/office/drawing/2014/main" id="{94536211-F9AA-F926-1CC3-9C067BBDD9D6}"/>
+                <a16:creationId xmlns:a16="http://schemas.microsoft.com/office/drawing/2014/main" xmlns="" id="{94536211-F9AA-F926-1CC3-9C067BBDD9D6}"/>
               </a:ext>
             </a:extLst>
           </p:cNvPr>
@@ -6470,7 +7425,7 @@
           <p:cNvPr id="7" name="Text 1">
             <a:extLst>
               <a:ext uri="{FF2B5EF4-FFF2-40B4-BE49-F238E27FC236}">
-                <a16:creationId xmlns:a16="http://schemas.microsoft.com/office/drawing/2014/main" id="{EDD2871A-B858-2604-02A9-65889D1268B2}"/>
+                <a16:creationId xmlns:a16="http://schemas.microsoft.com/office/drawing/2014/main" xmlns="" id="{EDD2871A-B858-2604-02A9-65889D1268B2}"/>
               </a:ext>
             </a:extLst>
           </p:cNvPr>
@@ -6518,7 +7473,7 @@
           <p:cNvPr id="8" name="Text 3">
             <a:extLst>
               <a:ext uri="{FF2B5EF4-FFF2-40B4-BE49-F238E27FC236}">
-                <a16:creationId xmlns:a16="http://schemas.microsoft.com/office/drawing/2014/main" id="{01C2E865-8817-9088-EC92-7F9E4B79F2F1}"/>
+                <a16:creationId xmlns:a16="http://schemas.microsoft.com/office/drawing/2014/main" xmlns="" id="{01C2E865-8817-9088-EC92-7F9E4B79F2F1}"/>
               </a:ext>
             </a:extLst>
           </p:cNvPr>
@@ -6566,7 +7521,7 @@
           <p:cNvPr id="9" name="Text 3">
             <a:extLst>
               <a:ext uri="{FF2B5EF4-FFF2-40B4-BE49-F238E27FC236}">
-                <a16:creationId xmlns:a16="http://schemas.microsoft.com/office/drawing/2014/main" id="{2602BCAB-3B91-C1A6-BEEB-741F4DD3C753}"/>
+                <a16:creationId xmlns:a16="http://schemas.microsoft.com/office/drawing/2014/main" xmlns="" id="{2602BCAB-3B91-C1A6-BEEB-741F4DD3C753}"/>
               </a:ext>
             </a:extLst>
           </p:cNvPr>
@@ -6614,7 +7569,7 @@
           <p:cNvPr id="10" name="Text 3">
             <a:extLst>
               <a:ext uri="{FF2B5EF4-FFF2-40B4-BE49-F238E27FC236}">
-                <a16:creationId xmlns:a16="http://schemas.microsoft.com/office/drawing/2014/main" id="{76013094-BBD9-00F5-7357-1F5A71A277A5}"/>
+                <a16:creationId xmlns:a16="http://schemas.microsoft.com/office/drawing/2014/main" xmlns="" id="{76013094-BBD9-00F5-7357-1F5A71A277A5}"/>
               </a:ext>
             </a:extLst>
           </p:cNvPr>
@@ -6662,7 +7617,7 @@
           <p:cNvPr id="11" name="Text 3">
             <a:extLst>
               <a:ext uri="{FF2B5EF4-FFF2-40B4-BE49-F238E27FC236}">
-                <a16:creationId xmlns:a16="http://schemas.microsoft.com/office/drawing/2014/main" id="{AE5E58A9-FAED-B450-B3B0-4AB035CB76D9}"/>
+                <a16:creationId xmlns:a16="http://schemas.microsoft.com/office/drawing/2014/main" xmlns="" id="{AE5E58A9-FAED-B450-B3B0-4AB035CB76D9}"/>
               </a:ext>
             </a:extLst>
           </p:cNvPr>
@@ -6740,7 +7695,7 @@
           <p:cNvPr id="2" name="Text 0">
             <a:extLst>
               <a:ext uri="{FF2B5EF4-FFF2-40B4-BE49-F238E27FC236}">
-                <a16:creationId xmlns:a16="http://schemas.microsoft.com/office/drawing/2014/main" id="{43051339-9B16-F8D1-2B54-6670F65E19EA}"/>
+                <a16:creationId xmlns:a16="http://schemas.microsoft.com/office/drawing/2014/main" xmlns="" id="{43051339-9B16-F8D1-2B54-6670F65E19EA}"/>
               </a:ext>
             </a:extLst>
           </p:cNvPr>
@@ -6818,7 +7773,7 @@
           <p:cNvPr id="2" name="Text 0">
             <a:extLst>
               <a:ext uri="{FF2B5EF4-FFF2-40B4-BE49-F238E27FC236}">
-                <a16:creationId xmlns:a16="http://schemas.microsoft.com/office/drawing/2014/main" id="{0E5DFD86-DAA3-E24E-C115-87E2A3946D9F}"/>
+                <a16:creationId xmlns:a16="http://schemas.microsoft.com/office/drawing/2014/main" xmlns="" id="{0E5DFD86-DAA3-E24E-C115-87E2A3946D9F}"/>
               </a:ext>
             </a:extLst>
           </p:cNvPr>
@@ -6866,7 +7821,7 @@
           <p:cNvPr id="3" name="Text 1">
             <a:extLst>
               <a:ext uri="{FF2B5EF4-FFF2-40B4-BE49-F238E27FC236}">
-                <a16:creationId xmlns:a16="http://schemas.microsoft.com/office/drawing/2014/main" id="{0C2EA2AC-9720-E7D0-2018-95BCB5B020ED}"/>
+                <a16:creationId xmlns:a16="http://schemas.microsoft.com/office/drawing/2014/main" xmlns="" id="{0C2EA2AC-9720-E7D0-2018-95BCB5B020ED}"/>
               </a:ext>
             </a:extLst>
           </p:cNvPr>
@@ -6914,7 +7869,7 @@
           <p:cNvPr id="4" name="Text 2">
             <a:extLst>
               <a:ext uri="{FF2B5EF4-FFF2-40B4-BE49-F238E27FC236}">
-                <a16:creationId xmlns:a16="http://schemas.microsoft.com/office/drawing/2014/main" id="{32CC4251-045F-A735-674C-7674D5575551}"/>
+                <a16:creationId xmlns:a16="http://schemas.microsoft.com/office/drawing/2014/main" xmlns="" id="{32CC4251-045F-A735-674C-7674D5575551}"/>
               </a:ext>
             </a:extLst>
           </p:cNvPr>
@@ -6962,7 +7917,7 @@
           <p:cNvPr id="5" name="Text 3">
             <a:extLst>
               <a:ext uri="{FF2B5EF4-FFF2-40B4-BE49-F238E27FC236}">
-                <a16:creationId xmlns:a16="http://schemas.microsoft.com/office/drawing/2014/main" id="{E337984F-AB19-E82B-CA1A-1020BBE5AFF4}"/>
+                <a16:creationId xmlns:a16="http://schemas.microsoft.com/office/drawing/2014/main" xmlns="" id="{E337984F-AB19-E82B-CA1A-1020BBE5AFF4}"/>
               </a:ext>
             </a:extLst>
           </p:cNvPr>
@@ -7010,7 +7965,7 @@
           <p:cNvPr id="6" name="Text 4">
             <a:extLst>
               <a:ext uri="{FF2B5EF4-FFF2-40B4-BE49-F238E27FC236}">
-                <a16:creationId xmlns:a16="http://schemas.microsoft.com/office/drawing/2014/main" id="{AF2BE53D-7A2C-72E3-9CC9-CDE9FD836F92}"/>
+                <a16:creationId xmlns:a16="http://schemas.microsoft.com/office/drawing/2014/main" xmlns="" id="{AF2BE53D-7A2C-72E3-9CC9-CDE9FD836F92}"/>
               </a:ext>
             </a:extLst>
           </p:cNvPr>
@@ -7058,7 +8013,7 @@
           <p:cNvPr id="7" name="Text 5">
             <a:extLst>
               <a:ext uri="{FF2B5EF4-FFF2-40B4-BE49-F238E27FC236}">
-                <a16:creationId xmlns:a16="http://schemas.microsoft.com/office/drawing/2014/main" id="{233D3FC9-5AEF-8357-5893-F40B55562D83}"/>
+                <a16:creationId xmlns:a16="http://schemas.microsoft.com/office/drawing/2014/main" xmlns="" id="{233D3FC9-5AEF-8357-5893-F40B55562D83}"/>
               </a:ext>
             </a:extLst>
           </p:cNvPr>
@@ -7106,7 +8061,7 @@
           <p:cNvPr id="8" name="Text 6">
             <a:extLst>
               <a:ext uri="{FF2B5EF4-FFF2-40B4-BE49-F238E27FC236}">
-                <a16:creationId xmlns:a16="http://schemas.microsoft.com/office/drawing/2014/main" id="{9EC85AF8-6AA8-2BD9-194E-FEA9430AE04C}"/>
+                <a16:creationId xmlns:a16="http://schemas.microsoft.com/office/drawing/2014/main" xmlns="" id="{9EC85AF8-6AA8-2BD9-194E-FEA9430AE04C}"/>
               </a:ext>
             </a:extLst>
           </p:cNvPr>
@@ -7154,7 +8109,7 @@
           <p:cNvPr id="9" name="Text 7">
             <a:extLst>
               <a:ext uri="{FF2B5EF4-FFF2-40B4-BE49-F238E27FC236}">
-                <a16:creationId xmlns:a16="http://schemas.microsoft.com/office/drawing/2014/main" id="{85E3F22B-7376-41C8-DED3-23D7DF52A3E1}"/>
+                <a16:creationId xmlns:a16="http://schemas.microsoft.com/office/drawing/2014/main" xmlns="" id="{85E3F22B-7376-41C8-DED3-23D7DF52A3E1}"/>
               </a:ext>
             </a:extLst>
           </p:cNvPr>
@@ -7202,7 +8157,7 @@
           <p:cNvPr id="10" name="Text 8">
             <a:extLst>
               <a:ext uri="{FF2B5EF4-FFF2-40B4-BE49-F238E27FC236}">
-                <a16:creationId xmlns:a16="http://schemas.microsoft.com/office/drawing/2014/main" id="{AFEACC91-D35A-1C36-2BE3-BC754C6439CF}"/>
+                <a16:creationId xmlns:a16="http://schemas.microsoft.com/office/drawing/2014/main" xmlns="" id="{AFEACC91-D35A-1C36-2BE3-BC754C6439CF}"/>
               </a:ext>
             </a:extLst>
           </p:cNvPr>
@@ -7280,16 +8235,16 @@
           <p:cNvPr id="2" name="Text 0">
             <a:extLst>
               <a:ext uri="{FF2B5EF4-FFF2-40B4-BE49-F238E27FC236}">
-                <a16:creationId xmlns:a16="http://schemas.microsoft.com/office/drawing/2014/main" id="{C052DEC4-A2C2-F364-8F62-8A1C4A59A339}"/>
-              </a:ext>
-            </a:extLst>
-          </p:cNvPr>
-          <p:cNvSpPr/>
-          <p:nvPr/>
-        </p:nvSpPr>
-        <p:spPr>
-          <a:xfrm>
-            <a:off x="837664" y="1512431"/>
+                <a16:creationId xmlns:a16="http://schemas.microsoft.com/office/drawing/2014/main" xmlns="" id="{C052DEC4-A2C2-F364-8F62-8A1C4A59A339}"/>
+              </a:ext>
+            </a:extLst>
+          </p:cNvPr>
+          <p:cNvSpPr/>
+          <p:nvPr/>
+        </p:nvSpPr>
+        <p:spPr>
+          <a:xfrm>
+            <a:off x="817786" y="1164562"/>
             <a:ext cx="5632490" cy="704017"/>
           </a:xfrm>
           <a:prstGeom prst="rect">
@@ -7309,13 +8264,28 @@
               <a:buNone/>
             </a:pPr>
             <a:r>
-              <a:rPr lang="zh-TW" altLang="en-US" sz="5400" dirty="0">
+              <a:rPr lang="en-US" sz="5400" dirty="0" smtClean="0">
                 <a:solidFill>
                   <a:srgbClr val="FFFFFF"/>
                 </a:solidFill>
+                <a:highlight>
+                  <a:srgbClr val="C0C0C0"/>
+                </a:highlight>
                 <a:latin typeface="Unbounded" pitchFamily="34" charset="0"/>
               </a:rPr>
-              <a:t>使用案例圖</a:t>
+              <a:t>Site-Map</a:t>
+            </a:r>
+            <a:r>
+              <a:rPr lang="zh-TW" altLang="en-US" sz="5400" dirty="0" smtClean="0">
+                <a:solidFill>
+                  <a:srgbClr val="FFFFFF"/>
+                </a:solidFill>
+                <a:highlight>
+                  <a:srgbClr val="C0C0C0"/>
+                </a:highlight>
+                <a:latin typeface="Unbounded" pitchFamily="34" charset="0"/>
+              </a:rPr>
+              <a:t> 前台使用者</a:t>
             </a:r>
             <a:endParaRPr lang="en-US" sz="5400" dirty="0">
               <a:highlight>
@@ -7325,6 +8295,36 @@
           </a:p>
         </p:txBody>
       </p:sp>
+      <p:pic>
+        <p:nvPicPr>
+          <p:cNvPr id="6" name="圖片 5"/>
+          <p:cNvPicPr>
+            <a:picLocks noChangeAspect="1"/>
+          </p:cNvPicPr>
+          <p:nvPr/>
+        </p:nvPicPr>
+        <p:blipFill>
+          <a:blip r:embed="rId2" cstate="print">
+            <a:extLst>
+              <a:ext uri="{28A0092B-C50C-407E-A947-70E740481C1C}">
+                <a14:useLocalDpi xmlns:a14="http://schemas.microsoft.com/office/drawing/2010/main" val="0"/>
+              </a:ext>
+            </a:extLst>
+          </a:blip>
+          <a:stretch>
+            <a:fillRect/>
+          </a:stretch>
+        </p:blipFill>
+        <p:spPr>
+          <a:xfrm>
+            <a:off x="686930" y="815029"/>
+            <a:ext cx="12719386" cy="17988778"/>
+          </a:xfrm>
+          <a:prstGeom prst="rect">
+            <a:avLst/>
+          </a:prstGeom>
+        </p:spPr>
+      </p:pic>
     </p:spTree>
     <p:extLst>
       <p:ext uri="{BB962C8B-B14F-4D97-AF65-F5344CB8AC3E}">
@@ -7360,16 +8360,16 @@
           <p:cNvPr id="2" name="Text 0">
             <a:extLst>
               <a:ext uri="{FF2B5EF4-FFF2-40B4-BE49-F238E27FC236}">
-                <a16:creationId xmlns:a16="http://schemas.microsoft.com/office/drawing/2014/main" id="{A7F0C4F0-0F36-4ABB-1894-BDD61C4F5D4E}"/>
-              </a:ext>
-            </a:extLst>
-          </p:cNvPr>
-          <p:cNvSpPr/>
-          <p:nvPr/>
-        </p:nvSpPr>
-        <p:spPr>
-          <a:xfrm>
-            <a:off x="837664" y="1512431"/>
+                <a16:creationId xmlns:a16="http://schemas.microsoft.com/office/drawing/2014/main" xmlns="" id="{C052DEC4-A2C2-F364-8F62-8A1C4A59A339}"/>
+              </a:ext>
+            </a:extLst>
+          </p:cNvPr>
+          <p:cNvSpPr/>
+          <p:nvPr/>
+        </p:nvSpPr>
+        <p:spPr>
+          <a:xfrm>
+            <a:off x="817786" y="1164562"/>
             <a:ext cx="5632490" cy="704017"/>
           </a:xfrm>
           <a:prstGeom prst="rect">
@@ -7389,13 +8389,28 @@
               <a:buNone/>
             </a:pPr>
             <a:r>
-              <a:rPr lang="zh-TW" altLang="en-US" sz="5400" dirty="0">
+              <a:rPr lang="en-US" sz="5400" dirty="0" smtClean="0">
                 <a:solidFill>
                   <a:srgbClr val="FFFFFF"/>
                 </a:solidFill>
+                <a:highlight>
+                  <a:srgbClr val="C0C0C0"/>
+                </a:highlight>
                 <a:latin typeface="Unbounded" pitchFamily="34" charset="0"/>
               </a:rPr>
-              <a:t>類別圖</a:t>
+              <a:t>Site-Map</a:t>
+            </a:r>
+            <a:r>
+              <a:rPr lang="zh-TW" altLang="en-US" sz="5400" dirty="0" smtClean="0">
+                <a:solidFill>
+                  <a:srgbClr val="FFFFFF"/>
+                </a:solidFill>
+                <a:highlight>
+                  <a:srgbClr val="C0C0C0"/>
+                </a:highlight>
+                <a:latin typeface="Unbounded" pitchFamily="34" charset="0"/>
+              </a:rPr>
+              <a:t> 後台員工</a:t>
             </a:r>
             <a:endParaRPr lang="en-US" sz="5400" dirty="0">
               <a:highlight>
@@ -7405,10 +8420,40 @@
           </a:p>
         </p:txBody>
       </p:sp>
+      <p:pic>
+        <p:nvPicPr>
+          <p:cNvPr id="3" name="圖片 2"/>
+          <p:cNvPicPr>
+            <a:picLocks noChangeAspect="1"/>
+          </p:cNvPicPr>
+          <p:nvPr/>
+        </p:nvPicPr>
+        <p:blipFill>
+          <a:blip r:embed="rId2" cstate="print">
+            <a:extLst>
+              <a:ext uri="{28A0092B-C50C-407E-A947-70E740481C1C}">
+                <a14:useLocalDpi xmlns:a14="http://schemas.microsoft.com/office/drawing/2010/main" val="0"/>
+              </a:ext>
+            </a:extLst>
+          </a:blip>
+          <a:stretch>
+            <a:fillRect/>
+          </a:stretch>
+        </p:blipFill>
+        <p:spPr>
+          <a:xfrm>
+            <a:off x="1286922" y="2595797"/>
+            <a:ext cx="11193926" cy="15831351"/>
+          </a:xfrm>
+          <a:prstGeom prst="rect">
+            <a:avLst/>
+          </a:prstGeom>
+        </p:spPr>
+      </p:pic>
     </p:spTree>
     <p:extLst>
       <p:ext uri="{BB962C8B-B14F-4D97-AF65-F5344CB8AC3E}">
-        <p14:creationId xmlns:p14="http://schemas.microsoft.com/office/powerpoint/2010/main" val="4060439482"/>
+        <p14:creationId xmlns:p14="http://schemas.microsoft.com/office/powerpoint/2010/main" val="3972673544"/>
       </p:ext>
     </p:extLst>
   </p:cSld>
@@ -7440,7 +8485,7 @@
           <p:cNvPr id="2" name="Text 0">
             <a:extLst>
               <a:ext uri="{FF2B5EF4-FFF2-40B4-BE49-F238E27FC236}">
-                <a16:creationId xmlns:a16="http://schemas.microsoft.com/office/drawing/2014/main" id="{81CC1C34-C7EA-3947-E6B1-707DFD6B3033}"/>
+                <a16:creationId xmlns:a16="http://schemas.microsoft.com/office/drawing/2014/main" xmlns="" id="{A7F0C4F0-0F36-4ABB-1894-BDD61C4F5D4E}"/>
               </a:ext>
             </a:extLst>
           </p:cNvPr>
@@ -7475,7 +8520,7 @@
                 </a:solidFill>
                 <a:latin typeface="Unbounded" pitchFamily="34" charset="0"/>
               </a:rPr>
-              <a:t>流程圖</a:t>
+              <a:t>類別圖</a:t>
             </a:r>
             <a:endParaRPr lang="en-US" sz="5400" dirty="0">
               <a:highlight>
@@ -7488,7 +8533,7 @@
     </p:spTree>
     <p:extLst>
       <p:ext uri="{BB962C8B-B14F-4D97-AF65-F5344CB8AC3E}">
-        <p14:creationId xmlns:p14="http://schemas.microsoft.com/office/powerpoint/2010/main" val="1507827000"/>
+        <p14:creationId xmlns:p14="http://schemas.microsoft.com/office/powerpoint/2010/main" val="1957535455"/>
       </p:ext>
     </p:extLst>
   </p:cSld>
@@ -7515,52 +8560,22 @@
           <a:chExt cx="0" cy="0"/>
         </a:xfrm>
       </p:grpSpPr>
-      <p:pic>
-        <p:nvPicPr>
-          <p:cNvPr id="2" name="Image 0" descr="preencoded.png">
-            <a:extLst>
-              <a:ext uri="{FF2B5EF4-FFF2-40B4-BE49-F238E27FC236}">
-                <a16:creationId xmlns:a16="http://schemas.microsoft.com/office/drawing/2014/main" id="{1D42A72D-39C8-95EB-F1E2-F51078C43E48}"/>
-              </a:ext>
-            </a:extLst>
-          </p:cNvPr>
-          <p:cNvPicPr>
-            <a:picLocks noChangeAspect="1"/>
-          </p:cNvPicPr>
-          <p:nvPr/>
-        </p:nvPicPr>
-        <p:blipFill>
-          <a:blip r:embed="rId2"/>
-          <a:stretch>
-            <a:fillRect/>
-          </a:stretch>
-        </p:blipFill>
-        <p:spPr>
-          <a:xfrm>
-            <a:off x="9144000" y="0"/>
-            <a:ext cx="5486400" cy="8229600"/>
-          </a:xfrm>
-          <a:prstGeom prst="rect">
-            <a:avLst/>
-          </a:prstGeom>
-        </p:spPr>
-      </p:pic>
-      <p:sp>
-        <p:nvSpPr>
-          <p:cNvPr id="3" name="Text 0">
-            <a:extLst>
-              <a:ext uri="{FF2B5EF4-FFF2-40B4-BE49-F238E27FC236}">
-                <a16:creationId xmlns:a16="http://schemas.microsoft.com/office/drawing/2014/main" id="{8BF2A6AB-1F7E-9633-389D-D723B15A9392}"/>
-              </a:ext>
-            </a:extLst>
-          </p:cNvPr>
-          <p:cNvSpPr/>
-          <p:nvPr/>
-        </p:nvSpPr>
-        <p:spPr>
-          <a:xfrm>
-            <a:off x="837724" y="1914882"/>
-            <a:ext cx="6757988" cy="704017"/>
+      <p:sp>
+        <p:nvSpPr>
+          <p:cNvPr id="2" name="Text 0">
+            <a:extLst>
+              <a:ext uri="{FF2B5EF4-FFF2-40B4-BE49-F238E27FC236}">
+                <a16:creationId xmlns:a16="http://schemas.microsoft.com/office/drawing/2014/main" xmlns="" id="{A7F0C4F0-0F36-4ABB-1894-BDD61C4F5D4E}"/>
+              </a:ext>
+            </a:extLst>
+          </p:cNvPr>
+          <p:cNvSpPr/>
+          <p:nvPr/>
+        </p:nvSpPr>
+        <p:spPr>
+          <a:xfrm>
+            <a:off x="837664" y="1512431"/>
+            <a:ext cx="5632490" cy="704017"/>
           </a:xfrm>
           <a:prstGeom prst="rect">
             <a:avLst/>
@@ -7579,396 +8594,26 @@
               <a:buNone/>
             </a:pPr>
             <a:r>
-              <a:rPr lang="en-US" sz="4400" dirty="0">
+              <a:rPr lang="zh-TW" altLang="en-US" sz="5400" dirty="0">
                 <a:solidFill>
                   <a:srgbClr val="FFFFFF"/>
                 </a:solidFill>
                 <a:latin typeface="Unbounded" pitchFamily="34" charset="0"/>
-                <a:ea typeface="Unbounded" pitchFamily="34" charset="-122"/>
-                <a:cs typeface="Unbounded" pitchFamily="34" charset="-120"/>
-              </a:rPr>
-              <a:t>前台功能：使用者體驗至上</a:t>
-            </a:r>
-            <a:endParaRPr lang="en-US" sz="4400" dirty="0"/>
-          </a:p>
-        </p:txBody>
-      </p:sp>
-      <p:sp>
-        <p:nvSpPr>
-          <p:cNvPr id="4" name="Shape 1">
-            <a:extLst>
-              <a:ext uri="{FF2B5EF4-FFF2-40B4-BE49-F238E27FC236}">
-                <a16:creationId xmlns:a16="http://schemas.microsoft.com/office/drawing/2014/main" id="{6C660091-FD11-19F4-B101-AD493F3FAABB}"/>
-              </a:ext>
-            </a:extLst>
-          </p:cNvPr>
-          <p:cNvSpPr/>
-          <p:nvPr/>
-        </p:nvSpPr>
-        <p:spPr>
-          <a:xfrm>
-            <a:off x="837724" y="2977872"/>
-            <a:ext cx="3614618" cy="1740218"/>
-          </a:xfrm>
-          <a:prstGeom prst="roundRect">
-            <a:avLst>
-              <a:gd name="adj" fmla="val 2063"/>
-            </a:avLst>
-          </a:prstGeom>
-          <a:solidFill>
-            <a:srgbClr val="304755"/>
-          </a:solidFill>
-          <a:ln/>
-        </p:spPr>
-      </p:sp>
-      <p:sp>
-        <p:nvSpPr>
-          <p:cNvPr id="5" name="Text 2">
-            <a:extLst>
-              <a:ext uri="{FF2B5EF4-FFF2-40B4-BE49-F238E27FC236}">
-                <a16:creationId xmlns:a16="http://schemas.microsoft.com/office/drawing/2014/main" id="{101A07B7-081B-4384-C963-FFC0D5B53663}"/>
-              </a:ext>
-            </a:extLst>
-          </p:cNvPr>
-          <p:cNvSpPr/>
-          <p:nvPr/>
-        </p:nvSpPr>
-        <p:spPr>
-          <a:xfrm>
-            <a:off x="1077039" y="3217188"/>
-            <a:ext cx="2816185" cy="351949"/>
-          </a:xfrm>
-          <a:prstGeom prst="rect">
-            <a:avLst/>
-          </a:prstGeom>
-          <a:noFill/>
-          <a:ln/>
-        </p:spPr>
-        <p:txBody>
-          <a:bodyPr wrap="none" lIns="0" tIns="0" rIns="0" bIns="0" rtlCol="0" anchor="t"/>
-          <a:lstStyle/>
-          <a:p>
-            <a:pPr marL="0" indent="0" algn="l">
-              <a:lnSpc>
-                <a:spcPts val="2750"/>
-              </a:lnSpc>
-              <a:buNone/>
-            </a:pPr>
-            <a:r>
-              <a:rPr lang="en-US" sz="2200" dirty="0">
-                <a:solidFill>
-                  <a:srgbClr val="CAD6DE"/>
-                </a:solidFill>
-                <a:latin typeface="Unbounded" pitchFamily="34" charset="0"/>
-                <a:ea typeface="Unbounded" pitchFamily="34" charset="-122"/>
-                <a:cs typeface="Unbounded" pitchFamily="34" charset="-120"/>
-              </a:rPr>
-              <a:t>最近看過商品</a:t>
-            </a:r>
-            <a:endParaRPr lang="en-US" sz="2200" dirty="0"/>
-          </a:p>
-        </p:txBody>
-      </p:sp>
-      <p:sp>
-        <p:nvSpPr>
-          <p:cNvPr id="6" name="Text 3">
-            <a:extLst>
-              <a:ext uri="{FF2B5EF4-FFF2-40B4-BE49-F238E27FC236}">
-                <a16:creationId xmlns:a16="http://schemas.microsoft.com/office/drawing/2014/main" id="{462400A2-D484-A8F3-CCF3-32E253FD6954}"/>
-              </a:ext>
-            </a:extLst>
-          </p:cNvPr>
-          <p:cNvSpPr/>
-          <p:nvPr/>
-        </p:nvSpPr>
-        <p:spPr>
-          <a:xfrm>
-            <a:off x="1077039" y="3712726"/>
-            <a:ext cx="3135987" cy="766048"/>
-          </a:xfrm>
-          <a:prstGeom prst="rect">
-            <a:avLst/>
-          </a:prstGeom>
-          <a:noFill/>
-          <a:ln/>
-        </p:spPr>
-        <p:txBody>
-          <a:bodyPr wrap="square" lIns="0" tIns="0" rIns="0" bIns="0" rtlCol="0" anchor="t"/>
-          <a:lstStyle/>
-          <a:p>
-            <a:pPr marL="0" indent="0" algn="l">
-              <a:lnSpc>
-                <a:spcPts val="3000"/>
-              </a:lnSpc>
-              <a:buNone/>
-            </a:pPr>
-            <a:r>
-              <a:rPr lang="en-US" sz="1850" dirty="0">
-                <a:solidFill>
-                  <a:srgbClr val="CAD6DE"/>
-                </a:solidFill>
-                <a:latin typeface="Cabin" pitchFamily="34" charset="0"/>
-                <a:ea typeface="Cabin" pitchFamily="34" charset="-122"/>
-                <a:cs typeface="Cabin" pitchFamily="34" charset="-120"/>
-              </a:rPr>
-              <a:t>追蹤瀏覽紀錄，方便用戶回顧商品</a:t>
-            </a:r>
-            <a:endParaRPr lang="en-US" sz="1850" dirty="0"/>
-          </a:p>
-        </p:txBody>
-      </p:sp>
-      <p:sp>
-        <p:nvSpPr>
-          <p:cNvPr id="7" name="Shape 4">
-            <a:extLst>
-              <a:ext uri="{FF2B5EF4-FFF2-40B4-BE49-F238E27FC236}">
-                <a16:creationId xmlns:a16="http://schemas.microsoft.com/office/drawing/2014/main" id="{2B8FEFA1-65DA-DEEF-1B3F-0DC7ECD2278D}"/>
-              </a:ext>
-            </a:extLst>
-          </p:cNvPr>
-          <p:cNvSpPr/>
-          <p:nvPr/>
-        </p:nvSpPr>
-        <p:spPr>
-          <a:xfrm>
-            <a:off x="4691658" y="2977872"/>
-            <a:ext cx="3614618" cy="1740218"/>
-          </a:xfrm>
-          <a:prstGeom prst="roundRect">
-            <a:avLst>
-              <a:gd name="adj" fmla="val 2063"/>
-            </a:avLst>
-          </a:prstGeom>
-          <a:solidFill>
-            <a:srgbClr val="304755"/>
-          </a:solidFill>
-          <a:ln/>
-        </p:spPr>
-      </p:sp>
-      <p:sp>
-        <p:nvSpPr>
-          <p:cNvPr id="8" name="Text 5">
-            <a:extLst>
-              <a:ext uri="{FF2B5EF4-FFF2-40B4-BE49-F238E27FC236}">
-                <a16:creationId xmlns:a16="http://schemas.microsoft.com/office/drawing/2014/main" id="{F636048F-4C36-6D44-AA6F-5D21733034BE}"/>
-              </a:ext>
-            </a:extLst>
-          </p:cNvPr>
-          <p:cNvSpPr/>
-          <p:nvPr/>
-        </p:nvSpPr>
-        <p:spPr>
-          <a:xfrm>
-            <a:off x="4930973" y="3217188"/>
-            <a:ext cx="2816185" cy="351949"/>
-          </a:xfrm>
-          <a:prstGeom prst="rect">
-            <a:avLst/>
-          </a:prstGeom>
-          <a:noFill/>
-          <a:ln/>
-        </p:spPr>
-        <p:txBody>
-          <a:bodyPr wrap="none" lIns="0" tIns="0" rIns="0" bIns="0" rtlCol="0" anchor="t"/>
-          <a:lstStyle/>
-          <a:p>
-            <a:pPr marL="0" indent="0" algn="l">
-              <a:lnSpc>
-                <a:spcPts val="2750"/>
-              </a:lnSpc>
-              <a:buNone/>
-            </a:pPr>
-            <a:r>
-              <a:rPr lang="en-US" sz="2200" dirty="0">
-                <a:solidFill>
-                  <a:srgbClr val="CAD6DE"/>
-                </a:solidFill>
-                <a:latin typeface="Unbounded" pitchFamily="34" charset="0"/>
-                <a:ea typeface="Unbounded" pitchFamily="34" charset="-122"/>
-                <a:cs typeface="Unbounded" pitchFamily="34" charset="-120"/>
-              </a:rPr>
-              <a:t>購物車管理</a:t>
-            </a:r>
-            <a:endParaRPr lang="en-US" sz="2200" dirty="0"/>
-          </a:p>
-        </p:txBody>
-      </p:sp>
-      <p:sp>
-        <p:nvSpPr>
-          <p:cNvPr id="9" name="Text 6">
-            <a:extLst>
-              <a:ext uri="{FF2B5EF4-FFF2-40B4-BE49-F238E27FC236}">
-                <a16:creationId xmlns:a16="http://schemas.microsoft.com/office/drawing/2014/main" id="{6BBFCEEE-A067-D3FE-98EA-BF5239A138DB}"/>
-              </a:ext>
-            </a:extLst>
-          </p:cNvPr>
-          <p:cNvSpPr/>
-          <p:nvPr/>
-        </p:nvSpPr>
-        <p:spPr>
-          <a:xfrm>
-            <a:off x="4930973" y="3712726"/>
-            <a:ext cx="3135987" cy="766048"/>
-          </a:xfrm>
-          <a:prstGeom prst="rect">
-            <a:avLst/>
-          </a:prstGeom>
-          <a:noFill/>
-          <a:ln/>
-        </p:spPr>
-        <p:txBody>
-          <a:bodyPr wrap="square" lIns="0" tIns="0" rIns="0" bIns="0" rtlCol="0" anchor="t"/>
-          <a:lstStyle/>
-          <a:p>
-            <a:pPr marL="0" indent="0" algn="l">
-              <a:lnSpc>
-                <a:spcPts val="3000"/>
-              </a:lnSpc>
-              <a:buNone/>
-            </a:pPr>
-            <a:r>
-              <a:rPr lang="en-US" sz="1850" dirty="0">
-                <a:solidFill>
-                  <a:srgbClr val="CAD6DE"/>
-                </a:solidFill>
-                <a:latin typeface="Cabin" pitchFamily="34" charset="0"/>
-                <a:ea typeface="Cabin" pitchFamily="34" charset="-122"/>
-                <a:cs typeface="Cabin" pitchFamily="34" charset="-120"/>
-              </a:rPr>
-              <a:t>支援商品新增、刪除與數量調整</a:t>
-            </a:r>
-            <a:endParaRPr lang="en-US" sz="1850" dirty="0"/>
-          </a:p>
-        </p:txBody>
-      </p:sp>
-      <p:sp>
-        <p:nvSpPr>
-          <p:cNvPr id="10" name="Shape 7">
-            <a:extLst>
-              <a:ext uri="{FF2B5EF4-FFF2-40B4-BE49-F238E27FC236}">
-                <a16:creationId xmlns:a16="http://schemas.microsoft.com/office/drawing/2014/main" id="{DE1F0B5E-5085-2EE2-9290-B4EB90339DF7}"/>
-              </a:ext>
-            </a:extLst>
-          </p:cNvPr>
-          <p:cNvSpPr/>
-          <p:nvPr/>
-        </p:nvSpPr>
-        <p:spPr>
-          <a:xfrm>
-            <a:off x="837724" y="4957405"/>
-            <a:ext cx="7468553" cy="1357193"/>
-          </a:xfrm>
-          <a:prstGeom prst="roundRect">
-            <a:avLst>
-              <a:gd name="adj" fmla="val 2646"/>
-            </a:avLst>
-          </a:prstGeom>
-          <a:solidFill>
-            <a:srgbClr val="304755"/>
-          </a:solidFill>
-          <a:ln/>
-        </p:spPr>
-      </p:sp>
-      <p:sp>
-        <p:nvSpPr>
-          <p:cNvPr id="11" name="Text 8">
-            <a:extLst>
-              <a:ext uri="{FF2B5EF4-FFF2-40B4-BE49-F238E27FC236}">
-                <a16:creationId xmlns:a16="http://schemas.microsoft.com/office/drawing/2014/main" id="{A00863E8-4C0B-E789-CB2A-9F6F1E19F32D}"/>
-              </a:ext>
-            </a:extLst>
-          </p:cNvPr>
-          <p:cNvSpPr/>
-          <p:nvPr/>
-        </p:nvSpPr>
-        <p:spPr>
-          <a:xfrm>
-            <a:off x="1077039" y="5196721"/>
-            <a:ext cx="2816185" cy="351949"/>
-          </a:xfrm>
-          <a:prstGeom prst="rect">
-            <a:avLst/>
-          </a:prstGeom>
-          <a:noFill/>
-          <a:ln/>
-        </p:spPr>
-        <p:txBody>
-          <a:bodyPr wrap="none" lIns="0" tIns="0" rIns="0" bIns="0" rtlCol="0" anchor="t"/>
-          <a:lstStyle/>
-          <a:p>
-            <a:pPr marL="0" indent="0" algn="l">
-              <a:lnSpc>
-                <a:spcPts val="2750"/>
-              </a:lnSpc>
-              <a:buNone/>
-            </a:pPr>
-            <a:r>
-              <a:rPr lang="en-US" sz="2200" dirty="0">
-                <a:solidFill>
-                  <a:srgbClr val="CAD6DE"/>
-                </a:solidFill>
-                <a:latin typeface="Unbounded" pitchFamily="34" charset="0"/>
-                <a:ea typeface="Unbounded" pitchFamily="34" charset="-122"/>
-                <a:cs typeface="Unbounded" pitchFamily="34" charset="-120"/>
-              </a:rPr>
-              <a:t>商品搜尋與篩選</a:t>
-            </a:r>
-            <a:endParaRPr lang="en-US" sz="2200" dirty="0"/>
-          </a:p>
-        </p:txBody>
-      </p:sp>
-      <p:sp>
-        <p:nvSpPr>
-          <p:cNvPr id="12" name="Text 9">
-            <a:extLst>
-              <a:ext uri="{FF2B5EF4-FFF2-40B4-BE49-F238E27FC236}">
-                <a16:creationId xmlns:a16="http://schemas.microsoft.com/office/drawing/2014/main" id="{5541A060-9A7A-52F5-84D2-F9FABAA334DA}"/>
-              </a:ext>
-            </a:extLst>
-          </p:cNvPr>
-          <p:cNvSpPr/>
-          <p:nvPr/>
-        </p:nvSpPr>
-        <p:spPr>
-          <a:xfrm>
-            <a:off x="1077039" y="5692259"/>
-            <a:ext cx="6989921" cy="383024"/>
-          </a:xfrm>
-          <a:prstGeom prst="rect">
-            <a:avLst/>
-          </a:prstGeom>
-          <a:noFill/>
-          <a:ln/>
-        </p:spPr>
-        <p:txBody>
-          <a:bodyPr wrap="none" lIns="0" tIns="0" rIns="0" bIns="0" rtlCol="0" anchor="t"/>
-          <a:lstStyle/>
-          <a:p>
-            <a:pPr marL="0" indent="0" algn="l">
-              <a:lnSpc>
-                <a:spcPts val="3000"/>
-              </a:lnSpc>
-              <a:buNone/>
-            </a:pPr>
-            <a:r>
-              <a:rPr lang="en-US" sz="1850" dirty="0">
-                <a:solidFill>
-                  <a:srgbClr val="CAD6DE"/>
-                </a:solidFill>
-                <a:latin typeface="Cabin" pitchFamily="34" charset="0"/>
-                <a:ea typeface="Cabin" pitchFamily="34" charset="-122"/>
-                <a:cs typeface="Cabin" pitchFamily="34" charset="-120"/>
-              </a:rPr>
-              <a:t>關鍵字、分類及價格區間多元篩選</a:t>
-            </a:r>
-            <a:endParaRPr lang="en-US" sz="1850" dirty="0"/>
+              </a:rPr>
+              <a:t>類別圖</a:t>
+            </a:r>
+            <a:endParaRPr lang="en-US" sz="5400" dirty="0">
+              <a:highlight>
+                <a:srgbClr val="C0C0C0"/>
+              </a:highlight>
+            </a:endParaRPr>
           </a:p>
         </p:txBody>
       </p:sp>
     </p:spTree>
     <p:extLst>
       <p:ext uri="{BB962C8B-B14F-4D97-AF65-F5344CB8AC3E}">
-        <p14:creationId xmlns:p14="http://schemas.microsoft.com/office/powerpoint/2010/main" val="3851110173"/>
+        <p14:creationId xmlns:p14="http://schemas.microsoft.com/office/powerpoint/2010/main" val="4060439482"/>
       </p:ext>
     </p:extLst>
   </p:cSld>
@@ -8000,16 +8645,16 @@
           <p:cNvPr id="2" name="Text 0">
             <a:extLst>
               <a:ext uri="{FF2B5EF4-FFF2-40B4-BE49-F238E27FC236}">
-                <a16:creationId xmlns:a16="http://schemas.microsoft.com/office/drawing/2014/main" id="{4BECE61C-96CC-4A9D-6230-C060D27295AB}"/>
-              </a:ext>
-            </a:extLst>
-          </p:cNvPr>
-          <p:cNvSpPr/>
-          <p:nvPr/>
-        </p:nvSpPr>
-        <p:spPr>
-          <a:xfrm>
-            <a:off x="837724" y="2467928"/>
+                <a16:creationId xmlns:a16="http://schemas.microsoft.com/office/drawing/2014/main" xmlns="" id="{81CC1C34-C7EA-3947-E6B1-707DFD6B3033}"/>
+              </a:ext>
+            </a:extLst>
+          </p:cNvPr>
+          <p:cNvSpPr/>
+          <p:nvPr/>
+        </p:nvSpPr>
+        <p:spPr>
+          <a:xfrm>
+            <a:off x="837664" y="1512431"/>
             <a:ext cx="5632490" cy="704017"/>
           </a:xfrm>
           <a:prstGeom prst="rect">
@@ -8029,414 +8674,26 @@
               <a:buNone/>
             </a:pPr>
             <a:r>
-              <a:rPr lang="en-US" sz="4400" dirty="0">
+              <a:rPr lang="zh-TW" altLang="en-US" sz="5400" dirty="0">
                 <a:solidFill>
                   <a:srgbClr val="FFFFFF"/>
                 </a:solidFill>
                 <a:latin typeface="Unbounded" pitchFamily="34" charset="0"/>
-                <a:ea typeface="Unbounded" pitchFamily="34" charset="-122"/>
-                <a:cs typeface="Unbounded" pitchFamily="34" charset="-120"/>
-              </a:rPr>
-              <a:t>前台功能：會員中心</a:t>
-            </a:r>
-            <a:endParaRPr lang="en-US" sz="4400" dirty="0"/>
-          </a:p>
-        </p:txBody>
-      </p:sp>
-      <p:sp>
-        <p:nvSpPr>
-          <p:cNvPr id="3" name="Text 1">
-            <a:extLst>
-              <a:ext uri="{FF2B5EF4-FFF2-40B4-BE49-F238E27FC236}">
-                <a16:creationId xmlns:a16="http://schemas.microsoft.com/office/drawing/2014/main" id="{3F0623C5-E73C-1A4C-5B8B-B7BD4678909F}"/>
-              </a:ext>
-            </a:extLst>
-          </p:cNvPr>
-          <p:cNvSpPr/>
-          <p:nvPr/>
-        </p:nvSpPr>
-        <p:spPr>
-          <a:xfrm>
-            <a:off x="837724" y="3770233"/>
-            <a:ext cx="2816185" cy="351949"/>
-          </a:xfrm>
-          <a:prstGeom prst="rect">
-            <a:avLst/>
-          </a:prstGeom>
-          <a:noFill/>
-          <a:ln/>
-        </p:spPr>
-        <p:txBody>
-          <a:bodyPr wrap="none" lIns="0" tIns="0" rIns="0" bIns="0" rtlCol="0" anchor="t"/>
-          <a:lstStyle/>
-          <a:p>
-            <a:pPr marL="0" indent="0" algn="l">
-              <a:lnSpc>
-                <a:spcPts val="2750"/>
-              </a:lnSpc>
-              <a:buNone/>
-            </a:pPr>
-            <a:r>
-              <a:rPr lang="en-US" sz="2200" dirty="0">
-                <a:solidFill>
-                  <a:srgbClr val="FFFFFF"/>
-                </a:solidFill>
-                <a:latin typeface="Unbounded" pitchFamily="34" charset="0"/>
-                <a:ea typeface="Unbounded" pitchFamily="34" charset="-122"/>
-                <a:cs typeface="Unbounded" pitchFamily="34" charset="-120"/>
-              </a:rPr>
-              <a:t>買家頁面</a:t>
-            </a:r>
-            <a:endParaRPr lang="en-US" sz="2200" dirty="0"/>
-          </a:p>
-        </p:txBody>
-      </p:sp>
-      <p:sp>
-        <p:nvSpPr>
-          <p:cNvPr id="4" name="Text 2">
-            <a:extLst>
-              <a:ext uri="{FF2B5EF4-FFF2-40B4-BE49-F238E27FC236}">
-                <a16:creationId xmlns:a16="http://schemas.microsoft.com/office/drawing/2014/main" id="{05FFC3A7-3EF2-9D59-70E3-4DDDB2E7C90F}"/>
-              </a:ext>
-            </a:extLst>
-          </p:cNvPr>
-          <p:cNvSpPr/>
-          <p:nvPr/>
-        </p:nvSpPr>
-        <p:spPr>
-          <a:xfrm>
-            <a:off x="837724" y="4361498"/>
-            <a:ext cx="6185535" cy="383024"/>
-          </a:xfrm>
-          <a:prstGeom prst="rect">
-            <a:avLst/>
-          </a:prstGeom>
-          <a:noFill/>
-          <a:ln/>
-        </p:spPr>
-        <p:txBody>
-          <a:bodyPr wrap="none" lIns="0" tIns="0" rIns="0" bIns="0" rtlCol="0" anchor="t"/>
-          <a:lstStyle/>
-          <a:p>
-            <a:pPr marL="342900" indent="-342900" algn="l">
-              <a:lnSpc>
-                <a:spcPts val="3000"/>
-              </a:lnSpc>
-              <a:buSzPct val="100000"/>
-              <a:buChar char="•"/>
-            </a:pPr>
-            <a:r>
-              <a:rPr lang="en-US" sz="1850" dirty="0">
-                <a:solidFill>
-                  <a:srgbClr val="CAD6DE"/>
-                </a:solidFill>
-                <a:latin typeface="Cabin" pitchFamily="34" charset="0"/>
-                <a:ea typeface="Cabin" pitchFamily="34" charset="-122"/>
-                <a:cs typeface="Cabin" pitchFamily="34" charset="-120"/>
-              </a:rPr>
-              <a:t>訂單查詢</a:t>
-            </a:r>
-            <a:endParaRPr lang="en-US" sz="1850" dirty="0"/>
-          </a:p>
-        </p:txBody>
-      </p:sp>
-      <p:sp>
-        <p:nvSpPr>
-          <p:cNvPr id="5" name="Text 3">
-            <a:extLst>
-              <a:ext uri="{FF2B5EF4-FFF2-40B4-BE49-F238E27FC236}">
-                <a16:creationId xmlns:a16="http://schemas.microsoft.com/office/drawing/2014/main" id="{2A873B31-1202-A43A-F7DC-6B32F75B7E88}"/>
-              </a:ext>
-            </a:extLst>
-          </p:cNvPr>
-          <p:cNvSpPr/>
-          <p:nvPr/>
-        </p:nvSpPr>
-        <p:spPr>
-          <a:xfrm>
-            <a:off x="837724" y="4828223"/>
-            <a:ext cx="6185535" cy="383024"/>
-          </a:xfrm>
-          <a:prstGeom prst="rect">
-            <a:avLst/>
-          </a:prstGeom>
-          <a:noFill/>
-          <a:ln/>
-        </p:spPr>
-        <p:txBody>
-          <a:bodyPr wrap="none" lIns="0" tIns="0" rIns="0" bIns="0" rtlCol="0" anchor="t"/>
-          <a:lstStyle/>
-          <a:p>
-            <a:pPr marL="342900" indent="-342900" algn="l">
-              <a:lnSpc>
-                <a:spcPts val="3000"/>
-              </a:lnSpc>
-              <a:buSzPct val="100000"/>
-              <a:buChar char="•"/>
-            </a:pPr>
-            <a:r>
-              <a:rPr lang="en-US" sz="1850" dirty="0">
-                <a:solidFill>
-                  <a:srgbClr val="CAD6DE"/>
-                </a:solidFill>
-                <a:latin typeface="Cabin" pitchFamily="34" charset="0"/>
-                <a:ea typeface="Cabin" pitchFamily="34" charset="-122"/>
-                <a:cs typeface="Cabin" pitchFamily="34" charset="-120"/>
-              </a:rPr>
-              <a:t>個人資料修改</a:t>
-            </a:r>
-            <a:endParaRPr lang="en-US" sz="1850" dirty="0"/>
-          </a:p>
-        </p:txBody>
-      </p:sp>
-      <p:sp>
-        <p:nvSpPr>
-          <p:cNvPr id="6" name="Text 4">
-            <a:extLst>
-              <a:ext uri="{FF2B5EF4-FFF2-40B4-BE49-F238E27FC236}">
-                <a16:creationId xmlns:a16="http://schemas.microsoft.com/office/drawing/2014/main" id="{36ACA40E-3DB5-B9F5-BF28-EE89C3BA5D12}"/>
-              </a:ext>
-            </a:extLst>
-          </p:cNvPr>
-          <p:cNvSpPr/>
-          <p:nvPr/>
-        </p:nvSpPr>
-        <p:spPr>
-          <a:xfrm>
-            <a:off x="837724" y="5294948"/>
-            <a:ext cx="6185535" cy="383024"/>
-          </a:xfrm>
-          <a:prstGeom prst="rect">
-            <a:avLst/>
-          </a:prstGeom>
-          <a:noFill/>
-          <a:ln/>
-        </p:spPr>
-        <p:txBody>
-          <a:bodyPr wrap="none" lIns="0" tIns="0" rIns="0" bIns="0" rtlCol="0" anchor="t"/>
-          <a:lstStyle/>
-          <a:p>
-            <a:pPr marL="342900" indent="-342900" algn="l">
-              <a:lnSpc>
-                <a:spcPts val="3000"/>
-              </a:lnSpc>
-              <a:buSzPct val="100000"/>
-              <a:buChar char="•"/>
-            </a:pPr>
-            <a:r>
-              <a:rPr lang="en-US" sz="1850" dirty="0">
-                <a:solidFill>
-                  <a:srgbClr val="CAD6DE"/>
-                </a:solidFill>
-                <a:latin typeface="Cabin" pitchFamily="34" charset="0"/>
-                <a:ea typeface="Cabin" pitchFamily="34" charset="-122"/>
-                <a:cs typeface="Cabin" pitchFamily="34" charset="-120"/>
-              </a:rPr>
-              <a:t>收貨地址管理</a:t>
-            </a:r>
-            <a:endParaRPr lang="en-US" sz="1850" dirty="0"/>
-          </a:p>
-        </p:txBody>
-      </p:sp>
-      <p:sp>
-        <p:nvSpPr>
-          <p:cNvPr id="7" name="Text 5">
-            <a:extLst>
-              <a:ext uri="{FF2B5EF4-FFF2-40B4-BE49-F238E27FC236}">
-                <a16:creationId xmlns:a16="http://schemas.microsoft.com/office/drawing/2014/main" id="{A88F8A75-D9ED-614B-F440-BAE0B93102D5}"/>
-              </a:ext>
-            </a:extLst>
-          </p:cNvPr>
-          <p:cNvSpPr/>
-          <p:nvPr/>
-        </p:nvSpPr>
-        <p:spPr>
-          <a:xfrm>
-            <a:off x="7614761" y="3770233"/>
-            <a:ext cx="2816185" cy="351949"/>
-          </a:xfrm>
-          <a:prstGeom prst="rect">
-            <a:avLst/>
-          </a:prstGeom>
-          <a:noFill/>
-          <a:ln/>
-        </p:spPr>
-        <p:txBody>
-          <a:bodyPr wrap="none" lIns="0" tIns="0" rIns="0" bIns="0" rtlCol="0" anchor="t"/>
-          <a:lstStyle/>
-          <a:p>
-            <a:pPr marL="0" indent="0" algn="l">
-              <a:lnSpc>
-                <a:spcPts val="2750"/>
-              </a:lnSpc>
-              <a:buNone/>
-            </a:pPr>
-            <a:r>
-              <a:rPr lang="en-US" sz="2200" dirty="0">
-                <a:solidFill>
-                  <a:srgbClr val="FFFFFF"/>
-                </a:solidFill>
-                <a:latin typeface="Unbounded" pitchFamily="34" charset="0"/>
-                <a:ea typeface="Unbounded" pitchFamily="34" charset="-122"/>
-                <a:cs typeface="Unbounded" pitchFamily="34" charset="-120"/>
-              </a:rPr>
-              <a:t>賣家頁面</a:t>
-            </a:r>
-            <a:endParaRPr lang="en-US" sz="2200" dirty="0"/>
-          </a:p>
-        </p:txBody>
-      </p:sp>
-      <p:sp>
-        <p:nvSpPr>
-          <p:cNvPr id="8" name="Text 6">
-            <a:extLst>
-              <a:ext uri="{FF2B5EF4-FFF2-40B4-BE49-F238E27FC236}">
-                <a16:creationId xmlns:a16="http://schemas.microsoft.com/office/drawing/2014/main" id="{31351CE4-7E2B-2C0D-3E71-2533994973CF}"/>
-              </a:ext>
-            </a:extLst>
-          </p:cNvPr>
-          <p:cNvSpPr/>
-          <p:nvPr/>
-        </p:nvSpPr>
-        <p:spPr>
-          <a:xfrm>
-            <a:off x="7614761" y="4361498"/>
-            <a:ext cx="6185535" cy="383024"/>
-          </a:xfrm>
-          <a:prstGeom prst="rect">
-            <a:avLst/>
-          </a:prstGeom>
-          <a:noFill/>
-          <a:ln/>
-        </p:spPr>
-        <p:txBody>
-          <a:bodyPr wrap="none" lIns="0" tIns="0" rIns="0" bIns="0" rtlCol="0" anchor="t"/>
-          <a:lstStyle/>
-          <a:p>
-            <a:pPr marL="342900" indent="-342900" algn="l">
-              <a:lnSpc>
-                <a:spcPts val="3000"/>
-              </a:lnSpc>
-              <a:buSzPct val="100000"/>
-              <a:buChar char="•"/>
-            </a:pPr>
-            <a:r>
-              <a:rPr lang="en-US" sz="1850" dirty="0">
-                <a:solidFill>
-                  <a:srgbClr val="CAD6DE"/>
-                </a:solidFill>
-                <a:latin typeface="Cabin" pitchFamily="34" charset="0"/>
-                <a:ea typeface="Cabin" pitchFamily="34" charset="-122"/>
-                <a:cs typeface="Cabin" pitchFamily="34" charset="-120"/>
-              </a:rPr>
-              <a:t>訂單管理</a:t>
-            </a:r>
-            <a:endParaRPr lang="en-US" sz="1850" dirty="0"/>
-          </a:p>
-        </p:txBody>
-      </p:sp>
-      <p:sp>
-        <p:nvSpPr>
-          <p:cNvPr id="9" name="Text 7">
-            <a:extLst>
-              <a:ext uri="{FF2B5EF4-FFF2-40B4-BE49-F238E27FC236}">
-                <a16:creationId xmlns:a16="http://schemas.microsoft.com/office/drawing/2014/main" id="{DCDAC237-05A6-1705-71C3-CBE3781D0812}"/>
-              </a:ext>
-            </a:extLst>
-          </p:cNvPr>
-          <p:cNvSpPr/>
-          <p:nvPr/>
-        </p:nvSpPr>
-        <p:spPr>
-          <a:xfrm>
-            <a:off x="7614761" y="4828223"/>
-            <a:ext cx="6185535" cy="383024"/>
-          </a:xfrm>
-          <a:prstGeom prst="rect">
-            <a:avLst/>
-          </a:prstGeom>
-          <a:noFill/>
-          <a:ln/>
-        </p:spPr>
-        <p:txBody>
-          <a:bodyPr wrap="none" lIns="0" tIns="0" rIns="0" bIns="0" rtlCol="0" anchor="t"/>
-          <a:lstStyle/>
-          <a:p>
-            <a:pPr marL="342900" indent="-342900" algn="l">
-              <a:lnSpc>
-                <a:spcPts val="3000"/>
-              </a:lnSpc>
-              <a:buSzPct val="100000"/>
-              <a:buChar char="•"/>
-            </a:pPr>
-            <a:r>
-              <a:rPr lang="en-US" sz="1850" dirty="0">
-                <a:solidFill>
-                  <a:srgbClr val="CAD6DE"/>
-                </a:solidFill>
-                <a:latin typeface="Cabin" pitchFamily="34" charset="0"/>
-                <a:ea typeface="Cabin" pitchFamily="34" charset="-122"/>
-                <a:cs typeface="Cabin" pitchFamily="34" charset="-120"/>
-              </a:rPr>
-              <a:t>商品上下架</a:t>
-            </a:r>
-            <a:endParaRPr lang="en-US" sz="1850" dirty="0"/>
-          </a:p>
-        </p:txBody>
-      </p:sp>
-      <p:sp>
-        <p:nvSpPr>
-          <p:cNvPr id="10" name="Text 8">
-            <a:extLst>
-              <a:ext uri="{FF2B5EF4-FFF2-40B4-BE49-F238E27FC236}">
-                <a16:creationId xmlns:a16="http://schemas.microsoft.com/office/drawing/2014/main" id="{7F01AE55-69B8-B24D-BCC6-C9E377D93437}"/>
-              </a:ext>
-            </a:extLst>
-          </p:cNvPr>
-          <p:cNvSpPr/>
-          <p:nvPr/>
-        </p:nvSpPr>
-        <p:spPr>
-          <a:xfrm>
-            <a:off x="7614761" y="5294948"/>
-            <a:ext cx="6185535" cy="383024"/>
-          </a:xfrm>
-          <a:prstGeom prst="rect">
-            <a:avLst/>
-          </a:prstGeom>
-          <a:noFill/>
-          <a:ln/>
-        </p:spPr>
-        <p:txBody>
-          <a:bodyPr wrap="none" lIns="0" tIns="0" rIns="0" bIns="0" rtlCol="0" anchor="t"/>
-          <a:lstStyle/>
-          <a:p>
-            <a:pPr marL="342900" indent="-342900" algn="l">
-              <a:lnSpc>
-                <a:spcPts val="3000"/>
-              </a:lnSpc>
-              <a:buSzPct val="100000"/>
-              <a:buChar char="•"/>
-            </a:pPr>
-            <a:r>
-              <a:rPr lang="en-US" sz="1850" dirty="0">
-                <a:solidFill>
-                  <a:srgbClr val="CAD6DE"/>
-                </a:solidFill>
-                <a:latin typeface="Cabin" pitchFamily="34" charset="0"/>
-                <a:ea typeface="Cabin" pitchFamily="34" charset="-122"/>
-                <a:cs typeface="Cabin" pitchFamily="34" charset="-120"/>
-              </a:rPr>
-              <a:t>商品資訊修改</a:t>
-            </a:r>
-            <a:endParaRPr lang="en-US" sz="1850" dirty="0"/>
+              </a:rPr>
+              <a:t>流程圖</a:t>
+            </a:r>
+            <a:endParaRPr lang="en-US" sz="5400" dirty="0">
+              <a:highlight>
+                <a:srgbClr val="C0C0C0"/>
+              </a:highlight>
+            </a:endParaRPr>
           </a:p>
         </p:txBody>
       </p:sp>
     </p:spTree>
     <p:extLst>
       <p:ext uri="{BB962C8B-B14F-4D97-AF65-F5344CB8AC3E}">
-        <p14:creationId xmlns:p14="http://schemas.microsoft.com/office/powerpoint/2010/main" val="559461770"/>
+        <p14:creationId xmlns:p14="http://schemas.microsoft.com/office/powerpoint/2010/main" val="1507827000"/>
       </p:ext>
     </p:extLst>
   </p:cSld>
